--- a/Presentation/DesignWorkshop.pptx
+++ b/Presentation/DesignWorkshop.pptx
@@ -316,6 +316,11 @@
       </a:defRPr>
     </a:lvl9pPr>
   </p:defaultTextStyle>
+  <p:extLst>
+    <p:ext uri="{EFAFB233-063F-42B5-8137-9DF3F51BA10A}">
+      <p15:sldGuideLst xmlns:p15="http://schemas.microsoft.com/office/powerpoint/2012/main"/>
+    </p:ext>
+  </p:extLst>
 </p:presentation>
 </file>
 
@@ -21088,36 +21093,12 @@
               <a:t> </a:t>
             </a:r>
             <a:r>
-              <a:rPr lang="de-DE" dirty="0" err="1">
-                <a:solidFill>
-                  <a:schemeClr val="tx1"/>
-                </a:solidFill>
-              </a:rPr>
-              <a:t>raw</a:t>
-            </a:r>
-            <a:r>
               <a:rPr lang="de-DE" dirty="0">
                 <a:solidFill>
                   <a:schemeClr val="tx1"/>
                 </a:solidFill>
               </a:rPr>
-              <a:t> PDF </a:t>
-            </a:r>
-            <a:r>
-              <a:rPr lang="de-DE" dirty="0" err="1">
-                <a:solidFill>
-                  <a:schemeClr val="tx1"/>
-                </a:solidFill>
-              </a:rPr>
-              <a:t>to</a:t>
-            </a:r>
-            <a:r>
-              <a:rPr lang="de-DE" dirty="0">
-                <a:solidFill>
-                  <a:schemeClr val="tx1"/>
-                </a:solidFill>
-              </a:rPr>
-              <a:t> TXT </a:t>
+              <a:t>Raw PDF to TXT </a:t>
             </a:r>
             <a:r>
               <a:rPr lang="de-DE" dirty="0" err="1">
@@ -21165,21 +21146,8 @@
                   <a:schemeClr val="tx1"/>
                 </a:solidFill>
               </a:rPr>
-              <a:t> </a:t>
-            </a:r>
-            <a:r>
-              <a:rPr lang="de-DE" dirty="0" err="1">
-                <a:solidFill>
-                  <a:schemeClr val="tx1"/>
-                </a:solidFill>
-              </a:rPr>
-              <a:t>content</a:t>
-            </a:r>
-            <a:endParaRPr lang="de-DE" dirty="0">
-              <a:solidFill>
-                <a:schemeClr val="tx1"/>
-              </a:solidFill>
-            </a:endParaRPr>
+              <a:t> content</a:t>
+            </a:r>
           </a:p>
           <a:p>
             <a:pPr marL="180975" lvl="1" indent="0" algn="l" defTabSz="914400">

--- a/Presentation/DesignWorkshop.pptx
+++ b/Presentation/DesignWorkshop.pptx
@@ -5,16 +5,17 @@
     <p:sldMasterId id="2147483648" r:id="rId1"/>
   </p:sldMasterIdLst>
   <p:notesMasterIdLst>
-    <p:notesMasterId r:id="rId9"/>
+    <p:notesMasterId r:id="rId10"/>
   </p:notesMasterIdLst>
   <p:sldIdLst>
     <p:sldId id="256" r:id="rId2"/>
     <p:sldId id="257" r:id="rId3"/>
     <p:sldId id="266" r:id="rId4"/>
     <p:sldId id="258" r:id="rId5"/>
-    <p:sldId id="259" r:id="rId6"/>
-    <p:sldId id="265" r:id="rId7"/>
-    <p:sldId id="262" r:id="rId8"/>
+    <p:sldId id="267" r:id="rId6"/>
+    <p:sldId id="259" r:id="rId7"/>
+    <p:sldId id="265" r:id="rId8"/>
+    <p:sldId id="262" r:id="rId9"/>
   </p:sldIdLst>
   <p:sldSz cx="12192000" cy="6858000"/>
   <p:notesSz cx="6858000" cy="9144000"/>
@@ -622,7 +623,7 @@
           <a:bodyPr/>
           <a:lstStyle/>
           <a:p>
-            <a:endParaRPr lang="de-DE"/>
+            <a:endParaRPr lang="de-DE" dirty="0"/>
           </a:p>
         </p:txBody>
       </p:sp>
@@ -875,322 +876,442 @@
           <a:lstStyle/>
           <a:p>
             <a:r>
-              <a:rPr lang="de-DE"/>
+              <a:rPr lang="de-DE" dirty="0"/>
+              <a:t>Intermediate Format </a:t>
+            </a:r>
+            <a:r>
+              <a:rPr lang="de-DE" dirty="0" err="1"/>
+              <a:t>to</a:t>
+            </a:r>
+            <a:r>
+              <a:rPr lang="de-DE" dirty="0"/>
+              <a:t> </a:t>
+            </a:r>
+            <a:r>
+              <a:rPr lang="de-DE" dirty="0" err="1"/>
+              <a:t>easier</a:t>
+            </a:r>
+            <a:r>
+              <a:rPr lang="de-DE" dirty="0"/>
+              <a:t> </a:t>
+            </a:r>
+            <a:r>
+              <a:rPr lang="de-DE" dirty="0" err="1"/>
+              <a:t>work</a:t>
+            </a:r>
+            <a:r>
+              <a:rPr lang="de-DE" dirty="0"/>
+              <a:t> </a:t>
+            </a:r>
+            <a:r>
+              <a:rPr lang="de-DE" dirty="0" err="1"/>
+              <a:t>with</a:t>
+            </a:r>
+            <a:r>
+              <a:rPr lang="de-DE" dirty="0"/>
+              <a:t> in </a:t>
+            </a:r>
+            <a:r>
+              <a:rPr lang="de-DE" dirty="0" err="1"/>
+              <a:t>java</a:t>
+            </a:r>
+            <a:r>
+              <a:rPr lang="de-DE" dirty="0"/>
+              <a:t> </a:t>
+            </a:r>
+            <a:r>
+              <a:rPr lang="de-DE" dirty="0">
+                <a:sym typeface="Wingdings" pitchFamily="2" charset="2"/>
+              </a:rPr>
+              <a:t> String</a:t>
+            </a:r>
+          </a:p>
+          <a:p>
+            <a:endParaRPr lang="de-DE" dirty="0">
+              <a:sym typeface="Wingdings" pitchFamily="2" charset="2"/>
+            </a:endParaRPr>
+          </a:p>
+        </p:txBody>
+      </p:sp>
+    </p:spTree>
+    <p:extLst>
+      <p:ext uri="{BB962C8B-B14F-4D97-AF65-F5344CB8AC3E}">
+        <p14:creationId xmlns:p14="http://schemas.microsoft.com/office/powerpoint/2010/main" val="1632709972"/>
+      </p:ext>
+    </p:extLst>
+  </p:cSld>
+  <p:clrMapOvr>
+    <a:masterClrMapping/>
+  </p:clrMapOvr>
+</p:notes>
+</file>
+
+<file path=ppt/notesSlides/notesSlide6.xml><?xml version="1.0" encoding="utf-8"?>
+<p:notes xmlns:a="http://schemas.openxmlformats.org/drawingml/2006/main" xmlns:r="http://schemas.openxmlformats.org/officeDocument/2006/relationships" xmlns:p="http://schemas.openxmlformats.org/presentationml/2006/main">
+  <p:cSld>
+    <p:spTree>
+      <p:nvGrpSpPr>
+        <p:cNvPr id="1" name=""/>
+        <p:cNvGrpSpPr/>
+        <p:nvPr/>
+      </p:nvGrpSpPr>
+      <p:grpSpPr>
+        <a:xfrm>
+          <a:off x="0" y="0"/>
+          <a:ext cx="0" cy="0"/>
+          <a:chOff x="0" y="0"/>
+          <a:chExt cx="0" cy="0"/>
+        </a:xfrm>
+      </p:grpSpPr>
+      <p:sp>
+        <p:nvSpPr>
+          <p:cNvPr id="2" name="Folienbildplatzhalter 1"/>
+          <p:cNvSpPr>
+            <a:spLocks noGrp="1" noRot="1" noChangeAspect="1"/>
+          </p:cNvSpPr>
+          <p:nvPr>
+            <p:ph type="sldImg"/>
+          </p:nvPr>
+        </p:nvSpPr>
+        <p:spPr>
+          <a:xfrm>
+            <a:off x="381000" y="685800"/>
+            <a:ext cx="6096000" cy="3429000"/>
+          </a:xfrm>
+        </p:spPr>
+      </p:sp>
+      <p:sp>
+        <p:nvSpPr>
+          <p:cNvPr id="3" name="Notizenplatzhalter 2"/>
+          <p:cNvSpPr>
+            <a:spLocks noGrp="1"/>
+          </p:cNvSpPr>
+          <p:nvPr>
+            <p:ph type="body" idx="1"/>
+          </p:nvPr>
+        </p:nvSpPr>
+        <p:spPr/>
+        <p:txBody>
+          <a:bodyPr/>
+          <a:lstStyle/>
+          <a:p>
+            <a:r>
+              <a:rPr lang="de-DE" dirty="0"/>
               <a:t>Java </a:t>
             </a:r>
             <a:r>
-              <a:rPr lang="de-DE" err="1"/>
+              <a:rPr lang="de-DE" dirty="0" err="1"/>
               <a:t>for</a:t>
             </a:r>
             <a:r>
-              <a:rPr lang="de-DE"/>
+              <a:rPr lang="de-DE" dirty="0"/>
               <a:t> </a:t>
             </a:r>
             <a:r>
-              <a:rPr lang="de-DE" err="1"/>
+              <a:rPr lang="de-DE" dirty="0" err="1"/>
               <a:t>ease</a:t>
             </a:r>
             <a:r>
-              <a:rPr lang="de-DE"/>
+              <a:rPr lang="de-DE" dirty="0"/>
               <a:t> </a:t>
             </a:r>
             <a:r>
-              <a:rPr lang="de-DE" err="1"/>
+              <a:rPr lang="de-DE" dirty="0" err="1"/>
               <a:t>of</a:t>
             </a:r>
             <a:r>
-              <a:rPr lang="de-DE"/>
+              <a:rPr lang="de-DE" dirty="0"/>
               <a:t> </a:t>
             </a:r>
             <a:r>
-              <a:rPr lang="de-DE" err="1"/>
+              <a:rPr lang="de-DE" dirty="0" err="1"/>
               <a:t>use</a:t>
             </a:r>
             <a:r>
-              <a:rPr lang="de-DE"/>
+              <a:rPr lang="de-DE" dirty="0"/>
               <a:t> </a:t>
             </a:r>
             <a:r>
-              <a:rPr lang="de-DE" err="1"/>
+              <a:rPr lang="de-DE" dirty="0" err="1"/>
               <a:t>and</a:t>
             </a:r>
             <a:r>
-              <a:rPr lang="de-DE"/>
+              <a:rPr lang="de-DE" dirty="0"/>
               <a:t> </a:t>
             </a:r>
             <a:r>
-              <a:rPr lang="de-DE" err="1"/>
+              <a:rPr lang="de-DE" dirty="0" err="1"/>
               <a:t>most</a:t>
             </a:r>
             <a:r>
-              <a:rPr lang="de-DE"/>
+              <a:rPr lang="de-DE" dirty="0"/>
               <a:t> </a:t>
             </a:r>
             <a:r>
-              <a:rPr lang="de-DE" err="1"/>
+              <a:rPr lang="de-DE" dirty="0" err="1"/>
               <a:t>experience</a:t>
             </a:r>
             <a:r>
-              <a:rPr lang="de-DE"/>
+              <a:rPr lang="de-DE" dirty="0"/>
               <a:t> in </a:t>
             </a:r>
             <a:r>
-              <a:rPr lang="de-DE" err="1"/>
+              <a:rPr lang="de-DE" dirty="0" err="1"/>
               <a:t>team</a:t>
             </a:r>
-            <a:endParaRPr lang="de-DE"/>
-          </a:p>
-          <a:p>
-            <a:r>
-              <a:rPr lang="de-DE" err="1"/>
+            <a:endParaRPr lang="de-DE" dirty="0"/>
+          </a:p>
+          <a:p>
+            <a:r>
+              <a:rPr lang="de-DE" dirty="0" err="1"/>
               <a:t>Pdfbox</a:t>
             </a:r>
             <a:r>
-              <a:rPr lang="de-DE"/>
+              <a:rPr lang="de-DE" dirty="0"/>
               <a:t> </a:t>
             </a:r>
             <a:r>
-              <a:rPr lang="de-DE" err="1"/>
+              <a:rPr lang="de-DE" dirty="0" err="1"/>
               <a:t>because</a:t>
             </a:r>
             <a:r>
-              <a:rPr lang="de-DE"/>
+              <a:rPr lang="de-DE" dirty="0"/>
               <a:t> </a:t>
             </a:r>
             <a:r>
-              <a:rPr lang="de-DE" err="1"/>
+              <a:rPr lang="de-DE" dirty="0" err="1"/>
               <a:t>of</a:t>
             </a:r>
             <a:r>
-              <a:rPr lang="de-DE"/>
+              <a:rPr lang="de-DE" dirty="0"/>
               <a:t> </a:t>
             </a:r>
             <a:r>
-              <a:rPr lang="de-DE" err="1"/>
+              <a:rPr lang="de-DE" dirty="0" err="1"/>
               <a:t>extraction</a:t>
             </a:r>
             <a:r>
-              <a:rPr lang="de-DE"/>
+              <a:rPr lang="de-DE" dirty="0"/>
               <a:t> </a:t>
             </a:r>
             <a:r>
-              <a:rPr lang="de-DE" err="1"/>
+              <a:rPr lang="de-DE" dirty="0" err="1"/>
               <a:t>method</a:t>
             </a:r>
             <a:r>
-              <a:rPr lang="de-DE"/>
+              <a:rPr lang="de-DE" dirty="0"/>
               <a:t> in </a:t>
             </a:r>
             <a:r>
-              <a:rPr lang="de-DE" err="1"/>
+              <a:rPr lang="de-DE" dirty="0" err="1"/>
               <a:t>easier</a:t>
             </a:r>
             <a:r>
-              <a:rPr lang="de-DE"/>
+              <a:rPr lang="de-DE" dirty="0"/>
               <a:t> </a:t>
             </a:r>
             <a:r>
-              <a:rPr lang="de-DE" err="1"/>
+              <a:rPr lang="de-DE" dirty="0" err="1"/>
               <a:t>to</a:t>
             </a:r>
             <a:r>
-              <a:rPr lang="de-DE"/>
+              <a:rPr lang="de-DE" dirty="0"/>
               <a:t> </a:t>
             </a:r>
             <a:r>
-              <a:rPr lang="de-DE" err="1"/>
+              <a:rPr lang="de-DE" dirty="0" err="1"/>
               <a:t>work</a:t>
             </a:r>
             <a:r>
-              <a:rPr lang="de-DE"/>
+              <a:rPr lang="de-DE" dirty="0"/>
               <a:t> </a:t>
             </a:r>
             <a:r>
-              <a:rPr lang="de-DE" err="1"/>
+              <a:rPr lang="de-DE" dirty="0" err="1"/>
               <a:t>with</a:t>
             </a:r>
             <a:r>
-              <a:rPr lang="de-DE"/>
+              <a:rPr lang="de-DE" dirty="0"/>
               <a:t> </a:t>
             </a:r>
             <a:r>
-              <a:rPr lang="de-DE" err="1"/>
+              <a:rPr lang="de-DE" dirty="0" err="1"/>
               <a:t>txt</a:t>
             </a:r>
             <a:r>
-              <a:rPr lang="de-DE"/>
+              <a:rPr lang="de-DE" dirty="0"/>
               <a:t> </a:t>
             </a:r>
             <a:r>
-              <a:rPr lang="de-DE" err="1"/>
+              <a:rPr lang="de-DE" dirty="0" err="1"/>
               <a:t>format</a:t>
             </a:r>
-            <a:endParaRPr lang="de-DE"/>
-          </a:p>
-          <a:p>
-            <a:endParaRPr lang="de-DE"/>
-          </a:p>
-          <a:p>
-            <a:r>
-              <a:rPr lang="de-DE"/>
+            <a:endParaRPr lang="de-DE" dirty="0"/>
+          </a:p>
+          <a:p>
+            <a:endParaRPr lang="de-DE" dirty="0"/>
+          </a:p>
+          <a:p>
+            <a:r>
+              <a:rPr lang="de-DE" dirty="0"/>
               <a:t>Golden </a:t>
             </a:r>
             <a:r>
-              <a:rPr lang="de-DE" err="1"/>
+              <a:rPr lang="de-DE" dirty="0" err="1"/>
               <a:t>standard</a:t>
             </a:r>
             <a:r>
-              <a:rPr lang="de-DE"/>
+              <a:rPr lang="de-DE" dirty="0"/>
               <a:t> </a:t>
             </a:r>
             <a:r>
-              <a:rPr lang="de-DE" err="1"/>
+              <a:rPr lang="de-DE" dirty="0" err="1"/>
               <a:t>for</a:t>
             </a:r>
             <a:r>
-              <a:rPr lang="de-DE"/>
+              <a:rPr lang="de-DE" dirty="0"/>
               <a:t> </a:t>
             </a:r>
             <a:r>
-              <a:rPr lang="de-DE" err="1"/>
+              <a:rPr lang="de-DE" dirty="0" err="1"/>
               <a:t>testing</a:t>
             </a:r>
             <a:r>
-              <a:rPr lang="de-DE"/>
+              <a:rPr lang="de-DE" dirty="0"/>
               <a:t> </a:t>
             </a:r>
             <a:r>
-              <a:rPr lang="de-DE" err="1"/>
+              <a:rPr lang="de-DE" dirty="0" err="1"/>
               <a:t>and</a:t>
             </a:r>
             <a:r>
-              <a:rPr lang="de-DE"/>
+              <a:rPr lang="de-DE" dirty="0"/>
               <a:t> </a:t>
             </a:r>
             <a:r>
-              <a:rPr lang="de-DE" err="1"/>
+              <a:rPr lang="de-DE" dirty="0" err="1"/>
               <a:t>determining</a:t>
             </a:r>
             <a:r>
-              <a:rPr lang="de-DE"/>
+              <a:rPr lang="de-DE" dirty="0"/>
               <a:t> </a:t>
             </a:r>
             <a:r>
-              <a:rPr lang="de-DE" err="1"/>
+              <a:rPr lang="de-DE" dirty="0" err="1"/>
               <a:t>accuracy</a:t>
             </a:r>
-            <a:endParaRPr lang="de-DE"/>
-          </a:p>
-          <a:p>
-            <a:endParaRPr lang="de-DE"/>
-          </a:p>
-          <a:p>
-            <a:r>
-              <a:rPr lang="de-DE"/>
+            <a:endParaRPr lang="de-DE" dirty="0"/>
+          </a:p>
+          <a:p>
+            <a:endParaRPr lang="de-DE" dirty="0"/>
+          </a:p>
+          <a:p>
+            <a:r>
+              <a:rPr lang="de-DE" dirty="0"/>
               <a:t>First </a:t>
             </a:r>
             <a:r>
-              <a:rPr lang="de-DE" err="1"/>
+              <a:rPr lang="de-DE" dirty="0" err="1"/>
               <a:t>steps</a:t>
             </a:r>
             <a:r>
-              <a:rPr lang="de-DE"/>
+              <a:rPr lang="de-DE" dirty="0"/>
               <a:t> </a:t>
             </a:r>
             <a:r>
-              <a:rPr lang="de-DE" err="1"/>
+              <a:rPr lang="de-DE" dirty="0" err="1"/>
               <a:t>are</a:t>
             </a:r>
             <a:r>
-              <a:rPr lang="de-DE"/>
+              <a:rPr lang="de-DE" dirty="0"/>
               <a:t> </a:t>
             </a:r>
             <a:r>
-              <a:rPr lang="de-DE" err="1"/>
+              <a:rPr lang="de-DE" dirty="0" err="1"/>
               <a:t>to</a:t>
             </a:r>
             <a:r>
-              <a:rPr lang="de-DE"/>
+              <a:rPr lang="de-DE" dirty="0"/>
               <a:t> </a:t>
             </a:r>
             <a:r>
-              <a:rPr lang="de-DE" err="1"/>
+              <a:rPr lang="de-DE" dirty="0" err="1"/>
               <a:t>extract</a:t>
             </a:r>
             <a:r>
-              <a:rPr lang="de-DE"/>
+              <a:rPr lang="de-DE" dirty="0"/>
               <a:t> </a:t>
             </a:r>
             <a:r>
-              <a:rPr lang="de-DE" err="1"/>
+              <a:rPr lang="de-DE" dirty="0" err="1"/>
               <a:t>the</a:t>
             </a:r>
             <a:r>
-              <a:rPr lang="de-DE"/>
+              <a:rPr lang="de-DE" dirty="0"/>
               <a:t> </a:t>
             </a:r>
             <a:r>
-              <a:rPr lang="de-DE" err="1"/>
+              <a:rPr lang="de-DE" dirty="0" err="1"/>
               <a:t>index</a:t>
             </a:r>
             <a:r>
-              <a:rPr lang="de-DE"/>
+              <a:rPr lang="de-DE" dirty="0"/>
               <a:t> </a:t>
             </a:r>
             <a:r>
-              <a:rPr lang="de-DE" err="1"/>
+              <a:rPr lang="de-DE" dirty="0" err="1"/>
               <a:t>with</a:t>
             </a:r>
             <a:r>
-              <a:rPr lang="de-DE"/>
+              <a:rPr lang="de-DE" dirty="0"/>
               <a:t> all </a:t>
             </a:r>
             <a:r>
-              <a:rPr lang="de-DE" err="1"/>
+              <a:rPr lang="de-DE" dirty="0" err="1"/>
               <a:t>undesired</a:t>
             </a:r>
             <a:r>
-              <a:rPr lang="de-DE"/>
+              <a:rPr lang="de-DE" dirty="0"/>
               <a:t> </a:t>
             </a:r>
             <a:r>
-              <a:rPr lang="de-DE" err="1"/>
+              <a:rPr lang="de-DE" dirty="0" err="1"/>
               <a:t>conctents</a:t>
             </a:r>
             <a:r>
-              <a:rPr lang="de-DE"/>
+              <a:rPr lang="de-DE" dirty="0"/>
               <a:t> </a:t>
             </a:r>
             <a:r>
-              <a:rPr lang="de-DE" err="1"/>
+              <a:rPr lang="de-DE" dirty="0" err="1"/>
               <a:t>and</a:t>
             </a:r>
             <a:r>
-              <a:rPr lang="de-DE"/>
+              <a:rPr lang="de-DE" dirty="0"/>
               <a:t> </a:t>
             </a:r>
             <a:r>
-              <a:rPr lang="de-DE" err="1"/>
+              <a:rPr lang="de-DE" dirty="0" err="1"/>
               <a:t>then</a:t>
             </a:r>
             <a:r>
-              <a:rPr lang="de-DE"/>
+              <a:rPr lang="de-DE" dirty="0"/>
               <a:t> </a:t>
             </a:r>
             <a:r>
-              <a:rPr lang="de-DE" err="1"/>
+              <a:rPr lang="de-DE" dirty="0" err="1"/>
               <a:t>filter</a:t>
             </a:r>
             <a:r>
-              <a:rPr lang="de-DE"/>
+              <a:rPr lang="de-DE" dirty="0"/>
               <a:t> </a:t>
             </a:r>
             <a:r>
-              <a:rPr lang="de-DE" err="1"/>
+              <a:rPr lang="de-DE" dirty="0" err="1"/>
               <a:t>that</a:t>
             </a:r>
             <a:r>
-              <a:rPr lang="de-DE"/>
+              <a:rPr lang="de-DE" dirty="0"/>
               <a:t> out</a:t>
             </a:r>
           </a:p>
@@ -1523,7 +1644,7 @@
           </a:ln>
           <a:extLst>
             <a:ext uri="{C572A759-6A51-4108-AA02-DFA0A04FC94B}">
-              <ma14:wrappingTextBoxFlag xmlns:ma14="http://schemas.microsoft.com/office/mac/drawingml/2011/main" xmlns:a14="http://schemas.microsoft.com/office/drawing/2010/main" xmlns:m="http://schemas.openxmlformats.org/officeDocument/2006/math" xmlns="" val="1"/>
+              <ma14:wrappingTextBoxFlag xmlns="" xmlns:m="http://schemas.openxmlformats.org/officeDocument/2006/math" xmlns:a14="http://schemas.microsoft.com/office/drawing/2010/main" xmlns:ma14="http://schemas.microsoft.com/office/mac/drawingml/2011/main" val="1"/>
             </a:ext>
           </a:extLst>
         </p:spPr>
@@ -1641,7 +1762,7 @@
           </a:ln>
           <a:extLst>
             <a:ext uri="{C572A759-6A51-4108-AA02-DFA0A04FC94B}">
-              <ma14:wrappingTextBoxFlag xmlns:ma14="http://schemas.microsoft.com/office/mac/drawingml/2011/main" xmlns:a14="http://schemas.microsoft.com/office/drawing/2010/main" xmlns:m="http://schemas.openxmlformats.org/officeDocument/2006/math" xmlns="" val="1"/>
+              <ma14:wrappingTextBoxFlag xmlns="" xmlns:m="http://schemas.openxmlformats.org/officeDocument/2006/math" xmlns:a14="http://schemas.microsoft.com/office/drawing/2010/main" xmlns:ma14="http://schemas.microsoft.com/office/mac/drawingml/2011/main" val="1"/>
             </a:ext>
           </a:extLst>
         </p:spPr>
@@ -1711,7 +1832,7 @@
           </a:ln>
           <a:extLst>
             <a:ext uri="{C572A759-6A51-4108-AA02-DFA0A04FC94B}">
-              <ma14:wrappingTextBoxFlag xmlns:ma14="http://schemas.microsoft.com/office/mac/drawingml/2011/main" xmlns:a14="http://schemas.microsoft.com/office/drawing/2010/main" xmlns:m="http://schemas.openxmlformats.org/officeDocument/2006/math" xmlns="" val="1"/>
+              <ma14:wrappingTextBoxFlag xmlns="" xmlns:m="http://schemas.openxmlformats.org/officeDocument/2006/math" xmlns:a14="http://schemas.microsoft.com/office/drawing/2010/main" xmlns:ma14="http://schemas.microsoft.com/office/mac/drawingml/2011/main" val="1"/>
             </a:ext>
           </a:extLst>
         </p:spPr>
@@ -1760,7 +1881,7 @@
           </a:ln>
           <a:extLst>
             <a:ext uri="{C572A759-6A51-4108-AA02-DFA0A04FC94B}">
-              <ma14:wrappingTextBoxFlag xmlns:ma14="http://schemas.microsoft.com/office/mac/drawingml/2011/main" xmlns:a14="http://schemas.microsoft.com/office/drawing/2010/main" xmlns:m="http://schemas.openxmlformats.org/officeDocument/2006/math" xmlns="" val="1"/>
+              <ma14:wrappingTextBoxFlag xmlns="" xmlns:m="http://schemas.openxmlformats.org/officeDocument/2006/math" xmlns:a14="http://schemas.microsoft.com/office/drawing/2010/main" xmlns:ma14="http://schemas.microsoft.com/office/mac/drawingml/2011/main" val="1"/>
             </a:ext>
           </a:extLst>
         </p:spPr>
@@ -1976,7 +2097,7 @@
           </a:ln>
           <a:extLst>
             <a:ext uri="{C572A759-6A51-4108-AA02-DFA0A04FC94B}">
-              <ma14:wrappingTextBoxFlag xmlns:ma14="http://schemas.microsoft.com/office/mac/drawingml/2011/main" xmlns:a14="http://schemas.microsoft.com/office/drawing/2010/main" xmlns:m="http://schemas.openxmlformats.org/officeDocument/2006/math" xmlns="" val="1"/>
+              <ma14:wrappingTextBoxFlag xmlns="" xmlns:m="http://schemas.openxmlformats.org/officeDocument/2006/math" xmlns:a14="http://schemas.microsoft.com/office/drawing/2010/main" xmlns:ma14="http://schemas.microsoft.com/office/mac/drawingml/2011/main" val="1"/>
             </a:ext>
           </a:extLst>
         </p:spPr>
@@ -2025,7 +2146,7 @@
           </a:ln>
           <a:extLst>
             <a:ext uri="{C572A759-6A51-4108-AA02-DFA0A04FC94B}">
-              <ma14:wrappingTextBoxFlag xmlns:ma14="http://schemas.microsoft.com/office/mac/drawingml/2011/main" xmlns:a14="http://schemas.microsoft.com/office/drawing/2010/main" xmlns:m="http://schemas.openxmlformats.org/officeDocument/2006/math" xmlns="" val="1"/>
+              <ma14:wrappingTextBoxFlag xmlns="" xmlns:m="http://schemas.openxmlformats.org/officeDocument/2006/math" xmlns:a14="http://schemas.microsoft.com/office/drawing/2010/main" xmlns:ma14="http://schemas.microsoft.com/office/mac/drawingml/2011/main" val="1"/>
             </a:ext>
           </a:extLst>
         </p:spPr>
@@ -2388,7 +2509,7 @@
           </a:ln>
           <a:extLst>
             <a:ext uri="{C572A759-6A51-4108-AA02-DFA0A04FC94B}">
-              <ma14:wrappingTextBoxFlag xmlns:ma14="http://schemas.microsoft.com/office/mac/drawingml/2011/main" xmlns:a14="http://schemas.microsoft.com/office/drawing/2010/main" xmlns:m="http://schemas.openxmlformats.org/officeDocument/2006/math" xmlns="" val="1"/>
+              <ma14:wrappingTextBoxFlag xmlns="" xmlns:m="http://schemas.openxmlformats.org/officeDocument/2006/math" xmlns:a14="http://schemas.microsoft.com/office/drawing/2010/main" xmlns:ma14="http://schemas.microsoft.com/office/mac/drawingml/2011/main" val="1"/>
             </a:ext>
           </a:extLst>
         </p:spPr>
@@ -2437,7 +2558,7 @@
           </a:ln>
           <a:extLst>
             <a:ext uri="{C572A759-6A51-4108-AA02-DFA0A04FC94B}">
-              <ma14:wrappingTextBoxFlag xmlns:ma14="http://schemas.microsoft.com/office/mac/drawingml/2011/main" xmlns:a14="http://schemas.microsoft.com/office/drawing/2010/main" xmlns:m="http://schemas.openxmlformats.org/officeDocument/2006/math" xmlns="" val="1"/>
+              <ma14:wrappingTextBoxFlag xmlns="" xmlns:m="http://schemas.openxmlformats.org/officeDocument/2006/math" xmlns:a14="http://schemas.microsoft.com/office/drawing/2010/main" xmlns:ma14="http://schemas.microsoft.com/office/mac/drawingml/2011/main" val="1"/>
             </a:ext>
           </a:extLst>
         </p:spPr>
@@ -2757,7 +2878,7 @@
           </a:ln>
           <a:extLst>
             <a:ext uri="{C572A759-6A51-4108-AA02-DFA0A04FC94B}">
-              <ma14:wrappingTextBoxFlag xmlns:ma14="http://schemas.microsoft.com/office/mac/drawingml/2011/main" xmlns:a14="http://schemas.microsoft.com/office/drawing/2010/main" xmlns:m="http://schemas.openxmlformats.org/officeDocument/2006/math" xmlns="" val="1"/>
+              <ma14:wrappingTextBoxFlag xmlns="" xmlns:m="http://schemas.openxmlformats.org/officeDocument/2006/math" xmlns:a14="http://schemas.microsoft.com/office/drawing/2010/main" xmlns:ma14="http://schemas.microsoft.com/office/mac/drawingml/2011/main" val="1"/>
             </a:ext>
           </a:extLst>
         </p:spPr>
@@ -2806,7 +2927,7 @@
           </a:ln>
           <a:extLst>
             <a:ext uri="{C572A759-6A51-4108-AA02-DFA0A04FC94B}">
-              <ma14:wrappingTextBoxFlag xmlns:ma14="http://schemas.microsoft.com/office/mac/drawingml/2011/main" xmlns:a14="http://schemas.microsoft.com/office/drawing/2010/main" xmlns:m="http://schemas.openxmlformats.org/officeDocument/2006/math" xmlns="" val="1"/>
+              <ma14:wrappingTextBoxFlag xmlns="" xmlns:m="http://schemas.openxmlformats.org/officeDocument/2006/math" xmlns:a14="http://schemas.microsoft.com/office/drawing/2010/main" xmlns:ma14="http://schemas.microsoft.com/office/mac/drawingml/2011/main" val="1"/>
             </a:ext>
           </a:extLst>
         </p:spPr>
@@ -3169,7 +3290,7 @@
           </a:ln>
           <a:extLst>
             <a:ext uri="{C572A759-6A51-4108-AA02-DFA0A04FC94B}">
-              <ma14:wrappingTextBoxFlag xmlns:ma14="http://schemas.microsoft.com/office/mac/drawingml/2011/main" xmlns:a14="http://schemas.microsoft.com/office/drawing/2010/main" xmlns:m="http://schemas.openxmlformats.org/officeDocument/2006/math" xmlns="" val="1"/>
+              <ma14:wrappingTextBoxFlag xmlns="" xmlns:m="http://schemas.openxmlformats.org/officeDocument/2006/math" xmlns:a14="http://schemas.microsoft.com/office/drawing/2010/main" xmlns:ma14="http://schemas.microsoft.com/office/mac/drawingml/2011/main" val="1"/>
             </a:ext>
           </a:extLst>
         </p:spPr>
@@ -3218,7 +3339,7 @@
           </a:ln>
           <a:extLst>
             <a:ext uri="{C572A759-6A51-4108-AA02-DFA0A04FC94B}">
-              <ma14:wrappingTextBoxFlag xmlns:ma14="http://schemas.microsoft.com/office/mac/drawingml/2011/main" xmlns:a14="http://schemas.microsoft.com/office/drawing/2010/main" xmlns:m="http://schemas.openxmlformats.org/officeDocument/2006/math" xmlns="" val="1"/>
+              <ma14:wrappingTextBoxFlag xmlns="" xmlns:m="http://schemas.openxmlformats.org/officeDocument/2006/math" xmlns:a14="http://schemas.microsoft.com/office/drawing/2010/main" xmlns:ma14="http://schemas.microsoft.com/office/mac/drawingml/2011/main" val="1"/>
             </a:ext>
           </a:extLst>
         </p:spPr>
@@ -3538,7 +3659,7 @@
           </a:ln>
           <a:extLst>
             <a:ext uri="{C572A759-6A51-4108-AA02-DFA0A04FC94B}">
-              <ma14:wrappingTextBoxFlag xmlns:ma14="http://schemas.microsoft.com/office/mac/drawingml/2011/main" xmlns:a14="http://schemas.microsoft.com/office/drawing/2010/main" xmlns:m="http://schemas.openxmlformats.org/officeDocument/2006/math" xmlns="" val="1"/>
+              <ma14:wrappingTextBoxFlag xmlns="" xmlns:m="http://schemas.openxmlformats.org/officeDocument/2006/math" xmlns:a14="http://schemas.microsoft.com/office/drawing/2010/main" xmlns:ma14="http://schemas.microsoft.com/office/mac/drawingml/2011/main" val="1"/>
             </a:ext>
           </a:extLst>
         </p:spPr>
@@ -3587,7 +3708,7 @@
           </a:ln>
           <a:extLst>
             <a:ext uri="{C572A759-6A51-4108-AA02-DFA0A04FC94B}">
-              <ma14:wrappingTextBoxFlag xmlns:ma14="http://schemas.microsoft.com/office/mac/drawingml/2011/main" xmlns:a14="http://schemas.microsoft.com/office/drawing/2010/main" xmlns:m="http://schemas.openxmlformats.org/officeDocument/2006/math" xmlns="" val="1"/>
+              <ma14:wrappingTextBoxFlag xmlns="" xmlns:m="http://schemas.openxmlformats.org/officeDocument/2006/math" xmlns:a14="http://schemas.microsoft.com/office/drawing/2010/main" xmlns:ma14="http://schemas.microsoft.com/office/mac/drawingml/2011/main" val="1"/>
             </a:ext>
           </a:extLst>
         </p:spPr>
@@ -3981,7 +4102,7 @@
           </a:ln>
           <a:extLst>
             <a:ext uri="{C572A759-6A51-4108-AA02-DFA0A04FC94B}">
-              <ma14:wrappingTextBoxFlag xmlns:ma14="http://schemas.microsoft.com/office/mac/drawingml/2011/main" xmlns:a14="http://schemas.microsoft.com/office/drawing/2010/main" xmlns:m="http://schemas.openxmlformats.org/officeDocument/2006/math" xmlns="" val="1"/>
+              <ma14:wrappingTextBoxFlag xmlns="" xmlns:m="http://schemas.openxmlformats.org/officeDocument/2006/math" xmlns:a14="http://schemas.microsoft.com/office/drawing/2010/main" xmlns:ma14="http://schemas.microsoft.com/office/mac/drawingml/2011/main" val="1"/>
             </a:ext>
           </a:extLst>
         </p:spPr>
@@ -4030,7 +4151,7 @@
           </a:ln>
           <a:extLst>
             <a:ext uri="{C572A759-6A51-4108-AA02-DFA0A04FC94B}">
-              <ma14:wrappingTextBoxFlag xmlns:ma14="http://schemas.microsoft.com/office/mac/drawingml/2011/main" xmlns:a14="http://schemas.microsoft.com/office/drawing/2010/main" xmlns:m="http://schemas.openxmlformats.org/officeDocument/2006/math" xmlns="" val="1"/>
+              <ma14:wrappingTextBoxFlag xmlns="" xmlns:m="http://schemas.openxmlformats.org/officeDocument/2006/math" xmlns:a14="http://schemas.microsoft.com/office/drawing/2010/main" xmlns:ma14="http://schemas.microsoft.com/office/mac/drawingml/2011/main" val="1"/>
             </a:ext>
           </a:extLst>
         </p:spPr>
@@ -4295,7 +4416,7 @@
           </a:ln>
           <a:extLst>
             <a:ext uri="{C572A759-6A51-4108-AA02-DFA0A04FC94B}">
-              <ma14:wrappingTextBoxFlag xmlns:ma14="http://schemas.microsoft.com/office/mac/drawingml/2011/main" xmlns:a14="http://schemas.microsoft.com/office/drawing/2010/main" xmlns:m="http://schemas.openxmlformats.org/officeDocument/2006/math" xmlns="" val="1"/>
+              <ma14:wrappingTextBoxFlag xmlns="" xmlns:m="http://schemas.openxmlformats.org/officeDocument/2006/math" xmlns:a14="http://schemas.microsoft.com/office/drawing/2010/main" xmlns:ma14="http://schemas.microsoft.com/office/mac/drawingml/2011/main" val="1"/>
             </a:ext>
           </a:extLst>
         </p:spPr>
@@ -4344,7 +4465,7 @@
           </a:ln>
           <a:extLst>
             <a:ext uri="{C572A759-6A51-4108-AA02-DFA0A04FC94B}">
-              <ma14:wrappingTextBoxFlag xmlns:ma14="http://schemas.microsoft.com/office/mac/drawingml/2011/main" xmlns:a14="http://schemas.microsoft.com/office/drawing/2010/main" xmlns:m="http://schemas.openxmlformats.org/officeDocument/2006/math" xmlns="" val="1"/>
+              <ma14:wrappingTextBoxFlag xmlns="" xmlns:m="http://schemas.openxmlformats.org/officeDocument/2006/math" xmlns:a14="http://schemas.microsoft.com/office/drawing/2010/main" xmlns:ma14="http://schemas.microsoft.com/office/mac/drawingml/2011/main" val="1"/>
             </a:ext>
           </a:extLst>
         </p:spPr>
@@ -4578,7 +4699,7 @@
           </a:ln>
           <a:extLst>
             <a:ext uri="{C572A759-6A51-4108-AA02-DFA0A04FC94B}">
-              <ma14:wrappingTextBoxFlag xmlns:ma14="http://schemas.microsoft.com/office/mac/drawingml/2011/main" xmlns:a14="http://schemas.microsoft.com/office/drawing/2010/main" xmlns:m="http://schemas.openxmlformats.org/officeDocument/2006/math" xmlns="" val="1"/>
+              <ma14:wrappingTextBoxFlag xmlns="" xmlns:m="http://schemas.openxmlformats.org/officeDocument/2006/math" xmlns:a14="http://schemas.microsoft.com/office/drawing/2010/main" xmlns:ma14="http://schemas.microsoft.com/office/mac/drawingml/2011/main" val="1"/>
             </a:ext>
           </a:extLst>
         </p:spPr>
@@ -4627,7 +4748,7 @@
           </a:ln>
           <a:extLst>
             <a:ext uri="{C572A759-6A51-4108-AA02-DFA0A04FC94B}">
-              <ma14:wrappingTextBoxFlag xmlns:ma14="http://schemas.microsoft.com/office/mac/drawingml/2011/main" xmlns:a14="http://schemas.microsoft.com/office/drawing/2010/main" xmlns:m="http://schemas.openxmlformats.org/officeDocument/2006/math" xmlns="" val="1"/>
+              <ma14:wrappingTextBoxFlag xmlns="" xmlns:m="http://schemas.openxmlformats.org/officeDocument/2006/math" xmlns:a14="http://schemas.microsoft.com/office/drawing/2010/main" xmlns:ma14="http://schemas.microsoft.com/office/mac/drawingml/2011/main" val="1"/>
             </a:ext>
           </a:extLst>
         </p:spPr>
@@ -5017,7 +5138,7 @@
           </a:ln>
           <a:extLst>
             <a:ext uri="{C572A759-6A51-4108-AA02-DFA0A04FC94B}">
-              <ma14:wrappingTextBoxFlag xmlns:ma14="http://schemas.microsoft.com/office/mac/drawingml/2011/main" xmlns:a14="http://schemas.microsoft.com/office/drawing/2010/main" xmlns:m="http://schemas.openxmlformats.org/officeDocument/2006/math" xmlns="" val="1"/>
+              <ma14:wrappingTextBoxFlag xmlns="" xmlns:m="http://schemas.openxmlformats.org/officeDocument/2006/math" xmlns:a14="http://schemas.microsoft.com/office/drawing/2010/main" xmlns:ma14="http://schemas.microsoft.com/office/mac/drawingml/2011/main" val="1"/>
             </a:ext>
           </a:extLst>
         </p:spPr>
@@ -5066,7 +5187,7 @@
           </a:ln>
           <a:extLst>
             <a:ext uri="{C572A759-6A51-4108-AA02-DFA0A04FC94B}">
-              <ma14:wrappingTextBoxFlag xmlns:ma14="http://schemas.microsoft.com/office/mac/drawingml/2011/main" xmlns:a14="http://schemas.microsoft.com/office/drawing/2010/main" xmlns:m="http://schemas.openxmlformats.org/officeDocument/2006/math" xmlns="" val="1"/>
+              <ma14:wrappingTextBoxFlag xmlns="" xmlns:m="http://schemas.openxmlformats.org/officeDocument/2006/math" xmlns:a14="http://schemas.microsoft.com/office/drawing/2010/main" xmlns:ma14="http://schemas.microsoft.com/office/mac/drawingml/2011/main" val="1"/>
             </a:ext>
           </a:extLst>
         </p:spPr>
@@ -5456,7 +5577,7 @@
           </a:ln>
           <a:extLst>
             <a:ext uri="{C572A759-6A51-4108-AA02-DFA0A04FC94B}">
-              <ma14:wrappingTextBoxFlag xmlns:ma14="http://schemas.microsoft.com/office/mac/drawingml/2011/main" xmlns:a14="http://schemas.microsoft.com/office/drawing/2010/main" xmlns:m="http://schemas.openxmlformats.org/officeDocument/2006/math" xmlns="" val="1"/>
+              <ma14:wrappingTextBoxFlag xmlns="" xmlns:m="http://schemas.openxmlformats.org/officeDocument/2006/math" xmlns:a14="http://schemas.microsoft.com/office/drawing/2010/main" xmlns:ma14="http://schemas.microsoft.com/office/mac/drawingml/2011/main" val="1"/>
             </a:ext>
           </a:extLst>
         </p:spPr>
@@ -5505,7 +5626,7 @@
           </a:ln>
           <a:extLst>
             <a:ext uri="{C572A759-6A51-4108-AA02-DFA0A04FC94B}">
-              <ma14:wrappingTextBoxFlag xmlns:ma14="http://schemas.microsoft.com/office/mac/drawingml/2011/main" xmlns:a14="http://schemas.microsoft.com/office/drawing/2010/main" xmlns:m="http://schemas.openxmlformats.org/officeDocument/2006/math" xmlns="" val="1"/>
+              <ma14:wrappingTextBoxFlag xmlns="" xmlns:m="http://schemas.openxmlformats.org/officeDocument/2006/math" xmlns:a14="http://schemas.microsoft.com/office/drawing/2010/main" xmlns:ma14="http://schemas.microsoft.com/office/mac/drawingml/2011/main" val="1"/>
             </a:ext>
           </a:extLst>
         </p:spPr>
@@ -5896,7 +6017,7 @@
           </a:ln>
           <a:extLst>
             <a:ext uri="{C572A759-6A51-4108-AA02-DFA0A04FC94B}">
-              <ma14:wrappingTextBoxFlag xmlns:ma14="http://schemas.microsoft.com/office/mac/drawingml/2011/main" xmlns:a14="http://schemas.microsoft.com/office/drawing/2010/main" xmlns:m="http://schemas.openxmlformats.org/officeDocument/2006/math" xmlns="" val="1"/>
+              <ma14:wrappingTextBoxFlag xmlns="" xmlns:m="http://schemas.openxmlformats.org/officeDocument/2006/math" xmlns:a14="http://schemas.microsoft.com/office/drawing/2010/main" xmlns:ma14="http://schemas.microsoft.com/office/mac/drawingml/2011/main" val="1"/>
             </a:ext>
           </a:extLst>
         </p:spPr>
@@ -5945,7 +6066,7 @@
           </a:ln>
           <a:extLst>
             <a:ext uri="{C572A759-6A51-4108-AA02-DFA0A04FC94B}">
-              <ma14:wrappingTextBoxFlag xmlns:ma14="http://schemas.microsoft.com/office/mac/drawingml/2011/main" xmlns:a14="http://schemas.microsoft.com/office/drawing/2010/main" xmlns:m="http://schemas.openxmlformats.org/officeDocument/2006/math" xmlns="" val="1"/>
+              <ma14:wrappingTextBoxFlag xmlns="" xmlns:m="http://schemas.openxmlformats.org/officeDocument/2006/math" xmlns:a14="http://schemas.microsoft.com/office/drawing/2010/main" xmlns:ma14="http://schemas.microsoft.com/office/mac/drawingml/2011/main" val="1"/>
             </a:ext>
           </a:extLst>
         </p:spPr>
@@ -6237,7 +6358,7 @@
           </a:ln>
           <a:extLst>
             <a:ext uri="{C572A759-6A51-4108-AA02-DFA0A04FC94B}">
-              <ma14:wrappingTextBoxFlag xmlns:ma14="http://schemas.microsoft.com/office/mac/drawingml/2011/main" xmlns:a14="http://schemas.microsoft.com/office/drawing/2010/main" xmlns:m="http://schemas.openxmlformats.org/officeDocument/2006/math" xmlns="" val="1"/>
+              <ma14:wrappingTextBoxFlag xmlns="" xmlns:m="http://schemas.openxmlformats.org/officeDocument/2006/math" xmlns:a14="http://schemas.microsoft.com/office/drawing/2010/main" xmlns:ma14="http://schemas.microsoft.com/office/mac/drawingml/2011/main" val="1"/>
             </a:ext>
           </a:extLst>
         </p:spPr>
@@ -6286,7 +6407,7 @@
           </a:ln>
           <a:extLst>
             <a:ext uri="{C572A759-6A51-4108-AA02-DFA0A04FC94B}">
-              <ma14:wrappingTextBoxFlag xmlns:ma14="http://schemas.microsoft.com/office/mac/drawingml/2011/main" xmlns:a14="http://schemas.microsoft.com/office/drawing/2010/main" xmlns:m="http://schemas.openxmlformats.org/officeDocument/2006/math" xmlns="" val="1"/>
+              <ma14:wrappingTextBoxFlag xmlns="" xmlns:m="http://schemas.openxmlformats.org/officeDocument/2006/math" xmlns:a14="http://schemas.microsoft.com/office/drawing/2010/main" xmlns:ma14="http://schemas.microsoft.com/office/mac/drawingml/2011/main" val="1"/>
             </a:ext>
           </a:extLst>
         </p:spPr>
@@ -6606,7 +6727,7 @@
           </a:ln>
           <a:extLst>
             <a:ext uri="{C572A759-6A51-4108-AA02-DFA0A04FC94B}">
-              <ma14:wrappingTextBoxFlag xmlns:ma14="http://schemas.microsoft.com/office/mac/drawingml/2011/main" xmlns:a14="http://schemas.microsoft.com/office/drawing/2010/main" xmlns:m="http://schemas.openxmlformats.org/officeDocument/2006/math" xmlns="" val="1"/>
+              <ma14:wrappingTextBoxFlag xmlns="" xmlns:m="http://schemas.openxmlformats.org/officeDocument/2006/math" xmlns:a14="http://schemas.microsoft.com/office/drawing/2010/main" xmlns:ma14="http://schemas.microsoft.com/office/mac/drawingml/2011/main" val="1"/>
             </a:ext>
           </a:extLst>
         </p:spPr>
@@ -6655,7 +6776,7 @@
           </a:ln>
           <a:extLst>
             <a:ext uri="{C572A759-6A51-4108-AA02-DFA0A04FC94B}">
-              <ma14:wrappingTextBoxFlag xmlns:ma14="http://schemas.microsoft.com/office/mac/drawingml/2011/main" xmlns:a14="http://schemas.microsoft.com/office/drawing/2010/main" xmlns:m="http://schemas.openxmlformats.org/officeDocument/2006/math" xmlns="" val="1"/>
+              <ma14:wrappingTextBoxFlag xmlns="" xmlns:m="http://schemas.openxmlformats.org/officeDocument/2006/math" xmlns:a14="http://schemas.microsoft.com/office/drawing/2010/main" xmlns:ma14="http://schemas.microsoft.com/office/mac/drawingml/2011/main" val="1"/>
             </a:ext>
           </a:extLst>
         </p:spPr>
@@ -7018,7 +7139,7 @@
           </a:ln>
           <a:extLst>
             <a:ext uri="{C572A759-6A51-4108-AA02-DFA0A04FC94B}">
-              <ma14:wrappingTextBoxFlag xmlns:ma14="http://schemas.microsoft.com/office/mac/drawingml/2011/main" xmlns:a14="http://schemas.microsoft.com/office/drawing/2010/main" xmlns:m="http://schemas.openxmlformats.org/officeDocument/2006/math" xmlns="" val="1"/>
+              <ma14:wrappingTextBoxFlag xmlns="" xmlns:m="http://schemas.openxmlformats.org/officeDocument/2006/math" xmlns:a14="http://schemas.microsoft.com/office/drawing/2010/main" xmlns:ma14="http://schemas.microsoft.com/office/mac/drawingml/2011/main" val="1"/>
             </a:ext>
           </a:extLst>
         </p:spPr>
@@ -7067,7 +7188,7 @@
           </a:ln>
           <a:extLst>
             <a:ext uri="{C572A759-6A51-4108-AA02-DFA0A04FC94B}">
-              <ma14:wrappingTextBoxFlag xmlns:ma14="http://schemas.microsoft.com/office/mac/drawingml/2011/main" xmlns:a14="http://schemas.microsoft.com/office/drawing/2010/main" xmlns:m="http://schemas.openxmlformats.org/officeDocument/2006/math" xmlns="" val="1"/>
+              <ma14:wrappingTextBoxFlag xmlns="" xmlns:m="http://schemas.openxmlformats.org/officeDocument/2006/math" xmlns:a14="http://schemas.microsoft.com/office/drawing/2010/main" xmlns:ma14="http://schemas.microsoft.com/office/mac/drawingml/2011/main" val="1"/>
             </a:ext>
           </a:extLst>
         </p:spPr>
@@ -7387,7 +7508,7 @@
           </a:ln>
           <a:extLst>
             <a:ext uri="{C572A759-6A51-4108-AA02-DFA0A04FC94B}">
-              <ma14:wrappingTextBoxFlag xmlns:ma14="http://schemas.microsoft.com/office/mac/drawingml/2011/main" xmlns:a14="http://schemas.microsoft.com/office/drawing/2010/main" xmlns:m="http://schemas.openxmlformats.org/officeDocument/2006/math" xmlns="" val="1"/>
+              <ma14:wrappingTextBoxFlag xmlns="" xmlns:m="http://schemas.openxmlformats.org/officeDocument/2006/math" xmlns:a14="http://schemas.microsoft.com/office/drawing/2010/main" xmlns:ma14="http://schemas.microsoft.com/office/mac/drawingml/2011/main" val="1"/>
             </a:ext>
           </a:extLst>
         </p:spPr>
@@ -7436,7 +7557,7 @@
           </a:ln>
           <a:extLst>
             <a:ext uri="{C572A759-6A51-4108-AA02-DFA0A04FC94B}">
-              <ma14:wrappingTextBoxFlag xmlns:ma14="http://schemas.microsoft.com/office/mac/drawingml/2011/main" xmlns:a14="http://schemas.microsoft.com/office/drawing/2010/main" xmlns:m="http://schemas.openxmlformats.org/officeDocument/2006/math" xmlns="" val="1"/>
+              <ma14:wrappingTextBoxFlag xmlns="" xmlns:m="http://schemas.openxmlformats.org/officeDocument/2006/math" xmlns:a14="http://schemas.microsoft.com/office/drawing/2010/main" xmlns:ma14="http://schemas.microsoft.com/office/mac/drawingml/2011/main" val="1"/>
             </a:ext>
           </a:extLst>
         </p:spPr>
@@ -7830,7 +7951,7 @@
           </a:ln>
           <a:extLst>
             <a:ext uri="{C572A759-6A51-4108-AA02-DFA0A04FC94B}">
-              <ma14:wrappingTextBoxFlag xmlns:ma14="http://schemas.microsoft.com/office/mac/drawingml/2011/main" xmlns:a14="http://schemas.microsoft.com/office/drawing/2010/main" xmlns:m="http://schemas.openxmlformats.org/officeDocument/2006/math" xmlns="" val="1"/>
+              <ma14:wrappingTextBoxFlag xmlns="" xmlns:m="http://schemas.openxmlformats.org/officeDocument/2006/math" xmlns:a14="http://schemas.microsoft.com/office/drawing/2010/main" xmlns:ma14="http://schemas.microsoft.com/office/mac/drawingml/2011/main" val="1"/>
             </a:ext>
           </a:extLst>
         </p:spPr>
@@ -7879,7 +8000,7 @@
           </a:ln>
           <a:extLst>
             <a:ext uri="{C572A759-6A51-4108-AA02-DFA0A04FC94B}">
-              <ma14:wrappingTextBoxFlag xmlns:ma14="http://schemas.microsoft.com/office/mac/drawingml/2011/main" xmlns:a14="http://schemas.microsoft.com/office/drawing/2010/main" xmlns:m="http://schemas.openxmlformats.org/officeDocument/2006/math" xmlns="" val="1"/>
+              <ma14:wrappingTextBoxFlag xmlns="" xmlns:m="http://schemas.openxmlformats.org/officeDocument/2006/math" xmlns:a14="http://schemas.microsoft.com/office/drawing/2010/main" xmlns:ma14="http://schemas.microsoft.com/office/mac/drawingml/2011/main" val="1"/>
             </a:ext>
           </a:extLst>
         </p:spPr>
@@ -8144,7 +8265,7 @@
           </a:ln>
           <a:extLst>
             <a:ext uri="{C572A759-6A51-4108-AA02-DFA0A04FC94B}">
-              <ma14:wrappingTextBoxFlag xmlns:ma14="http://schemas.microsoft.com/office/mac/drawingml/2011/main" xmlns:a14="http://schemas.microsoft.com/office/drawing/2010/main" xmlns:m="http://schemas.openxmlformats.org/officeDocument/2006/math" xmlns="" val="1"/>
+              <ma14:wrappingTextBoxFlag xmlns="" xmlns:m="http://schemas.openxmlformats.org/officeDocument/2006/math" xmlns:a14="http://schemas.microsoft.com/office/drawing/2010/main" xmlns:ma14="http://schemas.microsoft.com/office/mac/drawingml/2011/main" val="1"/>
             </a:ext>
           </a:extLst>
         </p:spPr>
@@ -8193,7 +8314,7 @@
           </a:ln>
           <a:extLst>
             <a:ext uri="{C572A759-6A51-4108-AA02-DFA0A04FC94B}">
-              <ma14:wrappingTextBoxFlag xmlns:ma14="http://schemas.microsoft.com/office/mac/drawingml/2011/main" xmlns:a14="http://schemas.microsoft.com/office/drawing/2010/main" xmlns:m="http://schemas.openxmlformats.org/officeDocument/2006/math" xmlns="" val="1"/>
+              <ma14:wrappingTextBoxFlag xmlns="" xmlns:m="http://schemas.openxmlformats.org/officeDocument/2006/math" xmlns:a14="http://schemas.microsoft.com/office/drawing/2010/main" xmlns:ma14="http://schemas.microsoft.com/office/mac/drawingml/2011/main" val="1"/>
             </a:ext>
           </a:extLst>
         </p:spPr>
@@ -8427,7 +8548,7 @@
           </a:ln>
           <a:extLst>
             <a:ext uri="{C572A759-6A51-4108-AA02-DFA0A04FC94B}">
-              <ma14:wrappingTextBoxFlag xmlns:ma14="http://schemas.microsoft.com/office/mac/drawingml/2011/main" xmlns:a14="http://schemas.microsoft.com/office/drawing/2010/main" xmlns:m="http://schemas.openxmlformats.org/officeDocument/2006/math" xmlns="" val="1"/>
+              <ma14:wrappingTextBoxFlag xmlns="" xmlns:m="http://schemas.openxmlformats.org/officeDocument/2006/math" xmlns:a14="http://schemas.microsoft.com/office/drawing/2010/main" xmlns:ma14="http://schemas.microsoft.com/office/mac/drawingml/2011/main" val="1"/>
             </a:ext>
           </a:extLst>
         </p:spPr>
@@ -8476,7 +8597,7 @@
           </a:ln>
           <a:extLst>
             <a:ext uri="{C572A759-6A51-4108-AA02-DFA0A04FC94B}">
-              <ma14:wrappingTextBoxFlag xmlns:ma14="http://schemas.microsoft.com/office/mac/drawingml/2011/main" xmlns:a14="http://schemas.microsoft.com/office/drawing/2010/main" xmlns:m="http://schemas.openxmlformats.org/officeDocument/2006/math" xmlns="" val="1"/>
+              <ma14:wrappingTextBoxFlag xmlns="" xmlns:m="http://schemas.openxmlformats.org/officeDocument/2006/math" xmlns:a14="http://schemas.microsoft.com/office/drawing/2010/main" xmlns:ma14="http://schemas.microsoft.com/office/mac/drawingml/2011/main" val="1"/>
             </a:ext>
           </a:extLst>
         </p:spPr>
@@ -8866,7 +8987,7 @@
           </a:ln>
           <a:extLst>
             <a:ext uri="{C572A759-6A51-4108-AA02-DFA0A04FC94B}">
-              <ma14:wrappingTextBoxFlag xmlns:ma14="http://schemas.microsoft.com/office/mac/drawingml/2011/main" xmlns:a14="http://schemas.microsoft.com/office/drawing/2010/main" xmlns:m="http://schemas.openxmlformats.org/officeDocument/2006/math" xmlns="" val="1"/>
+              <ma14:wrappingTextBoxFlag xmlns="" xmlns:m="http://schemas.openxmlformats.org/officeDocument/2006/math" xmlns:a14="http://schemas.microsoft.com/office/drawing/2010/main" xmlns:ma14="http://schemas.microsoft.com/office/mac/drawingml/2011/main" val="1"/>
             </a:ext>
           </a:extLst>
         </p:spPr>
@@ -8915,7 +9036,7 @@
           </a:ln>
           <a:extLst>
             <a:ext uri="{C572A759-6A51-4108-AA02-DFA0A04FC94B}">
-              <ma14:wrappingTextBoxFlag xmlns:ma14="http://schemas.microsoft.com/office/mac/drawingml/2011/main" xmlns:a14="http://schemas.microsoft.com/office/drawing/2010/main" xmlns:m="http://schemas.openxmlformats.org/officeDocument/2006/math" xmlns="" val="1"/>
+              <ma14:wrappingTextBoxFlag xmlns="" xmlns:m="http://schemas.openxmlformats.org/officeDocument/2006/math" xmlns:a14="http://schemas.microsoft.com/office/drawing/2010/main" xmlns:ma14="http://schemas.microsoft.com/office/mac/drawingml/2011/main" val="1"/>
             </a:ext>
           </a:extLst>
         </p:spPr>
@@ -9305,7 +9426,7 @@
           </a:ln>
           <a:extLst>
             <a:ext uri="{C572A759-6A51-4108-AA02-DFA0A04FC94B}">
-              <ma14:wrappingTextBoxFlag xmlns:ma14="http://schemas.microsoft.com/office/mac/drawingml/2011/main" xmlns:a14="http://schemas.microsoft.com/office/drawing/2010/main" xmlns:m="http://schemas.openxmlformats.org/officeDocument/2006/math" xmlns="" val="1"/>
+              <ma14:wrappingTextBoxFlag xmlns="" xmlns:m="http://schemas.openxmlformats.org/officeDocument/2006/math" xmlns:a14="http://schemas.microsoft.com/office/drawing/2010/main" xmlns:ma14="http://schemas.microsoft.com/office/mac/drawingml/2011/main" val="1"/>
             </a:ext>
           </a:extLst>
         </p:spPr>
@@ -9354,7 +9475,7 @@
           </a:ln>
           <a:extLst>
             <a:ext uri="{C572A759-6A51-4108-AA02-DFA0A04FC94B}">
-              <ma14:wrappingTextBoxFlag xmlns:ma14="http://schemas.microsoft.com/office/mac/drawingml/2011/main" xmlns:a14="http://schemas.microsoft.com/office/drawing/2010/main" xmlns:m="http://schemas.openxmlformats.org/officeDocument/2006/math" xmlns="" val="1"/>
+              <ma14:wrappingTextBoxFlag xmlns="" xmlns:m="http://schemas.openxmlformats.org/officeDocument/2006/math" xmlns:a14="http://schemas.microsoft.com/office/drawing/2010/main" xmlns:ma14="http://schemas.microsoft.com/office/mac/drawingml/2011/main" val="1"/>
             </a:ext>
           </a:extLst>
         </p:spPr>
@@ -9717,7 +9838,7 @@
           </a:ln>
           <a:extLst>
             <a:ext uri="{C572A759-6A51-4108-AA02-DFA0A04FC94B}">
-              <ma14:wrappingTextBoxFlag xmlns:ma14="http://schemas.microsoft.com/office/mac/drawingml/2011/main" xmlns:a14="http://schemas.microsoft.com/office/drawing/2010/main" xmlns:m="http://schemas.openxmlformats.org/officeDocument/2006/math" xmlns="" val="1"/>
+              <ma14:wrappingTextBoxFlag xmlns="" xmlns:m="http://schemas.openxmlformats.org/officeDocument/2006/math" xmlns:a14="http://schemas.microsoft.com/office/drawing/2010/main" xmlns:ma14="http://schemas.microsoft.com/office/mac/drawingml/2011/main" val="1"/>
             </a:ext>
           </a:extLst>
         </p:spPr>
@@ -9766,7 +9887,7 @@
           </a:ln>
           <a:extLst>
             <a:ext uri="{C572A759-6A51-4108-AA02-DFA0A04FC94B}">
-              <ma14:wrappingTextBoxFlag xmlns:ma14="http://schemas.microsoft.com/office/mac/drawingml/2011/main" xmlns:a14="http://schemas.microsoft.com/office/drawing/2010/main" xmlns:m="http://schemas.openxmlformats.org/officeDocument/2006/math" xmlns="" val="1"/>
+              <ma14:wrappingTextBoxFlag xmlns="" xmlns:m="http://schemas.openxmlformats.org/officeDocument/2006/math" xmlns:a14="http://schemas.microsoft.com/office/drawing/2010/main" xmlns:ma14="http://schemas.microsoft.com/office/mac/drawingml/2011/main" val="1"/>
             </a:ext>
           </a:extLst>
         </p:spPr>
@@ -10114,7 +10235,7 @@
           </a:ln>
           <a:extLst>
             <a:ext uri="{C572A759-6A51-4108-AA02-DFA0A04FC94B}">
-              <ma14:wrappingTextBoxFlag xmlns:ma14="http://schemas.microsoft.com/office/mac/drawingml/2011/main" xmlns:a14="http://schemas.microsoft.com/office/drawing/2010/main" xmlns:m="http://schemas.openxmlformats.org/officeDocument/2006/math" xmlns="" val="1"/>
+              <ma14:wrappingTextBoxFlag xmlns="" xmlns:m="http://schemas.openxmlformats.org/officeDocument/2006/math" xmlns:a14="http://schemas.microsoft.com/office/drawing/2010/main" xmlns:ma14="http://schemas.microsoft.com/office/mac/drawingml/2011/main" val="1"/>
             </a:ext>
           </a:extLst>
         </p:spPr>
@@ -10163,7 +10284,7 @@
           </a:ln>
           <a:extLst>
             <a:ext uri="{C572A759-6A51-4108-AA02-DFA0A04FC94B}">
-              <ma14:wrappingTextBoxFlag xmlns:ma14="http://schemas.microsoft.com/office/mac/drawingml/2011/main" xmlns:a14="http://schemas.microsoft.com/office/drawing/2010/main" xmlns:m="http://schemas.openxmlformats.org/officeDocument/2006/math" xmlns="" val="1"/>
+              <ma14:wrappingTextBoxFlag xmlns="" xmlns:m="http://schemas.openxmlformats.org/officeDocument/2006/math" xmlns:a14="http://schemas.microsoft.com/office/drawing/2010/main" xmlns:ma14="http://schemas.microsoft.com/office/mac/drawingml/2011/main" val="1"/>
             </a:ext>
           </a:extLst>
         </p:spPr>
@@ -10498,7 +10619,7 @@
           </a:ln>
           <a:extLst>
             <a:ext uri="{C572A759-6A51-4108-AA02-DFA0A04FC94B}">
-              <ma14:wrappingTextBoxFlag xmlns:ma14="http://schemas.microsoft.com/office/mac/drawingml/2011/main" xmlns:a14="http://schemas.microsoft.com/office/drawing/2010/main" xmlns:m="http://schemas.openxmlformats.org/officeDocument/2006/math" xmlns="" val="1"/>
+              <ma14:wrappingTextBoxFlag xmlns="" xmlns:m="http://schemas.openxmlformats.org/officeDocument/2006/math" xmlns:a14="http://schemas.microsoft.com/office/drawing/2010/main" xmlns:ma14="http://schemas.microsoft.com/office/mac/drawingml/2011/main" val="1"/>
             </a:ext>
           </a:extLst>
         </p:spPr>
@@ -10547,7 +10668,7 @@
           </a:ln>
           <a:extLst>
             <a:ext uri="{C572A759-6A51-4108-AA02-DFA0A04FC94B}">
-              <ma14:wrappingTextBoxFlag xmlns:ma14="http://schemas.microsoft.com/office/mac/drawingml/2011/main" xmlns:a14="http://schemas.microsoft.com/office/drawing/2010/main" xmlns:m="http://schemas.openxmlformats.org/officeDocument/2006/math" xmlns="" val="1"/>
+              <ma14:wrappingTextBoxFlag xmlns="" xmlns:m="http://schemas.openxmlformats.org/officeDocument/2006/math" xmlns:a14="http://schemas.microsoft.com/office/drawing/2010/main" xmlns:ma14="http://schemas.microsoft.com/office/mac/drawingml/2011/main" val="1"/>
             </a:ext>
           </a:extLst>
         </p:spPr>
@@ -10910,7 +11031,7 @@
           </a:ln>
           <a:extLst>
             <a:ext uri="{C572A759-6A51-4108-AA02-DFA0A04FC94B}">
-              <ma14:wrappingTextBoxFlag xmlns:ma14="http://schemas.microsoft.com/office/mac/drawingml/2011/main" xmlns:a14="http://schemas.microsoft.com/office/drawing/2010/main" xmlns:m="http://schemas.openxmlformats.org/officeDocument/2006/math" xmlns="" val="1"/>
+              <ma14:wrappingTextBoxFlag xmlns="" xmlns:m="http://schemas.openxmlformats.org/officeDocument/2006/math" xmlns:a14="http://schemas.microsoft.com/office/drawing/2010/main" xmlns:ma14="http://schemas.microsoft.com/office/mac/drawingml/2011/main" val="1"/>
             </a:ext>
           </a:extLst>
         </p:spPr>
@@ -10959,7 +11080,7 @@
           </a:ln>
           <a:extLst>
             <a:ext uri="{C572A759-6A51-4108-AA02-DFA0A04FC94B}">
-              <ma14:wrappingTextBoxFlag xmlns:ma14="http://schemas.microsoft.com/office/mac/drawingml/2011/main" xmlns:a14="http://schemas.microsoft.com/office/drawing/2010/main" xmlns:m="http://schemas.openxmlformats.org/officeDocument/2006/math" xmlns="" val="1"/>
+              <ma14:wrappingTextBoxFlag xmlns="" xmlns:m="http://schemas.openxmlformats.org/officeDocument/2006/math" xmlns:a14="http://schemas.microsoft.com/office/drawing/2010/main" xmlns:ma14="http://schemas.microsoft.com/office/mac/drawingml/2011/main" val="1"/>
             </a:ext>
           </a:extLst>
         </p:spPr>
@@ -11279,7 +11400,7 @@
           </a:ln>
           <a:extLst>
             <a:ext uri="{C572A759-6A51-4108-AA02-DFA0A04FC94B}">
-              <ma14:wrappingTextBoxFlag xmlns:ma14="http://schemas.microsoft.com/office/mac/drawingml/2011/main" xmlns:a14="http://schemas.microsoft.com/office/drawing/2010/main" xmlns:m="http://schemas.openxmlformats.org/officeDocument/2006/math" xmlns="" val="1"/>
+              <ma14:wrappingTextBoxFlag xmlns="" xmlns:m="http://schemas.openxmlformats.org/officeDocument/2006/math" xmlns:a14="http://schemas.microsoft.com/office/drawing/2010/main" xmlns:ma14="http://schemas.microsoft.com/office/mac/drawingml/2011/main" val="1"/>
             </a:ext>
           </a:extLst>
         </p:spPr>
@@ -11328,7 +11449,7 @@
           </a:ln>
           <a:extLst>
             <a:ext uri="{C572A759-6A51-4108-AA02-DFA0A04FC94B}">
-              <ma14:wrappingTextBoxFlag xmlns:ma14="http://schemas.microsoft.com/office/mac/drawingml/2011/main" xmlns:a14="http://schemas.microsoft.com/office/drawing/2010/main" xmlns:m="http://schemas.openxmlformats.org/officeDocument/2006/math" xmlns="" val="1"/>
+              <ma14:wrappingTextBoxFlag xmlns="" xmlns:m="http://schemas.openxmlformats.org/officeDocument/2006/math" xmlns:a14="http://schemas.microsoft.com/office/drawing/2010/main" xmlns:ma14="http://schemas.microsoft.com/office/mac/drawingml/2011/main" val="1"/>
             </a:ext>
           </a:extLst>
         </p:spPr>
@@ -11722,7 +11843,7 @@
           </a:ln>
           <a:extLst>
             <a:ext uri="{C572A759-6A51-4108-AA02-DFA0A04FC94B}">
-              <ma14:wrappingTextBoxFlag xmlns:ma14="http://schemas.microsoft.com/office/mac/drawingml/2011/main" xmlns:a14="http://schemas.microsoft.com/office/drawing/2010/main" xmlns:m="http://schemas.openxmlformats.org/officeDocument/2006/math" xmlns="" val="1"/>
+              <ma14:wrappingTextBoxFlag xmlns="" xmlns:m="http://schemas.openxmlformats.org/officeDocument/2006/math" xmlns:a14="http://schemas.microsoft.com/office/drawing/2010/main" xmlns:ma14="http://schemas.microsoft.com/office/mac/drawingml/2011/main" val="1"/>
             </a:ext>
           </a:extLst>
         </p:spPr>
@@ -11771,7 +11892,7 @@
           </a:ln>
           <a:extLst>
             <a:ext uri="{C572A759-6A51-4108-AA02-DFA0A04FC94B}">
-              <ma14:wrappingTextBoxFlag xmlns:ma14="http://schemas.microsoft.com/office/mac/drawingml/2011/main" xmlns:a14="http://schemas.microsoft.com/office/drawing/2010/main" xmlns:m="http://schemas.openxmlformats.org/officeDocument/2006/math" xmlns="" val="1"/>
+              <ma14:wrappingTextBoxFlag xmlns="" xmlns:m="http://schemas.openxmlformats.org/officeDocument/2006/math" xmlns:a14="http://schemas.microsoft.com/office/drawing/2010/main" xmlns:ma14="http://schemas.microsoft.com/office/mac/drawingml/2011/main" val="1"/>
             </a:ext>
           </a:extLst>
         </p:spPr>
@@ -12036,7 +12157,7 @@
           </a:ln>
           <a:extLst>
             <a:ext uri="{C572A759-6A51-4108-AA02-DFA0A04FC94B}">
-              <ma14:wrappingTextBoxFlag xmlns:ma14="http://schemas.microsoft.com/office/mac/drawingml/2011/main" xmlns:a14="http://schemas.microsoft.com/office/drawing/2010/main" xmlns:m="http://schemas.openxmlformats.org/officeDocument/2006/math" xmlns="" val="1"/>
+              <ma14:wrappingTextBoxFlag xmlns="" xmlns:m="http://schemas.openxmlformats.org/officeDocument/2006/math" xmlns:a14="http://schemas.microsoft.com/office/drawing/2010/main" xmlns:ma14="http://schemas.microsoft.com/office/mac/drawingml/2011/main" val="1"/>
             </a:ext>
           </a:extLst>
         </p:spPr>
@@ -12085,7 +12206,7 @@
           </a:ln>
           <a:extLst>
             <a:ext uri="{C572A759-6A51-4108-AA02-DFA0A04FC94B}">
-              <ma14:wrappingTextBoxFlag xmlns:ma14="http://schemas.microsoft.com/office/mac/drawingml/2011/main" xmlns:a14="http://schemas.microsoft.com/office/drawing/2010/main" xmlns:m="http://schemas.openxmlformats.org/officeDocument/2006/math" xmlns="" val="1"/>
+              <ma14:wrappingTextBoxFlag xmlns="" xmlns:m="http://schemas.openxmlformats.org/officeDocument/2006/math" xmlns:a14="http://schemas.microsoft.com/office/drawing/2010/main" xmlns:ma14="http://schemas.microsoft.com/office/mac/drawingml/2011/main" val="1"/>
             </a:ext>
           </a:extLst>
         </p:spPr>
@@ -12319,7 +12440,7 @@
           </a:ln>
           <a:extLst>
             <a:ext uri="{C572A759-6A51-4108-AA02-DFA0A04FC94B}">
-              <ma14:wrappingTextBoxFlag xmlns:ma14="http://schemas.microsoft.com/office/mac/drawingml/2011/main" xmlns:a14="http://schemas.microsoft.com/office/drawing/2010/main" xmlns:m="http://schemas.openxmlformats.org/officeDocument/2006/math" xmlns="" val="1"/>
+              <ma14:wrappingTextBoxFlag xmlns="" xmlns:m="http://schemas.openxmlformats.org/officeDocument/2006/math" xmlns:a14="http://schemas.microsoft.com/office/drawing/2010/main" xmlns:ma14="http://schemas.microsoft.com/office/mac/drawingml/2011/main" val="1"/>
             </a:ext>
           </a:extLst>
         </p:spPr>
@@ -12368,7 +12489,7 @@
           </a:ln>
           <a:extLst>
             <a:ext uri="{C572A759-6A51-4108-AA02-DFA0A04FC94B}">
-              <ma14:wrappingTextBoxFlag xmlns:ma14="http://schemas.microsoft.com/office/mac/drawingml/2011/main" xmlns:a14="http://schemas.microsoft.com/office/drawing/2010/main" xmlns:m="http://schemas.openxmlformats.org/officeDocument/2006/math" xmlns="" val="1"/>
+              <ma14:wrappingTextBoxFlag xmlns="" xmlns:m="http://schemas.openxmlformats.org/officeDocument/2006/math" xmlns:a14="http://schemas.microsoft.com/office/drawing/2010/main" xmlns:ma14="http://schemas.microsoft.com/office/mac/drawingml/2011/main" val="1"/>
             </a:ext>
           </a:extLst>
         </p:spPr>
@@ -12758,7 +12879,7 @@
           </a:ln>
           <a:extLst>
             <a:ext uri="{C572A759-6A51-4108-AA02-DFA0A04FC94B}">
-              <ma14:wrappingTextBoxFlag xmlns:ma14="http://schemas.microsoft.com/office/mac/drawingml/2011/main" xmlns:a14="http://schemas.microsoft.com/office/drawing/2010/main" xmlns:m="http://schemas.openxmlformats.org/officeDocument/2006/math" xmlns="" val="1"/>
+              <ma14:wrappingTextBoxFlag xmlns="" xmlns:m="http://schemas.openxmlformats.org/officeDocument/2006/math" xmlns:a14="http://schemas.microsoft.com/office/drawing/2010/main" xmlns:ma14="http://schemas.microsoft.com/office/mac/drawingml/2011/main" val="1"/>
             </a:ext>
           </a:extLst>
         </p:spPr>
@@ -12807,7 +12928,7 @@
           </a:ln>
           <a:extLst>
             <a:ext uri="{C572A759-6A51-4108-AA02-DFA0A04FC94B}">
-              <ma14:wrappingTextBoxFlag xmlns:ma14="http://schemas.microsoft.com/office/mac/drawingml/2011/main" xmlns:a14="http://schemas.microsoft.com/office/drawing/2010/main" xmlns:m="http://schemas.openxmlformats.org/officeDocument/2006/math" xmlns="" val="1"/>
+              <ma14:wrappingTextBoxFlag xmlns="" xmlns:m="http://schemas.openxmlformats.org/officeDocument/2006/math" xmlns:a14="http://schemas.microsoft.com/office/drawing/2010/main" xmlns:ma14="http://schemas.microsoft.com/office/mac/drawingml/2011/main" val="1"/>
             </a:ext>
           </a:extLst>
         </p:spPr>
@@ -13225,7 +13346,7 @@
           </a:ln>
           <a:extLst>
             <a:ext uri="{C572A759-6A51-4108-AA02-DFA0A04FC94B}">
-              <ma14:wrappingTextBoxFlag xmlns:ma14="http://schemas.microsoft.com/office/mac/drawingml/2011/main" xmlns:a14="http://schemas.microsoft.com/office/drawing/2010/main" xmlns:m="http://schemas.openxmlformats.org/officeDocument/2006/math" xmlns="" val="1"/>
+              <ma14:wrappingTextBoxFlag xmlns="" xmlns:m="http://schemas.openxmlformats.org/officeDocument/2006/math" xmlns:a14="http://schemas.microsoft.com/office/drawing/2010/main" xmlns:ma14="http://schemas.microsoft.com/office/mac/drawingml/2011/main" val="1"/>
             </a:ext>
           </a:extLst>
         </p:spPr>
@@ -13274,7 +13395,7 @@
           </a:ln>
           <a:extLst>
             <a:ext uri="{C572A759-6A51-4108-AA02-DFA0A04FC94B}">
-              <ma14:wrappingTextBoxFlag xmlns:ma14="http://schemas.microsoft.com/office/mac/drawingml/2011/main" xmlns:a14="http://schemas.microsoft.com/office/drawing/2010/main" xmlns:m="http://schemas.openxmlformats.org/officeDocument/2006/math" xmlns="" val="1"/>
+              <ma14:wrappingTextBoxFlag xmlns="" xmlns:m="http://schemas.openxmlformats.org/officeDocument/2006/math" xmlns:a14="http://schemas.microsoft.com/office/drawing/2010/main" xmlns:ma14="http://schemas.microsoft.com/office/mac/drawingml/2011/main" val="1"/>
             </a:ext>
           </a:extLst>
         </p:spPr>
@@ -13594,7 +13715,7 @@
           </a:ln>
           <a:extLst>
             <a:ext uri="{C572A759-6A51-4108-AA02-DFA0A04FC94B}">
-              <ma14:wrappingTextBoxFlag xmlns:ma14="http://schemas.microsoft.com/office/mac/drawingml/2011/main" xmlns:a14="http://schemas.microsoft.com/office/drawing/2010/main" xmlns:m="http://schemas.openxmlformats.org/officeDocument/2006/math" xmlns="" val="1"/>
+              <ma14:wrappingTextBoxFlag xmlns="" xmlns:m="http://schemas.openxmlformats.org/officeDocument/2006/math" xmlns:a14="http://schemas.microsoft.com/office/drawing/2010/main" xmlns:ma14="http://schemas.microsoft.com/office/mac/drawingml/2011/main" val="1"/>
             </a:ext>
           </a:extLst>
         </p:spPr>
@@ -13643,7 +13764,7 @@
           </a:ln>
           <a:extLst>
             <a:ext uri="{C572A759-6A51-4108-AA02-DFA0A04FC94B}">
-              <ma14:wrappingTextBoxFlag xmlns:ma14="http://schemas.microsoft.com/office/mac/drawingml/2011/main" xmlns:a14="http://schemas.microsoft.com/office/drawing/2010/main" xmlns:m="http://schemas.openxmlformats.org/officeDocument/2006/math" xmlns="" val="1"/>
+              <ma14:wrappingTextBoxFlag xmlns="" xmlns:m="http://schemas.openxmlformats.org/officeDocument/2006/math" xmlns:a14="http://schemas.microsoft.com/office/drawing/2010/main" xmlns:ma14="http://schemas.microsoft.com/office/mac/drawingml/2011/main" val="1"/>
             </a:ext>
           </a:extLst>
         </p:spPr>
@@ -14037,7 +14158,7 @@
           </a:ln>
           <a:extLst>
             <a:ext uri="{C572A759-6A51-4108-AA02-DFA0A04FC94B}">
-              <ma14:wrappingTextBoxFlag xmlns:ma14="http://schemas.microsoft.com/office/mac/drawingml/2011/main" xmlns:a14="http://schemas.microsoft.com/office/drawing/2010/main" xmlns:m="http://schemas.openxmlformats.org/officeDocument/2006/math" xmlns="" val="1"/>
+              <ma14:wrappingTextBoxFlag xmlns="" xmlns:m="http://schemas.openxmlformats.org/officeDocument/2006/math" xmlns:a14="http://schemas.microsoft.com/office/drawing/2010/main" xmlns:ma14="http://schemas.microsoft.com/office/mac/drawingml/2011/main" val="1"/>
             </a:ext>
           </a:extLst>
         </p:spPr>
@@ -14086,7 +14207,7 @@
           </a:ln>
           <a:extLst>
             <a:ext uri="{C572A759-6A51-4108-AA02-DFA0A04FC94B}">
-              <ma14:wrappingTextBoxFlag xmlns:ma14="http://schemas.microsoft.com/office/mac/drawingml/2011/main" xmlns:a14="http://schemas.microsoft.com/office/drawing/2010/main" xmlns:m="http://schemas.openxmlformats.org/officeDocument/2006/math" xmlns="" val="1"/>
+              <ma14:wrappingTextBoxFlag xmlns="" xmlns:m="http://schemas.openxmlformats.org/officeDocument/2006/math" xmlns:a14="http://schemas.microsoft.com/office/drawing/2010/main" xmlns:ma14="http://schemas.microsoft.com/office/mac/drawingml/2011/main" val="1"/>
             </a:ext>
           </a:extLst>
         </p:spPr>
@@ -14404,7 +14525,7 @@
           </a:ln>
           <a:extLst>
             <a:ext uri="{C572A759-6A51-4108-AA02-DFA0A04FC94B}">
-              <ma14:wrappingTextBoxFlag xmlns:ma14="http://schemas.microsoft.com/office/mac/drawingml/2011/main" xmlns:a14="http://schemas.microsoft.com/office/drawing/2010/main" xmlns:m="http://schemas.openxmlformats.org/officeDocument/2006/math" xmlns="" val="1"/>
+              <ma14:wrappingTextBoxFlag xmlns="" xmlns:m="http://schemas.openxmlformats.org/officeDocument/2006/math" xmlns:a14="http://schemas.microsoft.com/office/drawing/2010/main" xmlns:ma14="http://schemas.microsoft.com/office/mac/drawingml/2011/main" val="1"/>
             </a:ext>
           </a:extLst>
         </p:spPr>
@@ -14453,7 +14574,7 @@
           </a:ln>
           <a:extLst>
             <a:ext uri="{C572A759-6A51-4108-AA02-DFA0A04FC94B}">
-              <ma14:wrappingTextBoxFlag xmlns:ma14="http://schemas.microsoft.com/office/mac/drawingml/2011/main" xmlns:a14="http://schemas.microsoft.com/office/drawing/2010/main" xmlns:m="http://schemas.openxmlformats.org/officeDocument/2006/math" xmlns="" val="1"/>
+              <ma14:wrappingTextBoxFlag xmlns="" xmlns:m="http://schemas.openxmlformats.org/officeDocument/2006/math" xmlns:a14="http://schemas.microsoft.com/office/drawing/2010/main" xmlns:ma14="http://schemas.microsoft.com/office/mac/drawingml/2011/main" val="1"/>
             </a:ext>
           </a:extLst>
         </p:spPr>
@@ -14843,7 +14964,7 @@
           </a:ln>
           <a:extLst>
             <a:ext uri="{C572A759-6A51-4108-AA02-DFA0A04FC94B}">
-              <ma14:wrappingTextBoxFlag xmlns:ma14="http://schemas.microsoft.com/office/mac/drawingml/2011/main" xmlns:a14="http://schemas.microsoft.com/office/drawing/2010/main" xmlns:m="http://schemas.openxmlformats.org/officeDocument/2006/math" xmlns="" val="1"/>
+              <ma14:wrappingTextBoxFlag xmlns="" xmlns:m="http://schemas.openxmlformats.org/officeDocument/2006/math" xmlns:a14="http://schemas.microsoft.com/office/drawing/2010/main" xmlns:ma14="http://schemas.microsoft.com/office/mac/drawingml/2011/main" val="1"/>
             </a:ext>
           </a:extLst>
         </p:spPr>
@@ -14892,7 +15013,7 @@
           </a:ln>
           <a:extLst>
             <a:ext uri="{C572A759-6A51-4108-AA02-DFA0A04FC94B}">
-              <ma14:wrappingTextBoxFlag xmlns:ma14="http://schemas.microsoft.com/office/mac/drawingml/2011/main" xmlns:a14="http://schemas.microsoft.com/office/drawing/2010/main" xmlns:m="http://schemas.openxmlformats.org/officeDocument/2006/math" xmlns="" val="1"/>
+              <ma14:wrappingTextBoxFlag xmlns="" xmlns:m="http://schemas.openxmlformats.org/officeDocument/2006/math" xmlns:a14="http://schemas.microsoft.com/office/drawing/2010/main" xmlns:ma14="http://schemas.microsoft.com/office/mac/drawingml/2011/main" val="1"/>
             </a:ext>
           </a:extLst>
         </p:spPr>
@@ -15292,7 +15413,7 @@
           </a:ln>
           <a:extLst>
             <a:ext uri="{C572A759-6A51-4108-AA02-DFA0A04FC94B}">
-              <ma14:wrappingTextBoxFlag xmlns:ma14="http://schemas.microsoft.com/office/mac/drawingml/2011/main" xmlns:a14="http://schemas.microsoft.com/office/drawing/2010/main" xmlns:m="http://schemas.openxmlformats.org/officeDocument/2006/math" xmlns="" val="1"/>
+              <ma14:wrappingTextBoxFlag xmlns="" xmlns:m="http://schemas.openxmlformats.org/officeDocument/2006/math" xmlns:a14="http://schemas.microsoft.com/office/drawing/2010/main" xmlns:ma14="http://schemas.microsoft.com/office/mac/drawingml/2011/main" val="1"/>
             </a:ext>
           </a:extLst>
         </p:spPr>
@@ -15341,7 +15462,7 @@
           </a:ln>
           <a:extLst>
             <a:ext uri="{C572A759-6A51-4108-AA02-DFA0A04FC94B}">
-              <ma14:wrappingTextBoxFlag xmlns:ma14="http://schemas.microsoft.com/office/mac/drawingml/2011/main" xmlns:a14="http://schemas.microsoft.com/office/drawing/2010/main" xmlns:m="http://schemas.openxmlformats.org/officeDocument/2006/math" xmlns="" val="1"/>
+              <ma14:wrappingTextBoxFlag xmlns="" xmlns:m="http://schemas.openxmlformats.org/officeDocument/2006/math" xmlns:a14="http://schemas.microsoft.com/office/drawing/2010/main" xmlns:ma14="http://schemas.microsoft.com/office/mac/drawingml/2011/main" val="1"/>
             </a:ext>
           </a:extLst>
         </p:spPr>
@@ -15384,7 +15505,7 @@
           </a:ln>
           <a:extLst>
             <a:ext uri="{C572A759-6A51-4108-AA02-DFA0A04FC94B}">
-              <ma14:wrappingTextBoxFlag xmlns:ma14="http://schemas.microsoft.com/office/mac/drawingml/2011/main" xmlns:a14="http://schemas.microsoft.com/office/drawing/2010/main" xmlns:m="http://schemas.openxmlformats.org/officeDocument/2006/math" xmlns="" val="1"/>
+              <ma14:wrappingTextBoxFlag xmlns="" xmlns:m="http://schemas.openxmlformats.org/officeDocument/2006/math" xmlns:a14="http://schemas.microsoft.com/office/drawing/2010/main" xmlns:ma14="http://schemas.microsoft.com/office/mac/drawingml/2011/main" val="1"/>
             </a:ext>
           </a:extLst>
         </p:spPr>
@@ -15421,7 +15542,7 @@
           </a:ln>
           <a:extLst>
             <a:ext uri="{C572A759-6A51-4108-AA02-DFA0A04FC94B}">
-              <ma14:wrappingTextBoxFlag xmlns:ma14="http://schemas.microsoft.com/office/mac/drawingml/2011/main" xmlns:a14="http://schemas.microsoft.com/office/drawing/2010/main" xmlns:m="http://schemas.openxmlformats.org/officeDocument/2006/math" xmlns="" val="1"/>
+              <ma14:wrappingTextBoxFlag xmlns="" xmlns:m="http://schemas.openxmlformats.org/officeDocument/2006/math" xmlns:a14="http://schemas.microsoft.com/office/drawing/2010/main" xmlns:ma14="http://schemas.microsoft.com/office/mac/drawingml/2011/main" val="1"/>
             </a:ext>
           </a:extLst>
         </p:spPr>
@@ -16355,7 +16476,7 @@
           </a:ln>
           <a:extLst>
             <a:ext uri="{C572A759-6A51-4108-AA02-DFA0A04FC94B}">
-              <ma14:wrappingTextBoxFlag xmlns:ma14="http://schemas.microsoft.com/office/mac/drawingml/2011/main" xmlns:a14="http://schemas.microsoft.com/office/drawing/2010/main" xmlns:m="http://schemas.openxmlformats.org/officeDocument/2006/math" xmlns="" val="1"/>
+              <ma14:wrappingTextBoxFlag xmlns="" xmlns:m="http://schemas.openxmlformats.org/officeDocument/2006/math" xmlns:a14="http://schemas.microsoft.com/office/drawing/2010/main" xmlns:ma14="http://schemas.microsoft.com/office/mac/drawingml/2011/main" val="1"/>
             </a:ext>
           </a:extLst>
         </p:spPr>
@@ -16521,7 +16642,7 @@
             <a:effectLst/>
             <a:extLst>
               <a:ext uri="{C572A759-6A51-4108-AA02-DFA0A04FC94B}">
-                <ma14:wrappingTextBoxFlag xmlns:ma14="http://schemas.microsoft.com/office/mac/drawingml/2011/main" xmlns:a14="http://schemas.microsoft.com/office/drawing/2010/main" xmlns:m="http://schemas.openxmlformats.org/officeDocument/2006/math" xmlns="" val="1"/>
+                <ma14:wrappingTextBoxFlag xmlns="" xmlns:m="http://schemas.openxmlformats.org/officeDocument/2006/math" xmlns:a14="http://schemas.microsoft.com/office/drawing/2010/main" xmlns:ma14="http://schemas.microsoft.com/office/mac/drawingml/2011/main" val="1"/>
               </a:ext>
             </a:extLst>
           </p:spPr>
@@ -16898,7 +17019,7 @@
         <p:spPr>
           <a:xfrm>
             <a:off x="381081" y="1485947"/>
-            <a:ext cx="11501847" cy="4401205"/>
+            <a:ext cx="11501847" cy="5416868"/>
           </a:xfrm>
           <a:prstGeom prst="rect">
             <a:avLst/>
@@ -16908,7 +17029,7 @@
           </a:ln>
           <a:extLst>
             <a:ext uri="{C572A759-6A51-4108-AA02-DFA0A04FC94B}">
-              <ma14:wrappingTextBoxFlag xmlns:ma14="http://schemas.microsoft.com/office/mac/drawingml/2011/main" xmlns:a14="http://schemas.microsoft.com/office/drawing/2010/main" xmlns:m="http://schemas.openxmlformats.org/officeDocument/2006/math" xmlns="" val="1"/>
+              <ma14:wrappingTextBoxFlag xmlns="" xmlns:m="http://schemas.openxmlformats.org/officeDocument/2006/math" xmlns:a14="http://schemas.microsoft.com/office/drawing/2010/main" xmlns:ma14="http://schemas.microsoft.com/office/mac/drawingml/2011/main" val="1"/>
             </a:ext>
           </a:extLst>
         </p:spPr>
@@ -17009,7 +17130,7 @@
                   <a:schemeClr val="tx1"/>
                 </a:solidFill>
               </a:rPr>
-              <a:t>contains</a:t>
+              <a:t>contain</a:t>
             </a:r>
             <a:r>
               <a:rPr lang="de-DE" dirty="0">
@@ -17144,6 +17265,305 @@
                 <a:schemeClr val="tx1"/>
               </a:solidFill>
             </a:endParaRPr>
+          </a:p>
+          <a:p>
+            <a:pPr marL="349250" lvl="1" indent="-168275" algn="l" defTabSz="914400">
+              <a:lnSpc>
+                <a:spcPct val="100000"/>
+              </a:lnSpc>
+              <a:spcBef>
+                <a:spcPts val="400"/>
+              </a:spcBef>
+              <a:buSzPct val="100000"/>
+              <a:buChar char="▪"/>
+            </a:pPr>
+            <a:r>
+              <a:rPr lang="de-DE" dirty="0" err="1">
+                <a:solidFill>
+                  <a:schemeClr val="tx1"/>
+                </a:solidFill>
+              </a:rPr>
+              <a:t>If</a:t>
+            </a:r>
+            <a:r>
+              <a:rPr lang="de-DE" dirty="0">
+                <a:solidFill>
+                  <a:schemeClr val="tx1"/>
+                </a:solidFill>
+              </a:rPr>
+              <a:t> Index </a:t>
+            </a:r>
+            <a:r>
+              <a:rPr lang="de-DE" dirty="0" err="1">
+                <a:solidFill>
+                  <a:schemeClr val="tx1"/>
+                </a:solidFill>
+              </a:rPr>
+              <a:t>can</a:t>
+            </a:r>
+            <a:r>
+              <a:rPr lang="de-DE" dirty="0">
+                <a:solidFill>
+                  <a:schemeClr val="tx1"/>
+                </a:solidFill>
+              </a:rPr>
+              <a:t> </a:t>
+            </a:r>
+            <a:r>
+              <a:rPr lang="de-DE" dirty="0" err="1">
+                <a:solidFill>
+                  <a:schemeClr val="tx1"/>
+                </a:solidFill>
+              </a:rPr>
+              <a:t>be</a:t>
+            </a:r>
+            <a:r>
+              <a:rPr lang="de-DE" dirty="0">
+                <a:solidFill>
+                  <a:schemeClr val="tx1"/>
+                </a:solidFill>
+              </a:rPr>
+              <a:t> </a:t>
+            </a:r>
+            <a:r>
+              <a:rPr lang="de-DE" dirty="0" err="1">
+                <a:solidFill>
+                  <a:schemeClr val="tx1"/>
+                </a:solidFill>
+              </a:rPr>
+              <a:t>extracted</a:t>
+            </a:r>
+            <a:r>
+              <a:rPr lang="de-DE" dirty="0">
+                <a:solidFill>
+                  <a:schemeClr val="tx1"/>
+                </a:solidFill>
+              </a:rPr>
+              <a:t> </a:t>
+            </a:r>
+            <a:r>
+              <a:rPr lang="de-DE" dirty="0" err="1">
+                <a:solidFill>
+                  <a:schemeClr val="tx1"/>
+                </a:solidFill>
+              </a:rPr>
+              <a:t>it</a:t>
+            </a:r>
+            <a:r>
+              <a:rPr lang="de-DE" dirty="0">
+                <a:solidFill>
+                  <a:schemeClr val="tx1"/>
+                </a:solidFill>
+              </a:rPr>
+              <a:t> </a:t>
+            </a:r>
+            <a:r>
+              <a:rPr lang="de-DE" dirty="0" err="1">
+                <a:solidFill>
+                  <a:schemeClr val="tx1"/>
+                </a:solidFill>
+              </a:rPr>
+              <a:t>can</a:t>
+            </a:r>
+            <a:r>
+              <a:rPr lang="de-DE" dirty="0">
+                <a:solidFill>
+                  <a:schemeClr val="tx1"/>
+                </a:solidFill>
+              </a:rPr>
+              <a:t> </a:t>
+            </a:r>
+            <a:r>
+              <a:rPr lang="de-DE" dirty="0" err="1">
+                <a:solidFill>
+                  <a:schemeClr val="tx1"/>
+                </a:solidFill>
+              </a:rPr>
+              <a:t>be</a:t>
+            </a:r>
+            <a:r>
+              <a:rPr lang="de-DE" dirty="0">
+                <a:solidFill>
+                  <a:schemeClr val="tx1"/>
+                </a:solidFill>
+              </a:rPr>
+              <a:t> </a:t>
+            </a:r>
+            <a:r>
+              <a:rPr lang="de-DE" dirty="0" err="1">
+                <a:solidFill>
+                  <a:schemeClr val="tx1"/>
+                </a:solidFill>
+              </a:rPr>
+              <a:t>used</a:t>
+            </a:r>
+            <a:r>
+              <a:rPr lang="de-DE" dirty="0">
+                <a:solidFill>
+                  <a:schemeClr val="tx1"/>
+                </a:solidFill>
+              </a:rPr>
+              <a:t> </a:t>
+            </a:r>
+            <a:r>
+              <a:rPr lang="de-DE" dirty="0" err="1">
+                <a:solidFill>
+                  <a:schemeClr val="tx1"/>
+                </a:solidFill>
+              </a:rPr>
+              <a:t>for</a:t>
+            </a:r>
+            <a:r>
+              <a:rPr lang="de-DE" dirty="0">
+                <a:solidFill>
+                  <a:schemeClr val="tx1"/>
+                </a:solidFill>
+              </a:rPr>
+              <a:t> </a:t>
+            </a:r>
+            <a:r>
+              <a:rPr lang="de-DE" dirty="0" err="1">
+                <a:solidFill>
+                  <a:schemeClr val="tx1"/>
+                </a:solidFill>
+              </a:rPr>
+              <a:t>keyword</a:t>
+            </a:r>
+            <a:r>
+              <a:rPr lang="de-DE" dirty="0">
+                <a:solidFill>
+                  <a:schemeClr val="tx1"/>
+                </a:solidFill>
+              </a:rPr>
+              <a:t> </a:t>
+            </a:r>
+            <a:r>
+              <a:rPr lang="de-DE" dirty="0" err="1">
+                <a:solidFill>
+                  <a:schemeClr val="tx1"/>
+                </a:solidFill>
+              </a:rPr>
+              <a:t>extraction</a:t>
+            </a:r>
+            <a:r>
+              <a:rPr lang="de-DE" dirty="0">
+                <a:solidFill>
+                  <a:schemeClr val="tx1"/>
+                </a:solidFill>
+              </a:rPr>
+              <a:t> </a:t>
+            </a:r>
+            <a:r>
+              <a:rPr lang="de-DE" dirty="0" err="1">
+                <a:solidFill>
+                  <a:schemeClr val="tx1"/>
+                </a:solidFill>
+              </a:rPr>
+              <a:t>or</a:t>
+            </a:r>
+            <a:r>
+              <a:rPr lang="de-DE" dirty="0">
+                <a:solidFill>
+                  <a:schemeClr val="tx1"/>
+                </a:solidFill>
+              </a:rPr>
+              <a:t> </a:t>
+            </a:r>
+            <a:r>
+              <a:rPr lang="de-DE" dirty="0" err="1">
+                <a:solidFill>
+                  <a:schemeClr val="tx1"/>
+                </a:solidFill>
+              </a:rPr>
+              <a:t>algorithmic</a:t>
+            </a:r>
+            <a:r>
+              <a:rPr lang="de-DE" dirty="0">
+                <a:solidFill>
+                  <a:schemeClr val="tx1"/>
+                </a:solidFill>
+              </a:rPr>
+              <a:t> </a:t>
+            </a:r>
+            <a:r>
+              <a:rPr lang="de-DE" dirty="0" err="1">
+                <a:solidFill>
+                  <a:schemeClr val="tx1"/>
+                </a:solidFill>
+              </a:rPr>
+              <a:t>paragraph</a:t>
+            </a:r>
+            <a:r>
+              <a:rPr lang="de-DE" dirty="0">
+                <a:solidFill>
+                  <a:schemeClr val="tx1"/>
+                </a:solidFill>
+              </a:rPr>
+              <a:t> </a:t>
+            </a:r>
+            <a:r>
+              <a:rPr lang="de-DE" dirty="0" err="1">
+                <a:solidFill>
+                  <a:schemeClr val="tx1"/>
+                </a:solidFill>
+              </a:rPr>
+              <a:t>headline</a:t>
+            </a:r>
+            <a:r>
+              <a:rPr lang="de-DE" dirty="0">
+                <a:solidFill>
+                  <a:schemeClr val="tx1"/>
+                </a:solidFill>
+              </a:rPr>
+              <a:t> </a:t>
+            </a:r>
+            <a:r>
+              <a:rPr lang="de-DE" dirty="0" err="1">
+                <a:solidFill>
+                  <a:schemeClr val="tx1"/>
+                </a:solidFill>
+              </a:rPr>
+              <a:t>creation</a:t>
+            </a:r>
+            <a:endParaRPr lang="de-DE" dirty="0">
+              <a:solidFill>
+                <a:schemeClr val="tx1"/>
+              </a:solidFill>
+            </a:endParaRPr>
+          </a:p>
+          <a:p>
+            <a:pPr lvl="1" indent="180975" algn="l" defTabSz="914400">
+              <a:lnSpc>
+                <a:spcPct val="100000"/>
+              </a:lnSpc>
+              <a:spcBef>
+                <a:spcPts val="400"/>
+              </a:spcBef>
+            </a:pPr>
+            <a:endParaRPr lang="de-DE" dirty="0">
+              <a:solidFill>
+                <a:schemeClr val="tx1"/>
+              </a:solidFill>
+            </a:endParaRPr>
+          </a:p>
+          <a:p>
+            <a:pPr marL="179387" indent="-179387" algn="l" defTabSz="914400">
+              <a:lnSpc>
+                <a:spcPct val="100000"/>
+              </a:lnSpc>
+              <a:spcBef>
+                <a:spcPts val="400"/>
+              </a:spcBef>
+              <a:defRPr sz="2000" b="1"/>
+            </a:pPr>
+            <a:r>
+              <a:rPr lang="de-DE" dirty="0">
+                <a:solidFill>
+                  <a:schemeClr val="tx1"/>
+                </a:solidFill>
+              </a:rPr>
+              <a:t>Problem</a:t>
+            </a:r>
           </a:p>
           <a:p>
             <a:pPr marL="349250" lvl="1" indent="-168275" algn="l" defTabSz="914400">
@@ -17953,14 +18373,14 @@
           <p:nvPr>
             <p:extLst>
               <p:ext uri="{D42A27DB-BD31-4B8C-83A1-F6EECF244321}">
-                <p14:modId xmlns:p14="http://schemas.microsoft.com/office/powerpoint/2010/main" val="63046727"/>
+                <p14:modId xmlns:p14="http://schemas.microsoft.com/office/powerpoint/2010/main" val="1862071897"/>
               </p:ext>
             </p:extLst>
           </p:nvPr>
         </p:nvGraphicFramePr>
         <p:xfrm>
           <a:off x="478366" y="1715678"/>
-          <a:ext cx="10654690" cy="4709860"/>
+          <a:ext cx="10654690" cy="5951475"/>
         </p:xfrm>
         <a:graphic>
           <a:graphicData uri="http://schemas.openxmlformats.org/drawingml/2006/table">
@@ -19487,7 +19907,7 @@
                           <a:cs typeface="Arial"/>
                           <a:sym typeface="Arial"/>
                         </a:rPr>
-                        <a:t> </a:t>
+                        <a:t> HTML </a:t>
                       </a:r>
                       <a:r>
                         <a:rPr kumimoji="0" lang="de-DE" sz="1800" b="0" i="0" u="none" strike="noStrike" kern="0" cap="none" spc="0" normalizeH="0" baseline="0" noProof="0" dirty="0" err="1">
@@ -19505,7 +19925,7 @@
                           <a:cs typeface="Arial"/>
                           <a:sym typeface="Arial"/>
                         </a:rPr>
-                        <a:t>HTMLformat</a:t>
+                        <a:t>format</a:t>
                       </a:r>
                       <a:r>
                         <a:rPr kumimoji="0" lang="de-DE" sz="1800" b="0" i="0" u="none" strike="noStrike" kern="0" cap="none" spc="0" normalizeH="0" baseline="0" noProof="0" dirty="0">
@@ -19593,149 +20013,8 @@
                           <a:cs typeface="Arial"/>
                           <a:sym typeface="Arial"/>
                         </a:rPr>
-                        <a:t>Index </a:t>
+                        <a:t>powerful</a:t>
                       </a:r>
-                      <a:r>
-                        <a:rPr kumimoji="0" lang="de-DE" sz="1800" b="0" i="0" u="none" strike="noStrike" kern="0" cap="none" spc="0" normalizeH="0" baseline="0" noProof="0" dirty="0" err="1">
-                          <a:ln>
-                            <a:noFill/>
-                          </a:ln>
-                          <a:solidFill>
-                            <a:srgbClr val="000000"/>
-                          </a:solidFill>
-                          <a:effectLst/>
-                          <a:uLnTx/>
-                          <a:uFillTx/>
-                          <a:latin typeface="Arial"/>
-                          <a:ea typeface="+mn-ea"/>
-                          <a:cs typeface="Arial"/>
-                          <a:sym typeface="Arial"/>
-                        </a:rPr>
-                        <a:t>treated</a:t>
-                      </a:r>
-                      <a:r>
-                        <a:rPr kumimoji="0" lang="de-DE" sz="1800" b="0" i="0" u="none" strike="noStrike" kern="0" cap="none" spc="0" normalizeH="0" baseline="0" noProof="0" dirty="0">
-                          <a:ln>
-                            <a:noFill/>
-                          </a:ln>
-                          <a:solidFill>
-                            <a:srgbClr val="000000"/>
-                          </a:solidFill>
-                          <a:effectLst/>
-                          <a:uLnTx/>
-                          <a:uFillTx/>
-                          <a:latin typeface="Arial"/>
-                          <a:ea typeface="+mn-ea"/>
-                          <a:cs typeface="Arial"/>
-                          <a:sym typeface="Arial"/>
-                        </a:rPr>
-                        <a:t> </a:t>
-                      </a:r>
-                      <a:r>
-                        <a:rPr kumimoji="0" lang="de-DE" sz="1800" b="0" i="0" u="none" strike="noStrike" kern="0" cap="none" spc="0" normalizeH="0" baseline="0" noProof="0" dirty="0" err="1">
-                          <a:ln>
-                            <a:noFill/>
-                          </a:ln>
-                          <a:solidFill>
-                            <a:srgbClr val="000000"/>
-                          </a:solidFill>
-                          <a:effectLst/>
-                          <a:uLnTx/>
-                          <a:uFillTx/>
-                          <a:latin typeface="Arial"/>
-                          <a:ea typeface="+mn-ea"/>
-                          <a:cs typeface="Arial"/>
-                          <a:sym typeface="Arial"/>
-                        </a:rPr>
-                        <a:t>the</a:t>
-                      </a:r>
-                      <a:r>
-                        <a:rPr kumimoji="0" lang="de-DE" sz="1800" b="0" i="0" u="none" strike="noStrike" kern="0" cap="none" spc="0" normalizeH="0" baseline="0" noProof="0" dirty="0">
-                          <a:ln>
-                            <a:noFill/>
-                          </a:ln>
-                          <a:solidFill>
-                            <a:srgbClr val="000000"/>
-                          </a:solidFill>
-                          <a:effectLst/>
-                          <a:uLnTx/>
-                          <a:uFillTx/>
-                          <a:latin typeface="Arial"/>
-                          <a:ea typeface="+mn-ea"/>
-                          <a:cs typeface="Arial"/>
-                          <a:sym typeface="Arial"/>
-                        </a:rPr>
-                        <a:t> same </a:t>
-                      </a:r>
-                      <a:r>
-                        <a:rPr kumimoji="0" lang="de-DE" sz="1800" b="0" i="0" u="none" strike="noStrike" kern="0" cap="none" spc="0" normalizeH="0" baseline="0" noProof="0" dirty="0" err="1">
-                          <a:ln>
-                            <a:noFill/>
-                          </a:ln>
-                          <a:solidFill>
-                            <a:srgbClr val="000000"/>
-                          </a:solidFill>
-                          <a:effectLst/>
-                          <a:uLnTx/>
-                          <a:uFillTx/>
-                          <a:latin typeface="Arial"/>
-                          <a:ea typeface="+mn-ea"/>
-                          <a:cs typeface="Arial"/>
-                          <a:sym typeface="Arial"/>
-                        </a:rPr>
-                        <a:t>as</a:t>
-                      </a:r>
-                      <a:r>
-                        <a:rPr kumimoji="0" lang="de-DE" sz="1800" b="0" i="0" u="none" strike="noStrike" kern="0" cap="none" spc="0" normalizeH="0" baseline="0" noProof="0" dirty="0">
-                          <a:ln>
-                            <a:noFill/>
-                          </a:ln>
-                          <a:solidFill>
-                            <a:srgbClr val="000000"/>
-                          </a:solidFill>
-                          <a:effectLst/>
-                          <a:uLnTx/>
-                          <a:uFillTx/>
-                          <a:latin typeface="Arial"/>
-                          <a:ea typeface="+mn-ea"/>
-                          <a:cs typeface="Arial"/>
-                          <a:sym typeface="Arial"/>
-                        </a:rPr>
-                        <a:t> normal </a:t>
-                      </a:r>
-                      <a:r>
-                        <a:rPr kumimoji="0" lang="de-DE" sz="1800" b="0" i="0" u="none" strike="noStrike" kern="0" cap="none" spc="0" normalizeH="0" baseline="0" noProof="0" dirty="0" err="1">
-                          <a:ln>
-                            <a:noFill/>
-                          </a:ln>
-                          <a:solidFill>
-                            <a:srgbClr val="000000"/>
-                          </a:solidFill>
-                          <a:effectLst/>
-                          <a:uLnTx/>
-                          <a:uFillTx/>
-                          <a:latin typeface="Arial"/>
-                          <a:ea typeface="+mn-ea"/>
-                          <a:cs typeface="Arial"/>
-                          <a:sym typeface="Arial"/>
-                        </a:rPr>
-                        <a:t>paragraph</a:t>
-                      </a:r>
-                      <a:endParaRPr kumimoji="0" lang="de-DE" sz="1800" b="0" i="0" u="none" strike="noStrike" kern="0" cap="none" spc="0" normalizeH="0" baseline="0" noProof="0" dirty="0">
-                        <a:ln>
-                          <a:noFill/>
-                        </a:ln>
-                        <a:solidFill>
-                          <a:srgbClr val="000000"/>
-                        </a:solidFill>
-                        <a:effectLst/>
-                        <a:uLnTx/>
-                        <a:uFillTx/>
-                        <a:latin typeface="Arial"/>
-                        <a:ea typeface="+mn-ea"/>
-                        <a:cs typeface="Arial"/>
-                        <a:sym typeface="Arial"/>
-                      </a:endParaRPr>
                     </a:p>
                     <a:p>
                       <a:pPr marL="171450" indent="-171450" algn="l">
@@ -19780,6 +20059,386 @@
                 <a:extLst>
                   <a:ext uri="{0D108BD9-81ED-4DB2-BD59-A6C34878D82A}">
                     <a16:rowId xmlns:a16="http://schemas.microsoft.com/office/drawing/2014/main" val="1402949006"/>
+                  </a:ext>
+                </a:extLst>
+              </a:tr>
+              <a:tr h="1241615">
+                <a:tc>
+                  <a:txBody>
+                    <a:bodyPr/>
+                    <a:lstStyle/>
+                    <a:p>
+                      <a:pPr marL="180975" marR="0" lvl="0" indent="0" algn="l" defTabSz="914400" rtl="0" eaLnBrk="1" fontAlgn="auto" latinLnBrk="0" hangingPunct="0">
+                        <a:lnSpc>
+                          <a:spcPct val="100000"/>
+                        </a:lnSpc>
+                        <a:spcBef>
+                          <a:spcPts val="400"/>
+                        </a:spcBef>
+                        <a:spcAft>
+                          <a:spcPts val="0"/>
+                        </a:spcAft>
+                        <a:buClrTx/>
+                        <a:buSzPct val="100000"/>
+                        <a:buFont typeface="Arial" panose="020B0604020202020204" pitchFamily="34" charset="0"/>
+                        <a:buNone/>
+                        <a:tabLst/>
+                        <a:defRPr/>
+                      </a:pPr>
+                      <a:r>
+                        <a:rPr kumimoji="0" lang="de-DE" sz="1800" b="0" i="0" u="none" strike="noStrike" kern="0" cap="none" spc="0" normalizeH="0" baseline="0" noProof="0" dirty="0" err="1">
+                          <a:ln>
+                            <a:noFill/>
+                          </a:ln>
+                          <a:solidFill>
+                            <a:srgbClr val="000000"/>
+                          </a:solidFill>
+                          <a:effectLst/>
+                          <a:uLnTx/>
+                          <a:uFillTx/>
+                          <a:latin typeface="Arial"/>
+                          <a:cs typeface="Arial"/>
+                          <a:sym typeface="Arial"/>
+                        </a:rPr>
+                        <a:t>PDFBox</a:t>
+                      </a:r>
+                      <a:endParaRPr kumimoji="0" lang="de-DE" sz="1800" b="0" i="0" u="none" strike="noStrike" kern="0" cap="none" spc="0" normalizeH="0" baseline="0" noProof="0" dirty="0">
+                        <a:ln>
+                          <a:noFill/>
+                        </a:ln>
+                        <a:solidFill>
+                          <a:srgbClr val="000000"/>
+                        </a:solidFill>
+                        <a:effectLst/>
+                        <a:uLnTx/>
+                        <a:uFillTx/>
+                        <a:latin typeface="Arial"/>
+                        <a:cs typeface="Arial"/>
+                        <a:sym typeface="Arial"/>
+                      </a:endParaRPr>
+                    </a:p>
+                    <a:p>
+                      <a:pPr algn="l"/>
+                      <a:endParaRPr lang="de-DE" sz="1200" b="0" i="0" u="none" strike="noStrike" cap="none" spc="0" baseline="0" dirty="0">
+                        <a:solidFill>
+                          <a:schemeClr val="tx1"/>
+                        </a:solidFill>
+                        <a:uFillTx/>
+                        <a:latin typeface="Arial" panose="020B0604020202020204" pitchFamily="34" charset="0"/>
+                        <a:ea typeface="+mn-ea"/>
+                        <a:cs typeface="Arial" panose="020B0604020202020204" pitchFamily="34" charset="0"/>
+                        <a:sym typeface="Arial"/>
+                      </a:endParaRPr>
+                    </a:p>
+                  </a:txBody>
+                  <a:tcPr>
+                    <a:lnL w="12700" cmpd="sng">
+                      <a:noFill/>
+                    </a:lnL>
+                    <a:lnR w="12700" cmpd="sng">
+                      <a:noFill/>
+                    </a:lnR>
+                    <a:lnT w="12700" cmpd="sng">
+                      <a:noFill/>
+                    </a:lnT>
+                    <a:lnB w="12700" cmpd="sng">
+                      <a:noFill/>
+                    </a:lnB>
+                    <a:lnTlToBr w="12700" cmpd="sng">
+                      <a:noFill/>
+                      <a:prstDash val="solid"/>
+                    </a:lnTlToBr>
+                    <a:lnBlToTr w="12700" cmpd="sng">
+                      <a:noFill/>
+                      <a:prstDash val="solid"/>
+                    </a:lnBlToTr>
+                  </a:tcPr>
+                </a:tc>
+                <a:tc>
+                  <a:txBody>
+                    <a:bodyPr/>
+                    <a:lstStyle/>
+                    <a:p>
+                      <a:pPr marL="171450" marR="0" lvl="0" indent="-171450" algn="l" defTabSz="449262" rtl="0" eaLnBrk="1" fontAlgn="auto" latinLnBrk="0" hangingPunct="1">
+                        <a:lnSpc>
+                          <a:spcPct val="93000"/>
+                        </a:lnSpc>
+                        <a:spcBef>
+                          <a:spcPts val="0"/>
+                        </a:spcBef>
+                        <a:spcAft>
+                          <a:spcPts val="0"/>
+                        </a:spcAft>
+                        <a:buClrTx/>
+                        <a:buSzTx/>
+                        <a:buFont typeface="Arial" panose="020B0604020202020204" pitchFamily="34" charset="0"/>
+                        <a:buChar char="•"/>
+                        <a:tabLst/>
+                        <a:defRPr/>
+                      </a:pPr>
+                      <a:r>
+                        <a:rPr kumimoji="0" lang="de-DE" sz="1800" b="0" i="0" u="none" strike="noStrike" kern="0" cap="none" spc="0" normalizeH="0" baseline="0" noProof="0" dirty="0">
+                          <a:ln>
+                            <a:noFill/>
+                          </a:ln>
+                          <a:solidFill>
+                            <a:srgbClr val="000000"/>
+                          </a:solidFill>
+                          <a:effectLst/>
+                          <a:uLnTx/>
+                          <a:uFillTx/>
+                          <a:latin typeface="Arial"/>
+                          <a:ea typeface="+mn-ea"/>
+                          <a:cs typeface="Arial"/>
+                          <a:sym typeface="Arial"/>
+                        </a:rPr>
+                        <a:t>Open Source Java Library</a:t>
+                      </a:r>
+                    </a:p>
+                    <a:p>
+                      <a:pPr marL="171450" marR="0" lvl="0" indent="-171450" algn="l" defTabSz="449262" rtl="0" eaLnBrk="1" fontAlgn="auto" latinLnBrk="0" hangingPunct="1">
+                        <a:lnSpc>
+                          <a:spcPct val="93000"/>
+                        </a:lnSpc>
+                        <a:spcBef>
+                          <a:spcPts val="0"/>
+                        </a:spcBef>
+                        <a:spcAft>
+                          <a:spcPts val="0"/>
+                        </a:spcAft>
+                        <a:buClrTx/>
+                        <a:buSzTx/>
+                        <a:buFont typeface="Arial" panose="020B0604020202020204" pitchFamily="34" charset="0"/>
+                        <a:buChar char="•"/>
+                        <a:tabLst/>
+                        <a:defRPr/>
+                      </a:pPr>
+                      <a:r>
+                        <a:rPr kumimoji="0" lang="de-DE" sz="1800" b="0" i="0" u="none" strike="noStrike" kern="0" cap="none" spc="0" normalizeH="0" baseline="0" noProof="0" dirty="0">
+                          <a:ln>
+                            <a:noFill/>
+                          </a:ln>
+                          <a:solidFill>
+                            <a:srgbClr val="000000"/>
+                          </a:solidFill>
+                          <a:effectLst/>
+                          <a:uLnTx/>
+                          <a:uFillTx/>
+                          <a:latin typeface="Arial"/>
+                          <a:ea typeface="+mn-ea"/>
+                          <a:cs typeface="Arial"/>
+                          <a:sym typeface="Arial"/>
+                        </a:rPr>
+                        <a:t>powerful</a:t>
+                      </a:r>
+                    </a:p>
+                    <a:p>
+                      <a:pPr marL="171450" marR="0" lvl="0" indent="-171450" algn="l" defTabSz="449262" rtl="0" eaLnBrk="1" fontAlgn="auto" latinLnBrk="0" hangingPunct="1">
+                        <a:lnSpc>
+                          <a:spcPct val="93000"/>
+                        </a:lnSpc>
+                        <a:spcBef>
+                          <a:spcPts val="0"/>
+                        </a:spcBef>
+                        <a:spcAft>
+                          <a:spcPts val="0"/>
+                        </a:spcAft>
+                        <a:buClrTx/>
+                        <a:buSzTx/>
+                        <a:buFont typeface="Arial" panose="020B0604020202020204" pitchFamily="34" charset="0"/>
+                        <a:buChar char="•"/>
+                        <a:tabLst/>
+                        <a:defRPr/>
+                      </a:pPr>
+                      <a:r>
+                        <a:rPr kumimoji="0" lang="de-DE" sz="1800" b="0" i="0" u="none" strike="noStrike" kern="0" cap="none" spc="0" normalizeH="0" baseline="0" noProof="0" dirty="0" err="1">
+                          <a:ln>
+                            <a:noFill/>
+                          </a:ln>
+                          <a:solidFill>
+                            <a:srgbClr val="000000"/>
+                          </a:solidFill>
+                          <a:effectLst/>
+                          <a:uLnTx/>
+                          <a:uFillTx/>
+                          <a:latin typeface="Arial"/>
+                          <a:ea typeface="+mn-ea"/>
+                          <a:cs typeface="Arial"/>
+                          <a:sym typeface="Arial"/>
+                        </a:rPr>
+                        <a:t>well</a:t>
+                      </a:r>
+                      <a:r>
+                        <a:rPr kumimoji="0" lang="de-DE" sz="1800" b="0" i="0" u="none" strike="noStrike" kern="0" cap="none" spc="0" normalizeH="0" baseline="0" noProof="0" dirty="0">
+                          <a:ln>
+                            <a:noFill/>
+                          </a:ln>
+                          <a:solidFill>
+                            <a:srgbClr val="000000"/>
+                          </a:solidFill>
+                          <a:effectLst/>
+                          <a:uLnTx/>
+                          <a:uFillTx/>
+                          <a:latin typeface="Arial"/>
+                          <a:ea typeface="+mn-ea"/>
+                          <a:cs typeface="Arial"/>
+                          <a:sym typeface="Arial"/>
+                        </a:rPr>
+                        <a:t> </a:t>
+                      </a:r>
+                      <a:r>
+                        <a:rPr kumimoji="0" lang="de-DE" sz="1800" b="0" i="0" u="none" strike="noStrike" kern="0" cap="none" spc="0" normalizeH="0" baseline="0" noProof="0" dirty="0" err="1">
+                          <a:ln>
+                            <a:noFill/>
+                          </a:ln>
+                          <a:solidFill>
+                            <a:srgbClr val="000000"/>
+                          </a:solidFill>
+                          <a:effectLst/>
+                          <a:uLnTx/>
+                          <a:uFillTx/>
+                          <a:latin typeface="Arial"/>
+                          <a:ea typeface="+mn-ea"/>
+                          <a:cs typeface="Arial"/>
+                          <a:sym typeface="Arial"/>
+                        </a:rPr>
+                        <a:t>documented</a:t>
+                      </a:r>
+                      <a:r>
+                        <a:rPr kumimoji="0" lang="de-DE" sz="1800" b="0" i="0" u="none" strike="noStrike" kern="0" cap="none" spc="0" normalizeH="0" baseline="0" noProof="0" dirty="0">
+                          <a:ln>
+                            <a:noFill/>
+                          </a:ln>
+                          <a:solidFill>
+                            <a:srgbClr val="000000"/>
+                          </a:solidFill>
+                          <a:effectLst/>
+                          <a:uLnTx/>
+                          <a:uFillTx/>
+                          <a:latin typeface="Arial"/>
+                          <a:ea typeface="+mn-ea"/>
+                          <a:cs typeface="Arial"/>
+                          <a:sym typeface="Arial"/>
+                        </a:rPr>
+                        <a:t> </a:t>
+                      </a:r>
+                      <a:r>
+                        <a:rPr kumimoji="0" lang="de-DE" sz="1800" b="0" i="0" u="none" strike="noStrike" kern="0" cap="none" spc="0" normalizeH="0" baseline="0" noProof="0" dirty="0" err="1">
+                          <a:ln>
+                            <a:noFill/>
+                          </a:ln>
+                          <a:solidFill>
+                            <a:srgbClr val="000000"/>
+                          </a:solidFill>
+                          <a:effectLst/>
+                          <a:uLnTx/>
+                          <a:uFillTx/>
+                          <a:latin typeface="Arial"/>
+                          <a:ea typeface="+mn-ea"/>
+                          <a:cs typeface="Arial"/>
+                          <a:sym typeface="Arial"/>
+                        </a:rPr>
+                        <a:t>and</a:t>
+                      </a:r>
+                      <a:r>
+                        <a:rPr kumimoji="0" lang="de-DE" sz="1800" b="0" i="0" u="none" strike="noStrike" kern="0" cap="none" spc="0" normalizeH="0" baseline="0" noProof="0" dirty="0">
+                          <a:ln>
+                            <a:noFill/>
+                          </a:ln>
+                          <a:solidFill>
+                            <a:srgbClr val="000000"/>
+                          </a:solidFill>
+                          <a:effectLst/>
+                          <a:uLnTx/>
+                          <a:uFillTx/>
+                          <a:latin typeface="Arial"/>
+                          <a:ea typeface="+mn-ea"/>
+                          <a:cs typeface="Arial"/>
+                          <a:sym typeface="Arial"/>
+                        </a:rPr>
+                        <a:t> </a:t>
+                      </a:r>
+                      <a:r>
+                        <a:rPr kumimoji="0" lang="de-DE" sz="1800" b="0" i="0" u="none" strike="noStrike" kern="0" cap="none" spc="0" normalizeH="0" baseline="0" noProof="0" dirty="0" err="1">
+                          <a:ln>
+                            <a:noFill/>
+                          </a:ln>
+                          <a:solidFill>
+                            <a:srgbClr val="000000"/>
+                          </a:solidFill>
+                          <a:effectLst/>
+                          <a:uLnTx/>
+                          <a:uFillTx/>
+                          <a:latin typeface="Arial"/>
+                          <a:ea typeface="+mn-ea"/>
+                          <a:cs typeface="Arial"/>
+                          <a:sym typeface="Arial"/>
+                        </a:rPr>
+                        <a:t>integrated</a:t>
+                      </a:r>
+                      <a:endParaRPr kumimoji="0" lang="de-DE" sz="1800" b="0" i="0" u="none" strike="noStrike" kern="0" cap="none" spc="0" normalizeH="0" baseline="0" noProof="0" dirty="0">
+                        <a:ln>
+                          <a:noFill/>
+                        </a:ln>
+                        <a:solidFill>
+                          <a:srgbClr val="000000"/>
+                        </a:solidFill>
+                        <a:effectLst/>
+                        <a:uLnTx/>
+                        <a:uFillTx/>
+                        <a:latin typeface="Arial"/>
+                        <a:ea typeface="+mn-ea"/>
+                        <a:cs typeface="Arial"/>
+                        <a:sym typeface="Arial"/>
+                      </a:endParaRPr>
+                    </a:p>
+                    <a:p>
+                      <a:pPr marL="171450" indent="-171450" algn="l">
+                        <a:buFont typeface="Arial" panose="020B0604020202020204" pitchFamily="34" charset="0"/>
+                        <a:buChar char="•"/>
+                      </a:pPr>
+                      <a:endParaRPr kumimoji="0" lang="de-DE" sz="1800" b="0" i="0" u="none" strike="noStrike" cap="none" spc="0" normalizeH="0" baseline="0" dirty="0">
+                        <a:ln>
+                          <a:noFill/>
+                        </a:ln>
+                        <a:solidFill>
+                          <a:schemeClr val="tx1"/>
+                        </a:solidFill>
+                        <a:effectLst/>
+                        <a:uFillTx/>
+                        <a:latin typeface="Arial"/>
+                        <a:ea typeface="+mn-ea"/>
+                        <a:cs typeface="Arial"/>
+                        <a:sym typeface="Arial"/>
+                      </a:endParaRPr>
+                    </a:p>
+                  </a:txBody>
+                  <a:tcPr>
+                    <a:lnL w="12700" cmpd="sng">
+                      <a:noFill/>
+                    </a:lnL>
+                    <a:lnR w="12700" cmpd="sng">
+                      <a:noFill/>
+                    </a:lnR>
+                    <a:lnT w="12700" cmpd="sng">
+                      <a:noFill/>
+                    </a:lnT>
+                    <a:lnB w="12700" cmpd="sng">
+                      <a:noFill/>
+                    </a:lnB>
+                    <a:lnTlToBr w="12700" cmpd="sng">
+                      <a:noFill/>
+                      <a:prstDash val="solid"/>
+                    </a:lnTlToBr>
+                    <a:lnBlToTr w="12700" cmpd="sng">
+                      <a:noFill/>
+                      <a:prstDash val="solid"/>
+                    </a:lnBlToTr>
+                  </a:tcPr>
+                </a:tc>
+                <a:extLst>
+                  <a:ext uri="{0D108BD9-81ED-4DB2-BD59-A6C34878D82A}">
+                    <a16:rowId xmlns:a16="http://schemas.microsoft.com/office/drawing/2014/main" val="672040409"/>
                   </a:ext>
                 </a:extLst>
               </a:tr>
@@ -20019,7 +20678,7 @@
             <a:effectLst/>
             <a:extLst>
               <a:ext uri="{C572A759-6A51-4108-AA02-DFA0A04FC94B}">
-                <ma14:wrappingTextBoxFlag xmlns:ma14="http://schemas.microsoft.com/office/mac/drawingml/2011/main" xmlns:a14="http://schemas.microsoft.com/office/drawing/2010/main" xmlns:m="http://schemas.openxmlformats.org/officeDocument/2006/math" xmlns="" val="1"/>
+                <ma14:wrappingTextBoxFlag xmlns="" xmlns:m="http://schemas.openxmlformats.org/officeDocument/2006/math" xmlns:a14="http://schemas.microsoft.com/office/drawing/2010/main" xmlns:ma14="http://schemas.microsoft.com/office/mac/drawingml/2011/main" val="1"/>
               </a:ext>
             </a:extLst>
           </p:spPr>
@@ -20044,18 +20703,18 @@
                 <a:t>History</a:t>
               </a:r>
               <a:r>
-                <a:rPr lang="de-DE" sz="700"/>
+                <a:rPr lang="de-DE" sz="700" dirty="0"/>
                 <a:t> </a:t>
               </a:r>
               <a:r>
-                <a:rPr lang="de-DE">
+                <a:rPr lang="de-DE" dirty="0">
                   <a:solidFill>
                     <a:srgbClr val="A6A6A6"/>
                   </a:solidFill>
                 </a:rPr>
-                <a:t>[USHIS]</a:t>
+                <a:t>[1]</a:t>
               </a:r>
-              <a:endParaRPr b="0">
+              <a:endParaRPr b="0" dirty="0">
                 <a:solidFill>
                   <a:srgbClr val="A6A6A6"/>
                 </a:solidFill>
@@ -20073,9 +20732,9 @@
                 </a:defRPr>
               </a:pPr>
               <a:br>
-                <a:rPr b="1"/>
+                <a:rPr b="1" dirty="0"/>
               </a:br>
-              <a:endParaRPr b="1"/>
+              <a:endParaRPr b="1" dirty="0"/>
             </a:p>
           </p:txBody>
         </p:sp>
@@ -20107,8 +20766,8 @@
         </p:blipFill>
         <p:spPr>
           <a:xfrm>
-            <a:off x="154252" y="2075526"/>
-            <a:ext cx="2585641" cy="3660149"/>
+            <a:off x="144393" y="1749724"/>
+            <a:ext cx="2957377" cy="4186367"/>
           </a:xfrm>
           <a:prstGeom prst="rect">
             <a:avLst/>
@@ -20142,48 +20801,13 @@
               </a:ext>
             </a:extLst>
           </a:blip>
-          <a:srcRect r="35754"/>
+          <a:srcRect l="-1" r="47043"/>
           <a:stretch/>
         </p:blipFill>
         <p:spPr>
           <a:xfrm>
-            <a:off x="5375922" y="2075526"/>
-            <a:ext cx="2014008" cy="3660149"/>
-          </a:xfrm>
-          <a:prstGeom prst="rect">
-            <a:avLst/>
-          </a:prstGeom>
-        </p:spPr>
-      </p:pic>
-      <p:pic>
-        <p:nvPicPr>
-          <p:cNvPr id="9" name="Grafik 8">
-            <a:extLst>
-              <a:ext uri="{FF2B5EF4-FFF2-40B4-BE49-F238E27FC236}">
-                <a16:creationId xmlns:a16="http://schemas.microsoft.com/office/drawing/2014/main" id="{8BD7A134-A7CE-9C4C-AD22-A1365FB28E23}"/>
-              </a:ext>
-            </a:extLst>
-          </p:cNvPr>
-          <p:cNvPicPr>
-            <a:picLocks noChangeAspect="1"/>
-          </p:cNvPicPr>
-          <p:nvPr/>
-        </p:nvPicPr>
-        <p:blipFill rotWithShape="1">
-          <a:blip r:embed="rId5">
-            <a:extLst>
-              <a:ext uri="{28A0092B-C50C-407E-A947-70E740481C1C}">
-                <a14:useLocalDpi xmlns:a14="http://schemas.microsoft.com/office/drawing/2010/main" val="0"/>
-              </a:ext>
-            </a:extLst>
-          </a:blip>
-          <a:srcRect r="17258"/>
-          <a:stretch/>
-        </p:blipFill>
-        <p:spPr>
-          <a:xfrm>
-            <a:off x="9842633" y="2080736"/>
-            <a:ext cx="2014008" cy="3654939"/>
+            <a:off x="4502816" y="1549308"/>
+            <a:ext cx="2186083" cy="4819742"/>
           </a:xfrm>
           <a:prstGeom prst="rect">
             <a:avLst/>
@@ -20204,7 +20828,7 @@
         </p:nvSpPr>
         <p:spPr>
           <a:xfrm>
-            <a:off x="3343209" y="2076048"/>
+            <a:off x="3139513" y="3529599"/>
             <a:ext cx="1337733" cy="752001"/>
           </a:xfrm>
           <a:prstGeom prst="rightArrow">
@@ -20258,7 +20882,7 @@
               <a:tabLst/>
             </a:pPr>
             <a:r>
-              <a:rPr kumimoji="0" lang="de-DE" sz="2000" b="1" i="0" u="none" strike="noStrike" cap="none" spc="0" normalizeH="0" baseline="0" err="1">
+              <a:rPr kumimoji="0" lang="de-DE" sz="2000" b="1" i="0" u="none" strike="noStrike" cap="none" spc="0" normalizeH="0" baseline="0" dirty="0" err="1">
                 <a:ln>
                   <a:noFill/>
                 </a:ln>
@@ -20275,7 +20899,7 @@
               <a:t>Step</a:t>
             </a:r>
             <a:r>
-              <a:rPr kumimoji="0" lang="de-DE" sz="2000" b="1" i="0" u="none" strike="noStrike" cap="none" spc="0" normalizeH="0" baseline="0">
+              <a:rPr kumimoji="0" lang="de-DE" sz="2000" b="1" i="0" u="none" strike="noStrike" cap="none" spc="0" normalizeH="0" baseline="0" dirty="0">
                 <a:ln>
                   <a:noFill/>
                 </a:ln>
@@ -20308,7 +20932,7 @@
         </p:nvSpPr>
         <p:spPr>
           <a:xfrm>
-            <a:off x="7901583" y="2080649"/>
+            <a:off x="6714469" y="3529598"/>
             <a:ext cx="1337733" cy="752001"/>
           </a:xfrm>
           <a:prstGeom prst="rightArrow">
@@ -20362,7 +20986,7 @@
               <a:tabLst/>
             </a:pPr>
             <a:r>
-              <a:rPr kumimoji="0" lang="de-DE" sz="2000" b="1" i="0" u="none" strike="noStrike" cap="none" spc="0" normalizeH="0" baseline="0" err="1">
+              <a:rPr kumimoji="0" lang="de-DE" sz="2000" b="1" i="0" u="none" strike="noStrike" cap="none" spc="0" normalizeH="0" baseline="0" dirty="0" err="1">
                 <a:ln>
                   <a:noFill/>
                 </a:ln>
@@ -20379,7 +21003,7 @@
               <a:t>Step</a:t>
             </a:r>
             <a:r>
-              <a:rPr kumimoji="0" lang="de-DE" sz="2000" b="1" i="0" u="none" strike="noStrike" cap="none" spc="0" normalizeH="0" baseline="0">
+              <a:rPr kumimoji="0" lang="de-DE" sz="2000" b="1" i="0" u="none" strike="noStrike" cap="none" spc="0" normalizeH="0" baseline="0" dirty="0">
                 <a:ln>
                   <a:noFill/>
                 </a:ln>
@@ -20398,318 +21022,42 @@
           </a:p>
         </p:txBody>
       </p:sp>
-      <p:sp>
-        <p:nvSpPr>
-          <p:cNvPr id="14" name="Textfeld 13">
+      <p:pic>
+        <p:nvPicPr>
+          <p:cNvPr id="3" name="Grafik 2">
             <a:extLst>
               <a:ext uri="{FF2B5EF4-FFF2-40B4-BE49-F238E27FC236}">
-                <a16:creationId xmlns:a16="http://schemas.microsoft.com/office/drawing/2014/main" id="{96430903-D1C1-9547-9BC1-915A6F6B8835}"/>
+                <a16:creationId xmlns:a16="http://schemas.microsoft.com/office/drawing/2014/main" id="{D4B94150-63AB-5A44-8FEA-EF117E48748F}"/>
               </a:ext>
             </a:extLst>
           </p:cNvPr>
-          <p:cNvSpPr txBox="1"/>
-          <p:nvPr/>
-        </p:nvSpPr>
-        <p:spPr>
-          <a:xfrm>
-            <a:off x="2828926" y="2886739"/>
-            <a:ext cx="2455334" cy="1592485"/>
-          </a:xfrm>
-          <a:prstGeom prst="rect">
-            <a:avLst/>
-          </a:prstGeom>
-          <a:noFill/>
-          <a:ln w="12700" cap="flat">
-            <a:noFill/>
-            <a:miter lim="400000"/>
-          </a:ln>
-          <a:effectLst/>
-          <a:sp3d/>
-        </p:spPr>
-        <p:style>
-          <a:lnRef idx="0">
-            <a:scrgbClr r="0" g="0" b="0"/>
-          </a:lnRef>
-          <a:fillRef idx="0">
-            <a:scrgbClr r="0" g="0" b="0"/>
-          </a:fillRef>
-          <a:effectRef idx="0">
-            <a:scrgbClr r="0" g="0" b="0"/>
-          </a:effectRef>
-          <a:fontRef idx="none"/>
-        </p:style>
-        <p:txBody>
-          <a:bodyPr rot="0" spcFirstLastPara="1" vertOverflow="overflow" horzOverflow="overflow" vert="horz" wrap="square" lIns="45719" tIns="45719" rIns="45719" bIns="45719" numCol="1" spcCol="38100" rtlCol="0" anchor="t">
-            <a:spAutoFit/>
-          </a:bodyPr>
-          <a:lstStyle/>
-          <a:p>
-            <a:pPr marL="349250" lvl="1" indent="-168275" algn="l" defTabSz="914400">
-              <a:lnSpc>
-                <a:spcPct val="100000"/>
-              </a:lnSpc>
-              <a:spcBef>
-                <a:spcPts val="400"/>
-              </a:spcBef>
-              <a:buSzPct val="100000"/>
-              <a:buChar char="▪"/>
-            </a:pPr>
-            <a:r>
-              <a:rPr lang="de-DE" dirty="0"/>
-              <a:t>Input: PDF</a:t>
-            </a:r>
-          </a:p>
-          <a:p>
-            <a:pPr marL="349250" lvl="1" indent="-168275" algn="l" defTabSz="914400">
-              <a:lnSpc>
-                <a:spcPct val="100000"/>
-              </a:lnSpc>
-              <a:spcBef>
-                <a:spcPts val="400"/>
-              </a:spcBef>
-              <a:buSzPct val="100000"/>
-              <a:buChar char="▪"/>
-            </a:pPr>
-            <a:endParaRPr lang="de-DE" dirty="0"/>
-          </a:p>
-          <a:p>
-            <a:pPr marL="349250" lvl="1" indent="-168275" algn="l" defTabSz="914400">
-              <a:lnSpc>
-                <a:spcPct val="100000"/>
-              </a:lnSpc>
-              <a:spcBef>
-                <a:spcPts val="400"/>
-              </a:spcBef>
-              <a:buSzPct val="100000"/>
-              <a:buChar char="▪"/>
-            </a:pPr>
-            <a:r>
-              <a:rPr lang="de-DE" dirty="0"/>
-              <a:t>Output: TXT</a:t>
-            </a:r>
-          </a:p>
-          <a:p>
-            <a:pPr marL="0" marR="0" indent="0" algn="ctr" defTabSz="449262" rtl="0" fontAlgn="auto" latinLnBrk="0" hangingPunct="0">
-              <a:lnSpc>
-                <a:spcPct val="93000"/>
-              </a:lnSpc>
-              <a:spcBef>
-                <a:spcPts val="0"/>
-              </a:spcBef>
-              <a:spcAft>
-                <a:spcPts val="0"/>
-              </a:spcAft>
-              <a:buClrTx/>
-              <a:buSzTx/>
-              <a:buFontTx/>
-              <a:buNone/>
-              <a:tabLst/>
-            </a:pPr>
-            <a:endParaRPr kumimoji="0" lang="de-DE" sz="1800" b="0" i="0" u="none" strike="noStrike" cap="none" spc="0" normalizeH="0" baseline="0" dirty="0">
-              <a:ln>
-                <a:noFill/>
-              </a:ln>
-              <a:solidFill>
-                <a:srgbClr val="000000"/>
-              </a:solidFill>
-              <a:effectLst/>
-              <a:uFillTx/>
-              <a:latin typeface="Arial"/>
-              <a:ea typeface="Arial"/>
-              <a:cs typeface="Arial"/>
-              <a:sym typeface="Arial"/>
-            </a:endParaRPr>
-          </a:p>
-          <a:p>
-            <a:pPr marL="0" marR="0" indent="0" algn="ctr" defTabSz="449262" rtl="0" fontAlgn="auto" latinLnBrk="0" hangingPunct="0">
-              <a:lnSpc>
-                <a:spcPct val="93000"/>
-              </a:lnSpc>
-              <a:spcBef>
-                <a:spcPts val="0"/>
-              </a:spcBef>
-              <a:spcAft>
-                <a:spcPts val="0"/>
-              </a:spcAft>
-              <a:buClrTx/>
-              <a:buSzTx/>
-              <a:buFontTx/>
-              <a:buNone/>
-              <a:tabLst/>
-            </a:pPr>
-            <a:endParaRPr kumimoji="0" lang="de-DE" sz="1800" b="0" i="0" u="none" strike="noStrike" cap="none" spc="0" normalizeH="0" baseline="0" dirty="0">
-              <a:ln>
-                <a:noFill/>
-              </a:ln>
-              <a:solidFill>
-                <a:srgbClr val="000000"/>
-              </a:solidFill>
-              <a:effectLst/>
-              <a:uFillTx/>
-              <a:latin typeface="Arial"/>
-              <a:ea typeface="Arial"/>
-              <a:cs typeface="Arial"/>
-              <a:sym typeface="Arial"/>
-            </a:endParaRPr>
-          </a:p>
-        </p:txBody>
-      </p:sp>
-      <p:sp>
-        <p:nvSpPr>
-          <p:cNvPr id="25" name="Textfeld 24">
+          <p:cNvPicPr>
+            <a:picLocks noChangeAspect="1"/>
+          </p:cNvPicPr>
+          <p:nvPr/>
+        </p:nvPicPr>
+        <p:blipFill>
+          <a:blip r:embed="rId5">
             <a:extLst>
-              <a:ext uri="{FF2B5EF4-FFF2-40B4-BE49-F238E27FC236}">
-                <a16:creationId xmlns:a16="http://schemas.microsoft.com/office/drawing/2014/main" id="{A2E30D16-2213-9147-922A-9E0C401CA4BC}"/>
+              <a:ext uri="{28A0092B-C50C-407E-A947-70E740481C1C}">
+                <a14:useLocalDpi xmlns:a14="http://schemas.microsoft.com/office/drawing/2010/main" val="0"/>
               </a:ext>
             </a:extLst>
-          </p:cNvPr>
-          <p:cNvSpPr txBox="1"/>
-          <p:nvPr/>
-        </p:nvSpPr>
-        <p:spPr>
-          <a:xfrm>
-            <a:off x="7481592" y="2955384"/>
-            <a:ext cx="2272008" cy="1592485"/>
-          </a:xfrm>
-          <a:prstGeom prst="rect">
-            <a:avLst/>
-          </a:prstGeom>
-          <a:noFill/>
-          <a:ln w="12700" cap="flat">
-            <a:noFill/>
-            <a:miter lim="400000"/>
-          </a:ln>
-          <a:effectLst/>
-          <a:sp3d/>
-        </p:spPr>
-        <p:style>
-          <a:lnRef idx="0">
-            <a:scrgbClr r="0" g="0" b="0"/>
-          </a:lnRef>
-          <a:fillRef idx="0">
-            <a:scrgbClr r="0" g="0" b="0"/>
-          </a:fillRef>
-          <a:effectRef idx="0">
-            <a:scrgbClr r="0" g="0" b="0"/>
-          </a:effectRef>
-          <a:fontRef idx="none"/>
-        </p:style>
-        <p:txBody>
-          <a:bodyPr rot="0" spcFirstLastPara="1" vertOverflow="overflow" horzOverflow="overflow" vert="horz" wrap="square" lIns="45719" tIns="45719" rIns="45719" bIns="45719" numCol="1" spcCol="38100" rtlCol="0" anchor="t">
-            <a:spAutoFit/>
-          </a:bodyPr>
-          <a:lstStyle/>
-          <a:p>
-            <a:pPr marL="349250" lvl="1" indent="-168275" algn="l" defTabSz="914400">
-              <a:lnSpc>
-                <a:spcPct val="100000"/>
-              </a:lnSpc>
-              <a:spcBef>
-                <a:spcPts val="400"/>
-              </a:spcBef>
-              <a:buSzPct val="100000"/>
-              <a:buChar char="▪"/>
-            </a:pPr>
-            <a:r>
-              <a:rPr lang="de-DE"/>
-              <a:t>Input: TXT</a:t>
-            </a:r>
-          </a:p>
-          <a:p>
-            <a:pPr marL="349250" lvl="1" indent="-168275" algn="l" defTabSz="914400">
-              <a:lnSpc>
-                <a:spcPct val="100000"/>
-              </a:lnSpc>
-              <a:spcBef>
-                <a:spcPts val="400"/>
-              </a:spcBef>
-              <a:buSzPct val="100000"/>
-              <a:buChar char="▪"/>
-            </a:pPr>
-            <a:endParaRPr lang="de-DE"/>
-          </a:p>
-          <a:p>
-            <a:pPr marL="349250" lvl="1" indent="-168275" algn="l" defTabSz="914400">
-              <a:lnSpc>
-                <a:spcPct val="100000"/>
-              </a:lnSpc>
-              <a:spcBef>
-                <a:spcPts val="400"/>
-              </a:spcBef>
-              <a:buSzPct val="100000"/>
-              <a:buChar char="▪"/>
-            </a:pPr>
-            <a:r>
-              <a:rPr lang="de-DE"/>
-              <a:t>Output: XML</a:t>
-            </a:r>
-          </a:p>
-          <a:p>
-            <a:pPr marL="0" marR="0" indent="0" algn="ctr" defTabSz="449262" rtl="0" fontAlgn="auto" latinLnBrk="0" hangingPunct="0">
-              <a:lnSpc>
-                <a:spcPct val="93000"/>
-              </a:lnSpc>
-              <a:spcBef>
-                <a:spcPts val="0"/>
-              </a:spcBef>
-              <a:spcAft>
-                <a:spcPts val="0"/>
-              </a:spcAft>
-              <a:buClrTx/>
-              <a:buSzTx/>
-              <a:buFontTx/>
-              <a:buNone/>
-              <a:tabLst/>
-            </a:pPr>
-            <a:endParaRPr kumimoji="0" lang="de-DE" sz="1800" b="0" i="0" u="none" strike="noStrike" cap="none" spc="0" normalizeH="0" baseline="0">
-              <a:ln>
-                <a:noFill/>
-              </a:ln>
-              <a:solidFill>
-                <a:srgbClr val="000000"/>
-              </a:solidFill>
-              <a:effectLst/>
-              <a:uFillTx/>
-              <a:latin typeface="Arial"/>
-              <a:ea typeface="Arial"/>
-              <a:cs typeface="Arial"/>
-              <a:sym typeface="Arial"/>
-            </a:endParaRPr>
-          </a:p>
-          <a:p>
-            <a:pPr marL="0" marR="0" indent="0" algn="ctr" defTabSz="449262" rtl="0" fontAlgn="auto" latinLnBrk="0" hangingPunct="0">
-              <a:lnSpc>
-                <a:spcPct val="93000"/>
-              </a:lnSpc>
-              <a:spcBef>
-                <a:spcPts val="0"/>
-              </a:spcBef>
-              <a:spcAft>
-                <a:spcPts val="0"/>
-              </a:spcAft>
-              <a:buClrTx/>
-              <a:buSzTx/>
-              <a:buFontTx/>
-              <a:buNone/>
-              <a:tabLst/>
-            </a:pPr>
-            <a:endParaRPr kumimoji="0" lang="de-DE" sz="1800" b="0" i="0" u="none" strike="noStrike" cap="none" spc="0" normalizeH="0" baseline="0">
-              <a:ln>
-                <a:noFill/>
-              </a:ln>
-              <a:solidFill>
-                <a:srgbClr val="000000"/>
-              </a:solidFill>
-              <a:effectLst/>
-              <a:uFillTx/>
-              <a:latin typeface="Arial"/>
-              <a:ea typeface="Arial"/>
-              <a:cs typeface="Arial"/>
-              <a:sym typeface="Arial"/>
-            </a:endParaRPr>
-          </a:p>
-        </p:txBody>
-      </p:sp>
+          </a:blip>
+          <a:stretch>
+            <a:fillRect/>
+          </a:stretch>
+        </p:blipFill>
+        <p:spPr>
+          <a:xfrm>
+            <a:off x="8131259" y="1957005"/>
+            <a:ext cx="4060741" cy="3771803"/>
+          </a:xfrm>
+          <a:prstGeom prst="rect">
+            <a:avLst/>
+          </a:prstGeom>
+        </p:spPr>
+      </p:pic>
     </p:spTree>
   </p:cSld>
   <p:clrMapOvr>
@@ -20738,7 +21086,7 @@
       </p:grpSpPr>
       <p:sp>
         <p:nvSpPr>
-          <p:cNvPr id="621" name="Titel 1"/>
+          <p:cNvPr id="611" name="Titel 1"/>
           <p:cNvSpPr txBox="1">
             <a:spLocks noGrp="1"/>
           </p:cNvSpPr>
@@ -20756,657 +21104,1098 @@
           <a:lstStyle/>
           <a:p>
             <a:r>
-              <a:rPr lang="de-DE" dirty="0">
-                <a:solidFill>
-                  <a:srgbClr val="0070C0"/>
-                </a:solidFill>
-              </a:rPr>
-              <a:t>Status Quo</a:t>
-            </a:r>
-            <a:endParaRPr dirty="0">
-              <a:solidFill>
-                <a:srgbClr val="0070C0"/>
-              </a:solidFill>
-            </a:endParaRPr>
-          </a:p>
-        </p:txBody>
-      </p:sp>
-      <p:sp>
-        <p:nvSpPr>
-          <p:cNvPr id="622" name="Inhaltsplatzhalter 2"/>
-          <p:cNvSpPr txBox="1"/>
-          <p:nvPr/>
-        </p:nvSpPr>
-        <p:spPr>
-          <a:xfrm>
-            <a:off x="381081" y="1485947"/>
-            <a:ext cx="11501847" cy="3744615"/>
-          </a:xfrm>
-          <a:prstGeom prst="rect">
-            <a:avLst/>
-          </a:prstGeom>
-          <a:ln w="12700">
-            <a:miter lim="400000"/>
-          </a:ln>
-          <a:extLst>
-            <a:ext uri="{C572A759-6A51-4108-AA02-DFA0A04FC94B}">
-              <ma14:wrappingTextBoxFlag xmlns:ma14="http://schemas.microsoft.com/office/mac/drawingml/2011/main" xmlns:a14="http://schemas.microsoft.com/office/drawing/2010/main" xmlns:m="http://schemas.openxmlformats.org/officeDocument/2006/math" xmlns="" val="1"/>
-            </a:ext>
-          </a:extLst>
-        </p:spPr>
-        <p:txBody>
-          <a:bodyPr lIns="45719" rIns="45719">
-            <a:spAutoFit/>
-          </a:bodyPr>
-          <a:lstStyle/>
-          <a:p>
-            <a:pPr marL="179387" indent="-179387" algn="l" defTabSz="914400">
-              <a:lnSpc>
-                <a:spcPct val="100000"/>
-              </a:lnSpc>
-              <a:spcBef>
-                <a:spcPts val="400"/>
-              </a:spcBef>
-              <a:defRPr sz="2000" b="1"/>
-            </a:pPr>
-            <a:r>
-              <a:rPr dirty="0">
-                <a:solidFill>
-                  <a:schemeClr val="tx1"/>
-                </a:solidFill>
-              </a:rPr>
-              <a:t>Programming language and library</a:t>
-            </a:r>
-            <a:endParaRPr lang="de-DE" dirty="0">
-              <a:solidFill>
-                <a:schemeClr val="tx1"/>
-              </a:solidFill>
-            </a:endParaRPr>
-          </a:p>
-          <a:p>
-            <a:pPr marL="349250" lvl="1" indent="-168275" algn="l" defTabSz="914400">
-              <a:lnSpc>
-                <a:spcPct val="100000"/>
-              </a:lnSpc>
-              <a:spcBef>
-                <a:spcPts val="400"/>
-              </a:spcBef>
-              <a:buSzPct val="100000"/>
-              <a:buChar char="▪"/>
-            </a:pPr>
-            <a:r>
-              <a:rPr lang="de-DE" dirty="0">
-                <a:solidFill>
-                  <a:schemeClr val="tx1"/>
-                </a:solidFill>
-              </a:rPr>
-              <a:t>Java </a:t>
-            </a:r>
-          </a:p>
-          <a:p>
-            <a:pPr marL="349250" lvl="1" indent="-168275" algn="l" defTabSz="914400">
-              <a:lnSpc>
-                <a:spcPct val="100000"/>
-              </a:lnSpc>
-              <a:spcBef>
-                <a:spcPts val="400"/>
-              </a:spcBef>
-              <a:buSzPct val="100000"/>
-              <a:buChar char="▪"/>
-            </a:pPr>
-            <a:r>
-              <a:rPr lang="de-DE" dirty="0" err="1">
-                <a:solidFill>
-                  <a:schemeClr val="tx1"/>
-                </a:solidFill>
-              </a:rPr>
-              <a:t>PDFBox</a:t>
-            </a:r>
-            <a:r>
-              <a:rPr lang="de-DE" dirty="0">
-                <a:solidFill>
-                  <a:schemeClr val="tx1"/>
-                </a:solidFill>
-              </a:rPr>
-              <a:t> </a:t>
-            </a:r>
-            <a:r>
-              <a:rPr lang="de-DE" dirty="0" err="1">
-                <a:solidFill>
-                  <a:schemeClr val="tx1"/>
-                </a:solidFill>
-              </a:rPr>
-              <a:t>library</a:t>
-            </a:r>
-            <a:endParaRPr lang="de-DE" dirty="0">
-              <a:solidFill>
-                <a:schemeClr val="tx1"/>
-              </a:solidFill>
-            </a:endParaRPr>
-          </a:p>
-          <a:p>
-            <a:pPr lvl="1" indent="180975" algn="l" defTabSz="914400">
-              <a:lnSpc>
-                <a:spcPct val="100000"/>
-              </a:lnSpc>
-              <a:spcBef>
-                <a:spcPts val="400"/>
-              </a:spcBef>
-            </a:pPr>
-            <a:endParaRPr dirty="0">
-              <a:solidFill>
-                <a:schemeClr val="tx1"/>
-              </a:solidFill>
-            </a:endParaRPr>
-          </a:p>
-          <a:p>
-            <a:pPr marL="179387" indent="-179387" algn="l" defTabSz="914400">
-              <a:lnSpc>
-                <a:spcPct val="100000"/>
-              </a:lnSpc>
-              <a:spcBef>
-                <a:spcPts val="400"/>
-              </a:spcBef>
-              <a:defRPr sz="2000" b="1"/>
-            </a:pPr>
-            <a:r>
-              <a:rPr dirty="0">
-                <a:solidFill>
-                  <a:schemeClr val="tx1"/>
-                </a:solidFill>
-              </a:rPr>
-              <a:t>Golden Standard </a:t>
-            </a:r>
-          </a:p>
-          <a:p>
-            <a:pPr marL="349250" lvl="1" indent="-168275" algn="l" defTabSz="914400">
-              <a:lnSpc>
-                <a:spcPct val="100000"/>
-              </a:lnSpc>
-              <a:spcBef>
-                <a:spcPts val="400"/>
-              </a:spcBef>
-              <a:buSzPct val="100000"/>
-              <a:buChar char="▪"/>
-            </a:pPr>
-            <a:r>
-              <a:rPr dirty="0">
-                <a:solidFill>
-                  <a:schemeClr val="tx1"/>
-                </a:solidFill>
-              </a:rPr>
-              <a:t>Five </a:t>
-            </a:r>
-            <a:r>
-              <a:rPr lang="de-DE" dirty="0" err="1">
-                <a:solidFill>
-                  <a:schemeClr val="tx1"/>
-                </a:solidFill>
-              </a:rPr>
-              <a:t>manually</a:t>
-            </a:r>
-            <a:r>
-              <a:rPr lang="de-DE" dirty="0">
-                <a:solidFill>
-                  <a:schemeClr val="tx1"/>
-                </a:solidFill>
-              </a:rPr>
-              <a:t> </a:t>
-            </a:r>
-            <a:r>
-              <a:rPr lang="de-DE" dirty="0" err="1">
-                <a:solidFill>
-                  <a:schemeClr val="tx1"/>
-                </a:solidFill>
-              </a:rPr>
-              <a:t>created</a:t>
-            </a:r>
-            <a:r>
-              <a:rPr lang="de-DE" dirty="0">
-                <a:solidFill>
-                  <a:schemeClr val="tx1"/>
-                </a:solidFill>
-              </a:rPr>
-              <a:t> </a:t>
-            </a:r>
-            <a:r>
-              <a:rPr dirty="0">
-                <a:solidFill>
-                  <a:schemeClr val="tx1"/>
-                </a:solidFill>
-              </a:rPr>
-              <a:t>sample XML files </a:t>
-            </a:r>
-            <a:r>
-              <a:rPr lang="de-DE" dirty="0" err="1">
-                <a:solidFill>
-                  <a:schemeClr val="tx1"/>
-                </a:solidFill>
-              </a:rPr>
-              <a:t>for</a:t>
-            </a:r>
-            <a:r>
-              <a:rPr lang="de-DE" dirty="0">
-                <a:solidFill>
-                  <a:schemeClr val="tx1"/>
-                </a:solidFill>
-              </a:rPr>
-              <a:t> </a:t>
-            </a:r>
-            <a:r>
-              <a:rPr lang="de-DE" dirty="0" err="1">
-                <a:solidFill>
-                  <a:schemeClr val="tx1"/>
-                </a:solidFill>
-              </a:rPr>
-              <a:t>verification</a:t>
-            </a:r>
-            <a:r>
-              <a:rPr lang="de-DE" dirty="0">
-                <a:solidFill>
-                  <a:schemeClr val="tx1"/>
-                </a:solidFill>
-              </a:rPr>
-              <a:t> </a:t>
-            </a:r>
-            <a:r>
-              <a:rPr lang="de-DE" dirty="0" err="1">
-                <a:solidFill>
-                  <a:schemeClr val="tx1"/>
-                </a:solidFill>
-              </a:rPr>
+              <a:rPr lang="de-DE" dirty="0"/>
+              <a:t>Evaluation </a:t>
+            </a:r>
+            <a:r>
+              <a:rPr lang="de-DE" dirty="0" err="1"/>
+              <a:t>Method</a:t>
+            </a:r>
+            <a:r>
+              <a:rPr lang="de-DE" dirty="0"/>
+              <a:t>: Precision, Recall </a:t>
+            </a:r>
+            <a:r>
+              <a:rPr lang="de-DE" dirty="0" err="1"/>
               <a:t>and</a:t>
             </a:r>
             <a:r>
-              <a:rPr lang="de-DE" dirty="0">
-                <a:solidFill>
-                  <a:schemeClr val="tx1"/>
-                </a:solidFill>
-              </a:rPr>
-              <a:t> </a:t>
-            </a:r>
-            <a:r>
-              <a:rPr lang="de-DE" dirty="0" err="1">
-                <a:solidFill>
-                  <a:schemeClr val="tx1"/>
-                </a:solidFill>
-              </a:rPr>
-              <a:t>testing</a:t>
-            </a:r>
-            <a:endParaRPr dirty="0">
-              <a:solidFill>
-                <a:schemeClr val="tx1"/>
-              </a:solidFill>
-            </a:endParaRPr>
-          </a:p>
-          <a:p>
-            <a:pPr lvl="1" indent="180975" algn="l" defTabSz="914400">
-              <a:lnSpc>
-                <a:spcPct val="100000"/>
-              </a:lnSpc>
-              <a:spcBef>
-                <a:spcPts val="400"/>
-              </a:spcBef>
-            </a:pPr>
-            <a:endParaRPr dirty="0">
-              <a:solidFill>
-                <a:schemeClr val="tx1"/>
-              </a:solidFill>
-            </a:endParaRPr>
-          </a:p>
-          <a:p>
-            <a:pPr indent="11113" algn="l" defTabSz="914400">
-              <a:lnSpc>
-                <a:spcPct val="100000"/>
-              </a:lnSpc>
-              <a:spcBef>
-                <a:spcPts val="400"/>
-              </a:spcBef>
-              <a:defRPr sz="2000" b="1"/>
-            </a:pPr>
-            <a:r>
-              <a:rPr dirty="0">
-                <a:solidFill>
-                  <a:schemeClr val="tx1"/>
-                </a:solidFill>
-              </a:rPr>
-              <a:t>Raw text extraction </a:t>
-            </a:r>
-          </a:p>
-          <a:p>
-            <a:pPr marL="180975" lvl="1" indent="0" algn="l" defTabSz="914400">
-              <a:lnSpc>
-                <a:spcPct val="100000"/>
-              </a:lnSpc>
-              <a:spcBef>
-                <a:spcPts val="400"/>
-              </a:spcBef>
-              <a:buSzPct val="100000"/>
-              <a:buChar char="▪"/>
-            </a:pPr>
-            <a:r>
-              <a:rPr dirty="0">
-                <a:solidFill>
-                  <a:schemeClr val="tx1"/>
-                </a:solidFill>
-              </a:rPr>
-              <a:t> </a:t>
-            </a:r>
-            <a:r>
-              <a:rPr lang="de-DE" dirty="0">
-                <a:solidFill>
-                  <a:schemeClr val="tx1"/>
-                </a:solidFill>
-              </a:rPr>
-              <a:t>Raw PDF to TXT </a:t>
-            </a:r>
-            <a:r>
-              <a:rPr lang="de-DE" dirty="0" err="1">
-                <a:solidFill>
-                  <a:schemeClr val="tx1"/>
-                </a:solidFill>
-              </a:rPr>
-              <a:t>extraction</a:t>
-            </a:r>
-            <a:r>
-              <a:rPr lang="de-DE" dirty="0">
-                <a:solidFill>
-                  <a:schemeClr val="tx1"/>
-                </a:solidFill>
-              </a:rPr>
-              <a:t> </a:t>
-            </a:r>
-            <a:r>
-              <a:rPr lang="de-DE" dirty="0" err="1">
-                <a:solidFill>
-                  <a:schemeClr val="tx1"/>
-                </a:solidFill>
-              </a:rPr>
-              <a:t>including</a:t>
-            </a:r>
-            <a:r>
-              <a:rPr lang="de-DE" dirty="0">
-                <a:solidFill>
-                  <a:schemeClr val="tx1"/>
-                </a:solidFill>
-              </a:rPr>
-              <a:t> all </a:t>
-            </a:r>
-            <a:r>
-              <a:rPr lang="de-DE" dirty="0" err="1">
-                <a:solidFill>
-                  <a:schemeClr val="tx1"/>
-                </a:solidFill>
-              </a:rPr>
-              <a:t>undesired</a:t>
-            </a:r>
-            <a:r>
-              <a:rPr lang="de-DE" dirty="0">
-                <a:solidFill>
-                  <a:schemeClr val="tx1"/>
-                </a:solidFill>
-              </a:rPr>
-              <a:t> content</a:t>
-            </a:r>
-          </a:p>
-          <a:p>
-            <a:pPr marL="180975" lvl="1" indent="0" algn="l" defTabSz="914400">
-              <a:lnSpc>
-                <a:spcPct val="100000"/>
-              </a:lnSpc>
-              <a:spcBef>
-                <a:spcPts val="400"/>
-              </a:spcBef>
-              <a:buSzPct val="100000"/>
-              <a:buChar char="▪"/>
-            </a:pPr>
-            <a:r>
-              <a:rPr lang="de-DE" dirty="0">
-                <a:solidFill>
-                  <a:schemeClr val="tx1"/>
-                </a:solidFill>
-              </a:rPr>
-              <a:t> Basic </a:t>
-            </a:r>
-            <a:r>
-              <a:rPr lang="de-DE" dirty="0" err="1">
-                <a:solidFill>
-                  <a:schemeClr val="tx1"/>
-                </a:solidFill>
-              </a:rPr>
-              <a:t>filtering</a:t>
-            </a:r>
-            <a:r>
-              <a:rPr lang="de-DE" dirty="0">
-                <a:solidFill>
-                  <a:schemeClr val="tx1"/>
-                </a:solidFill>
-              </a:rPr>
-              <a:t> </a:t>
-            </a:r>
-            <a:r>
-              <a:rPr lang="de-DE" dirty="0" err="1">
-                <a:solidFill>
-                  <a:schemeClr val="tx1"/>
-                </a:solidFill>
-              </a:rPr>
-              <a:t>of</a:t>
-            </a:r>
-            <a:r>
-              <a:rPr lang="de-DE" dirty="0">
-                <a:solidFill>
-                  <a:schemeClr val="tx1"/>
-                </a:solidFill>
-              </a:rPr>
-              <a:t> </a:t>
-            </a:r>
-            <a:r>
-              <a:rPr lang="de-DE" dirty="0" err="1">
-                <a:solidFill>
-                  <a:schemeClr val="tx1"/>
-                </a:solidFill>
-              </a:rPr>
-              <a:t>undesired</a:t>
-            </a:r>
-            <a:r>
-              <a:rPr lang="de-DE" dirty="0">
-                <a:solidFill>
-                  <a:schemeClr val="tx1"/>
-                </a:solidFill>
-              </a:rPr>
-              <a:t> </a:t>
-            </a:r>
-            <a:r>
-              <a:rPr lang="de-DE" dirty="0" err="1">
-                <a:solidFill>
-                  <a:schemeClr val="tx1"/>
-                </a:solidFill>
-              </a:rPr>
-              <a:t>content</a:t>
-            </a:r>
-            <a:r>
-              <a:rPr lang="de-DE" dirty="0">
-                <a:solidFill>
-                  <a:schemeClr val="tx1"/>
-                </a:solidFill>
-              </a:rPr>
-              <a:t> </a:t>
-            </a:r>
-            <a:r>
-              <a:rPr lang="de-DE" dirty="0" err="1">
-                <a:solidFill>
-                  <a:schemeClr val="tx1"/>
-                </a:solidFill>
-              </a:rPr>
-              <a:t>and</a:t>
-            </a:r>
-            <a:r>
-              <a:rPr lang="de-DE" dirty="0">
-                <a:solidFill>
-                  <a:schemeClr val="tx1"/>
-                </a:solidFill>
-              </a:rPr>
-              <a:t> </a:t>
-            </a:r>
-            <a:r>
-              <a:rPr lang="de-DE" dirty="0" err="1">
-                <a:solidFill>
-                  <a:schemeClr val="tx1"/>
-                </a:solidFill>
-              </a:rPr>
-              <a:t>seperating</a:t>
-            </a:r>
-            <a:r>
-              <a:rPr lang="de-DE" dirty="0">
-                <a:solidFill>
-                  <a:schemeClr val="tx1"/>
-                </a:solidFill>
-              </a:rPr>
-              <a:t> </a:t>
-            </a:r>
-            <a:r>
-              <a:rPr lang="de-DE" dirty="0" err="1">
-                <a:solidFill>
-                  <a:schemeClr val="tx1"/>
-                </a:solidFill>
-              </a:rPr>
-              <a:t>phrases</a:t>
-            </a:r>
-            <a:r>
-              <a:rPr lang="de-DE" dirty="0">
-                <a:solidFill>
-                  <a:schemeClr val="tx1"/>
-                </a:solidFill>
-              </a:rPr>
-              <a:t> </a:t>
-            </a:r>
-            <a:r>
-              <a:rPr lang="de-DE" dirty="0" err="1">
-                <a:solidFill>
-                  <a:schemeClr val="tx1"/>
-                </a:solidFill>
-              </a:rPr>
-              <a:t>from</a:t>
-            </a:r>
-            <a:r>
-              <a:rPr lang="de-DE" dirty="0">
-                <a:solidFill>
-                  <a:schemeClr val="tx1"/>
-                </a:solidFill>
-              </a:rPr>
-              <a:t> </a:t>
-            </a:r>
-            <a:r>
-              <a:rPr lang="de-DE" dirty="0" err="1">
-                <a:solidFill>
-                  <a:schemeClr val="tx1"/>
-                </a:solidFill>
-              </a:rPr>
-              <a:t>pagenumbers</a:t>
-            </a:r>
-            <a:endParaRPr dirty="0">
-              <a:solidFill>
-                <a:schemeClr val="tx1"/>
-              </a:solidFill>
-            </a:endParaRPr>
-          </a:p>
-          <a:p>
-            <a:pPr marL="180975" lvl="1" indent="0" algn="l" defTabSz="914400">
-              <a:lnSpc>
-                <a:spcPct val="100000"/>
-              </a:lnSpc>
-              <a:spcBef>
-                <a:spcPts val="400"/>
-              </a:spcBef>
-              <a:buSzPct val="100000"/>
-              <a:buChar char="▪"/>
-              <a:defRPr>
-                <a:solidFill>
-                  <a:srgbClr val="FF2600"/>
-                </a:solidFill>
-              </a:defRPr>
-            </a:pPr>
-            <a:r>
-              <a:rPr lang="de-DE" dirty="0">
-                <a:solidFill>
-                  <a:schemeClr val="tx1"/>
-                </a:solidFill>
-              </a:rPr>
-              <a:t> P</a:t>
-            </a:r>
-            <a:r>
-              <a:rPr dirty="0" err="1">
-                <a:solidFill>
-                  <a:schemeClr val="tx1"/>
-                </a:solidFill>
-              </a:rPr>
-              <a:t>erform</a:t>
-            </a:r>
-            <a:r>
-              <a:rPr lang="de-DE" dirty="0">
-                <a:solidFill>
-                  <a:schemeClr val="tx1"/>
-                </a:solidFill>
-              </a:rPr>
-              <a:t>s</a:t>
-            </a:r>
-            <a:r>
-              <a:rPr dirty="0">
-                <a:solidFill>
-                  <a:schemeClr val="tx1"/>
-                </a:solidFill>
-              </a:rPr>
-              <a:t> well in one PDF but it still need to be optimized for general using</a:t>
-            </a:r>
-          </a:p>
-        </p:txBody>
-      </p:sp>
-      <p:sp>
-        <p:nvSpPr>
-          <p:cNvPr id="623" name="Rechteck"/>
-          <p:cNvSpPr/>
-          <p:nvPr/>
-        </p:nvSpPr>
-        <p:spPr>
+              <a:rPr lang="de-DE" dirty="0"/>
+              <a:t> F1 </a:t>
+            </a:r>
+            <a:r>
+              <a:rPr lang="de-DE" dirty="0" err="1"/>
+              <a:t>Metric</a:t>
+            </a:r>
+            <a:endParaRPr dirty="0"/>
+          </a:p>
+        </p:txBody>
+      </p:sp>
+      <p:grpSp>
+        <p:nvGrpSpPr>
+          <p:cNvPr id="615" name="Fußzeilenplatzhalter 2"/>
+          <p:cNvGrpSpPr/>
+          <p:nvPr/>
+        </p:nvGrpSpPr>
+        <p:grpSpPr>
           <a:xfrm>
             <a:off x="335359" y="6508856"/>
-            <a:ext cx="6710819" cy="340842"/>
-          </a:xfrm>
-          <a:prstGeom prst="rect">
-            <a:avLst/>
-          </a:prstGeom>
-          <a:solidFill>
-            <a:schemeClr val="accent3">
-              <a:lumOff val="44000"/>
-            </a:schemeClr>
-          </a:solidFill>
-          <a:ln w="12700" cap="flat">
+            <a:ext cx="7781119" cy="340842"/>
+            <a:chOff x="-1" y="0"/>
+            <a:chExt cx="6710817" cy="340840"/>
+          </a:xfrm>
+        </p:grpSpPr>
+        <p:sp>
+          <p:nvSpPr>
+            <p:cNvPr id="613" name="Rechteck"/>
+            <p:cNvSpPr/>
+            <p:nvPr/>
+          </p:nvSpPr>
+          <p:spPr>
+            <a:xfrm>
+              <a:off x="-1" y="0"/>
+              <a:ext cx="6710817" cy="340840"/>
+            </a:xfrm>
+            <a:prstGeom prst="rect">
+              <a:avLst/>
+            </a:prstGeom>
+            <a:solidFill>
+              <a:schemeClr val="accent3">
+                <a:lumOff val="44000"/>
+              </a:schemeClr>
+            </a:solidFill>
+            <a:ln w="12700" cap="flat">
+              <a:noFill/>
+              <a:miter lim="400000"/>
+            </a:ln>
+            <a:effectLst/>
+          </p:spPr>
+          <p:txBody>
+            <a:bodyPr wrap="square" lIns="45719" tIns="45719" rIns="45719" bIns="45719" numCol="1" anchor="t">
+              <a:noAutofit/>
+            </a:bodyPr>
+            <a:lstStyle/>
+            <a:p>
+              <a:pPr algn="l">
+                <a:lnSpc>
+                  <a:spcPct val="100000"/>
+                </a:lnSpc>
+                <a:defRPr sz="700">
+                  <a:solidFill>
+                    <a:srgbClr val="A6A6A6"/>
+                  </a:solidFill>
+                </a:defRPr>
+              </a:pPr>
+              <a:endParaRPr dirty="0"/>
+            </a:p>
+          </p:txBody>
+        </p:sp>
+        <p:sp>
+          <p:nvSpPr>
+            <p:cNvPr id="614" name="KOM et al.: Widescreen Powerpoint Template for KOM  [KOM19]"/>
+            <p:cNvSpPr txBox="1"/>
+            <p:nvPr/>
+          </p:nvSpPr>
+          <p:spPr>
+            <a:xfrm>
+              <a:off x="-1" y="0"/>
+              <a:ext cx="6710817" cy="323163"/>
+            </a:xfrm>
+            <a:prstGeom prst="rect">
+              <a:avLst/>
+            </a:prstGeom>
             <a:noFill/>
-            <a:miter lim="400000"/>
-          </a:ln>
-          <a:effectLst/>
-        </p:spPr>
-        <p:txBody>
-          <a:bodyPr wrap="square" lIns="45719" tIns="45719" rIns="45719" bIns="45719" numCol="1" anchor="t">
-            <a:noAutofit/>
-          </a:bodyPr>
-          <a:lstStyle/>
-          <a:p>
-            <a:pPr algn="l">
-              <a:lnSpc>
-                <a:spcPct val="100000"/>
-              </a:lnSpc>
-              <a:defRPr sz="700">
+            <a:ln w="12700" cap="flat">
+              <a:noFill/>
+              <a:miter lim="400000"/>
+            </a:ln>
+            <a:effectLst/>
+            <a:extLst>
+              <a:ext uri="{C572A759-6A51-4108-AA02-DFA0A04FC94B}">
+                <ma14:wrappingTextBoxFlag xmlns="" xmlns:m="http://schemas.openxmlformats.org/officeDocument/2006/math" xmlns:a14="http://schemas.microsoft.com/office/drawing/2010/main" xmlns:ma14="http://schemas.microsoft.com/office/mac/drawingml/2011/main" val="1"/>
+              </a:ext>
+            </a:extLst>
+          </p:spPr>
+          <p:txBody>
+            <a:bodyPr wrap="square" lIns="0" tIns="0" rIns="0" bIns="0" numCol="1" anchor="t">
+              <a:spAutoFit/>
+            </a:bodyPr>
+            <a:lstStyle/>
+            <a:p>
+              <a:pPr algn="l">
+                <a:lnSpc>
+                  <a:spcPct val="100000"/>
+                </a:lnSpc>
+                <a:defRPr sz="700" b="1"/>
+              </a:pPr>
+              <a:r>
+                <a:rPr lang="de-DE" sz="700" i="1" dirty="0"/>
+                <a:t>U. S. </a:t>
+              </a:r>
+              <a:r>
+                <a:rPr lang="de-DE" sz="700" i="1" dirty="0" err="1"/>
+                <a:t>History</a:t>
+              </a:r>
+              <a:r>
+                <a:rPr lang="de-DE" sz="700" dirty="0"/>
+                <a:t> </a:t>
+              </a:r>
+              <a:r>
+                <a:rPr lang="de-DE" dirty="0">
+                  <a:solidFill>
+                    <a:srgbClr val="A6A6A6"/>
+                  </a:solidFill>
+                </a:rPr>
+                <a:t>[1]</a:t>
+              </a:r>
+              <a:endParaRPr b="0" dirty="0">
                 <a:solidFill>
                   <a:srgbClr val="A6A6A6"/>
                 </a:solidFill>
-              </a:defRPr>
-            </a:pPr>
-            <a:endParaRPr/>
-          </a:p>
-        </p:txBody>
-      </p:sp>
+              </a:endParaRPr>
+            </a:p>
+            <a:p>
+              <a:pPr algn="l">
+                <a:lnSpc>
+                  <a:spcPct val="100000"/>
+                </a:lnSpc>
+                <a:defRPr sz="700">
+                  <a:solidFill>
+                    <a:srgbClr val="A6A6A6"/>
+                  </a:solidFill>
+                </a:defRPr>
+              </a:pPr>
+              <a:br>
+                <a:rPr b="1" dirty="0"/>
+              </a:br>
+              <a:endParaRPr b="1" dirty="0"/>
+            </a:p>
+          </p:txBody>
+        </p:sp>
+      </p:grpSp>
+      <mc:AlternateContent xmlns:mc="http://schemas.openxmlformats.org/markup-compatibility/2006">
+        <mc:Choice xmlns:a14="http://schemas.microsoft.com/office/drawing/2010/main" Requires="a14">
+          <p:sp>
+            <p:nvSpPr>
+              <p:cNvPr id="2" name="Textfeld 1">
+                <a:extLst>
+                  <a:ext uri="{FF2B5EF4-FFF2-40B4-BE49-F238E27FC236}">
+                    <a16:creationId xmlns:a16="http://schemas.microsoft.com/office/drawing/2014/main" id="{7CE44318-BF5C-1B4B-9312-165BA53BBACD}"/>
+                  </a:ext>
+                </a:extLst>
+              </p:cNvPr>
+              <p:cNvSpPr txBox="1"/>
+              <p:nvPr/>
+            </p:nvSpPr>
+            <p:spPr>
+              <a:xfrm>
+                <a:off x="335359" y="1674117"/>
+                <a:ext cx="8357704" cy="4000388"/>
+              </a:xfrm>
+              <a:prstGeom prst="rect">
+                <a:avLst/>
+              </a:prstGeom>
+              <a:noFill/>
+              <a:ln w="12700" cap="flat">
+                <a:noFill/>
+                <a:miter lim="400000"/>
+              </a:ln>
+              <a:effectLst/>
+              <a:sp3d/>
+            </p:spPr>
+            <p:style>
+              <a:lnRef idx="0">
+                <a:scrgbClr r="0" g="0" b="0"/>
+              </a:lnRef>
+              <a:fillRef idx="0">
+                <a:scrgbClr r="0" g="0" b="0"/>
+              </a:fillRef>
+              <a:effectRef idx="0">
+                <a:scrgbClr r="0" g="0" b="0"/>
+              </a:effectRef>
+              <a:fontRef idx="none"/>
+            </p:style>
+            <p:txBody>
+              <a:bodyPr rot="0" spcFirstLastPara="1" vertOverflow="overflow" horzOverflow="overflow" vert="horz" wrap="square" lIns="45719" tIns="45719" rIns="45719" bIns="45719" numCol="1" spcCol="38100" rtlCol="0" anchor="t">
+                <a:spAutoFit/>
+              </a:bodyPr>
+              <a:lstStyle/>
+              <a:p>
+                <a:pPr marL="179387" indent="-179387" algn="l" defTabSz="914400">
+                  <a:lnSpc>
+                    <a:spcPct val="100000"/>
+                  </a:lnSpc>
+                  <a:spcBef>
+                    <a:spcPts val="400"/>
+                  </a:spcBef>
+                  <a:defRPr sz="2000" b="1"/>
+                </a:pPr>
+                <a:r>
+                  <a:rPr lang="de-DE" dirty="0">
+                    <a:solidFill>
+                      <a:schemeClr val="tx1"/>
+                    </a:solidFill>
+                  </a:rPr>
+                  <a:t>Precision = </a:t>
+                </a:r>
+                <a14:m>
+                  <m:oMath xmlns:m="http://schemas.openxmlformats.org/officeDocument/2006/math">
+                    <m:f>
+                      <m:fPr>
+                        <m:ctrlPr>
+                          <a:rPr lang="de-DE" i="1" smtClean="0">
+                            <a:solidFill>
+                              <a:schemeClr val="tx1"/>
+                            </a:solidFill>
+                            <a:latin typeface="Cambria Math" panose="02040503050406030204" pitchFamily="18" charset="0"/>
+                          </a:rPr>
+                        </m:ctrlPr>
+                      </m:fPr>
+                      <m:num>
+                        <m:r>
+                          <a:rPr lang="de-DE" b="1" i="1" smtClean="0">
+                            <a:solidFill>
+                              <a:schemeClr val="tx1"/>
+                            </a:solidFill>
+                            <a:latin typeface="Cambria Math" panose="02040503050406030204" pitchFamily="18" charset="0"/>
+                          </a:rPr>
+                          <m:t>𝑪𝒐𝒓𝒓𝒆𝒄𝒕𝒍𝒚</m:t>
+                        </m:r>
+                        <m:r>
+                          <a:rPr lang="de-DE" b="1" i="1" smtClean="0">
+                            <a:solidFill>
+                              <a:schemeClr val="tx1"/>
+                            </a:solidFill>
+                            <a:latin typeface="Cambria Math" panose="02040503050406030204" pitchFamily="18" charset="0"/>
+                          </a:rPr>
+                          <m:t> </m:t>
+                        </m:r>
+                        <m:r>
+                          <a:rPr lang="de-DE" b="1" i="1" smtClean="0">
+                            <a:solidFill>
+                              <a:schemeClr val="tx1"/>
+                            </a:solidFill>
+                            <a:latin typeface="Cambria Math" panose="02040503050406030204" pitchFamily="18" charset="0"/>
+                          </a:rPr>
+                          <m:t>𝑬𝒙𝒕𝒓𝒂𝒄𝒕𝒆𝒅</m:t>
+                        </m:r>
+                        <m:r>
+                          <a:rPr lang="de-DE" b="1" i="1" smtClean="0">
+                            <a:solidFill>
+                              <a:schemeClr val="tx1"/>
+                            </a:solidFill>
+                            <a:latin typeface="Cambria Math" panose="02040503050406030204" pitchFamily="18" charset="0"/>
+                          </a:rPr>
+                          <m:t> </m:t>
+                        </m:r>
+                        <m:r>
+                          <a:rPr lang="de-DE" b="1" i="1" smtClean="0">
+                            <a:solidFill>
+                              <a:schemeClr val="tx1"/>
+                            </a:solidFill>
+                            <a:latin typeface="Cambria Math" panose="02040503050406030204" pitchFamily="18" charset="0"/>
+                          </a:rPr>
+                          <m:t>𝑰𝒏𝒅𝒆𝒙</m:t>
+                        </m:r>
+                        <m:r>
+                          <a:rPr lang="de-DE" b="1" i="1" smtClean="0">
+                            <a:solidFill>
+                              <a:schemeClr val="tx1"/>
+                            </a:solidFill>
+                            <a:latin typeface="Cambria Math" panose="02040503050406030204" pitchFamily="18" charset="0"/>
+                          </a:rPr>
+                          <m:t> </m:t>
+                        </m:r>
+                        <m:r>
+                          <a:rPr lang="de-DE" b="1" i="1" smtClean="0">
+                            <a:solidFill>
+                              <a:schemeClr val="tx1"/>
+                            </a:solidFill>
+                            <a:latin typeface="Cambria Math" panose="02040503050406030204" pitchFamily="18" charset="0"/>
+                          </a:rPr>
+                          <m:t>𝑬𝒏𝒕𝒓𝒊𝒆𝒔</m:t>
+                        </m:r>
+                      </m:num>
+                      <m:den>
+                        <m:r>
+                          <a:rPr lang="de-DE" b="1" i="1" smtClean="0">
+                            <a:solidFill>
+                              <a:schemeClr val="tx1"/>
+                            </a:solidFill>
+                            <a:latin typeface="Cambria Math" panose="02040503050406030204" pitchFamily="18" charset="0"/>
+                          </a:rPr>
+                          <m:t>𝑪𝒐𝒓𝒓𝒆𝒄𝒕𝒍𝒚</m:t>
+                        </m:r>
+                        <m:r>
+                          <a:rPr lang="de-DE" b="1" i="1" smtClean="0">
+                            <a:solidFill>
+                              <a:schemeClr val="tx1"/>
+                            </a:solidFill>
+                            <a:latin typeface="Cambria Math" panose="02040503050406030204" pitchFamily="18" charset="0"/>
+                          </a:rPr>
+                          <m:t> </m:t>
+                        </m:r>
+                        <m:r>
+                          <a:rPr lang="de-DE" b="1" i="1" smtClean="0">
+                            <a:solidFill>
+                              <a:schemeClr val="tx1"/>
+                            </a:solidFill>
+                            <a:latin typeface="Cambria Math" panose="02040503050406030204" pitchFamily="18" charset="0"/>
+                          </a:rPr>
+                          <m:t>𝑬𝒙𝒕𝒓𝒂𝒄𝒕𝒆𝒅</m:t>
+                        </m:r>
+                        <m:r>
+                          <a:rPr lang="de-DE" b="1" i="1" smtClean="0">
+                            <a:solidFill>
+                              <a:schemeClr val="tx1"/>
+                            </a:solidFill>
+                            <a:latin typeface="Cambria Math" panose="02040503050406030204" pitchFamily="18" charset="0"/>
+                          </a:rPr>
+                          <m:t> </m:t>
+                        </m:r>
+                        <m:r>
+                          <a:rPr lang="de-DE" b="1" i="1" smtClean="0">
+                            <a:solidFill>
+                              <a:schemeClr val="tx1"/>
+                            </a:solidFill>
+                            <a:latin typeface="Cambria Math" panose="02040503050406030204" pitchFamily="18" charset="0"/>
+                          </a:rPr>
+                          <m:t>𝑰𝒏𝒅𝒆𝒙</m:t>
+                        </m:r>
+                        <m:r>
+                          <a:rPr lang="de-DE" b="1" i="1" smtClean="0">
+                            <a:solidFill>
+                              <a:schemeClr val="tx1"/>
+                            </a:solidFill>
+                            <a:latin typeface="Cambria Math" panose="02040503050406030204" pitchFamily="18" charset="0"/>
+                          </a:rPr>
+                          <m:t> </m:t>
+                        </m:r>
+                        <m:r>
+                          <a:rPr lang="de-DE" b="1" i="1" smtClean="0">
+                            <a:solidFill>
+                              <a:schemeClr val="tx1"/>
+                            </a:solidFill>
+                            <a:latin typeface="Cambria Math" panose="02040503050406030204" pitchFamily="18" charset="0"/>
+                          </a:rPr>
+                          <m:t>𝑬𝒏𝒕𝒓𝒊𝒆𝒔</m:t>
+                        </m:r>
+                        <m:r>
+                          <a:rPr lang="de-DE" b="1" i="1" smtClean="0">
+                            <a:solidFill>
+                              <a:schemeClr val="tx1"/>
+                            </a:solidFill>
+                            <a:latin typeface="Cambria Math" panose="02040503050406030204" pitchFamily="18" charset="0"/>
+                          </a:rPr>
+                          <m:t> + </m:t>
+                        </m:r>
+                        <m:r>
+                          <a:rPr lang="de-DE" b="1" i="1" smtClean="0">
+                            <a:solidFill>
+                              <a:schemeClr val="tx1"/>
+                            </a:solidFill>
+                            <a:latin typeface="Cambria Math" panose="02040503050406030204" pitchFamily="18" charset="0"/>
+                          </a:rPr>
+                          <m:t>𝑭𝒂𝒍𝒔𝒆𝒍𝒚</m:t>
+                        </m:r>
+                        <m:r>
+                          <a:rPr lang="de-DE" b="1" i="1" smtClean="0">
+                            <a:solidFill>
+                              <a:schemeClr val="tx1"/>
+                            </a:solidFill>
+                            <a:latin typeface="Cambria Math" panose="02040503050406030204" pitchFamily="18" charset="0"/>
+                          </a:rPr>
+                          <m:t> </m:t>
+                        </m:r>
+                        <m:r>
+                          <a:rPr lang="de-DE" b="1" i="1" smtClean="0">
+                            <a:solidFill>
+                              <a:schemeClr val="tx1"/>
+                            </a:solidFill>
+                            <a:latin typeface="Cambria Math" panose="02040503050406030204" pitchFamily="18" charset="0"/>
+                          </a:rPr>
+                          <m:t>𝑬𝒙𝒕𝒓𝒂𝒄𝒕𝒆𝒅</m:t>
+                        </m:r>
+                        <m:r>
+                          <a:rPr lang="de-DE" b="1" i="1" smtClean="0">
+                            <a:solidFill>
+                              <a:schemeClr val="tx1"/>
+                            </a:solidFill>
+                            <a:latin typeface="Cambria Math" panose="02040503050406030204" pitchFamily="18" charset="0"/>
+                          </a:rPr>
+                          <m:t> </m:t>
+                        </m:r>
+                        <m:r>
+                          <a:rPr lang="de-DE" b="1" i="1" smtClean="0">
+                            <a:solidFill>
+                              <a:schemeClr val="tx1"/>
+                            </a:solidFill>
+                            <a:latin typeface="Cambria Math" panose="02040503050406030204" pitchFamily="18" charset="0"/>
+                          </a:rPr>
+                          <m:t>𝑬𝒏𝒕𝒓𝒊𝒆𝒔</m:t>
+                        </m:r>
+                      </m:den>
+                    </m:f>
+                  </m:oMath>
+                </a14:m>
+                <a:endParaRPr lang="de-DE" dirty="0">
+                  <a:solidFill>
+                    <a:schemeClr val="tx1"/>
+                  </a:solidFill>
+                </a:endParaRPr>
+              </a:p>
+              <a:p>
+                <a:pPr marL="349250" lvl="1" indent="-168275" algn="l" defTabSz="914400">
+                  <a:lnSpc>
+                    <a:spcPct val="100000"/>
+                  </a:lnSpc>
+                  <a:spcBef>
+                    <a:spcPts val="400"/>
+                  </a:spcBef>
+                  <a:buSzPct val="100000"/>
+                  <a:buChar char="▪"/>
+                </a:pPr>
+                <a:endParaRPr lang="de-DE" dirty="0">
+                  <a:solidFill>
+                    <a:schemeClr val="tx1"/>
+                  </a:solidFill>
+                </a:endParaRPr>
+              </a:p>
+              <a:p>
+                <a:pPr marL="179387" indent="-179387" algn="l" defTabSz="914400">
+                  <a:lnSpc>
+                    <a:spcPct val="100000"/>
+                  </a:lnSpc>
+                  <a:spcBef>
+                    <a:spcPts val="400"/>
+                  </a:spcBef>
+                  <a:defRPr sz="2000" b="1"/>
+                </a:pPr>
+                <a:r>
+                  <a:rPr lang="de-DE" dirty="0">
+                    <a:solidFill>
+                      <a:schemeClr val="tx1"/>
+                    </a:solidFill>
+                  </a:rPr>
+                  <a:t>Recall = </a:t>
+                </a:r>
+                <a14:m>
+                  <m:oMath xmlns:m="http://schemas.openxmlformats.org/officeDocument/2006/math">
+                    <m:f>
+                      <m:fPr>
+                        <m:ctrlPr>
+                          <a:rPr lang="de-DE" i="1" smtClean="0">
+                            <a:solidFill>
+                              <a:schemeClr val="tx1"/>
+                            </a:solidFill>
+                            <a:latin typeface="Cambria Math" panose="02040503050406030204" pitchFamily="18" charset="0"/>
+                          </a:rPr>
+                        </m:ctrlPr>
+                      </m:fPr>
+                      <m:num>
+                        <m:r>
+                          <a:rPr lang="de-DE" b="1" i="1" smtClean="0">
+                            <a:solidFill>
+                              <a:schemeClr val="tx1"/>
+                            </a:solidFill>
+                            <a:latin typeface="Cambria Math" panose="02040503050406030204" pitchFamily="18" charset="0"/>
+                          </a:rPr>
+                          <m:t>𝑪𝒐𝒓𝒓𝒆𝒄𝒕𝒍𝒚</m:t>
+                        </m:r>
+                        <m:r>
+                          <a:rPr lang="de-DE" b="1" i="1" smtClean="0">
+                            <a:solidFill>
+                              <a:schemeClr val="tx1"/>
+                            </a:solidFill>
+                            <a:latin typeface="Cambria Math" panose="02040503050406030204" pitchFamily="18" charset="0"/>
+                          </a:rPr>
+                          <m:t> </m:t>
+                        </m:r>
+                        <m:r>
+                          <a:rPr lang="de-DE" b="1" i="1" smtClean="0">
+                            <a:solidFill>
+                              <a:schemeClr val="tx1"/>
+                            </a:solidFill>
+                            <a:latin typeface="Cambria Math" panose="02040503050406030204" pitchFamily="18" charset="0"/>
+                          </a:rPr>
+                          <m:t>𝑬𝒙𝒕𝒓𝒂𝒄𝒕𝒆𝒅</m:t>
+                        </m:r>
+                        <m:r>
+                          <a:rPr lang="de-DE" b="1" i="1" smtClean="0">
+                            <a:solidFill>
+                              <a:schemeClr val="tx1"/>
+                            </a:solidFill>
+                            <a:latin typeface="Cambria Math" panose="02040503050406030204" pitchFamily="18" charset="0"/>
+                          </a:rPr>
+                          <m:t> </m:t>
+                        </m:r>
+                        <m:r>
+                          <a:rPr lang="de-DE" b="1" i="1" smtClean="0">
+                            <a:solidFill>
+                              <a:schemeClr val="tx1"/>
+                            </a:solidFill>
+                            <a:latin typeface="Cambria Math" panose="02040503050406030204" pitchFamily="18" charset="0"/>
+                          </a:rPr>
+                          <m:t>𝑰𝒏𝒅𝒆𝒙</m:t>
+                        </m:r>
+                        <m:r>
+                          <a:rPr lang="de-DE" b="1" i="1" smtClean="0">
+                            <a:solidFill>
+                              <a:schemeClr val="tx1"/>
+                            </a:solidFill>
+                            <a:latin typeface="Cambria Math" panose="02040503050406030204" pitchFamily="18" charset="0"/>
+                          </a:rPr>
+                          <m:t> </m:t>
+                        </m:r>
+                        <m:r>
+                          <a:rPr lang="de-DE" b="1" i="1" smtClean="0">
+                            <a:solidFill>
+                              <a:schemeClr val="tx1"/>
+                            </a:solidFill>
+                            <a:latin typeface="Cambria Math" panose="02040503050406030204" pitchFamily="18" charset="0"/>
+                          </a:rPr>
+                          <m:t>𝑬𝒏𝒕𝒓𝒊𝒆𝒔</m:t>
+                        </m:r>
+                      </m:num>
+                      <m:den>
+                        <m:r>
+                          <a:rPr lang="de-DE" b="1" i="1" smtClean="0">
+                            <a:solidFill>
+                              <a:schemeClr val="tx1"/>
+                            </a:solidFill>
+                            <a:latin typeface="Cambria Math" panose="02040503050406030204" pitchFamily="18" charset="0"/>
+                          </a:rPr>
+                          <m:t>𝑪𝒐𝒓𝒓𝒆𝒄𝒕𝒍𝒚</m:t>
+                        </m:r>
+                        <m:r>
+                          <a:rPr lang="de-DE" b="1" i="1">
+                            <a:solidFill>
+                              <a:schemeClr val="tx1"/>
+                            </a:solidFill>
+                            <a:latin typeface="Cambria Math" panose="02040503050406030204" pitchFamily="18" charset="0"/>
+                          </a:rPr>
+                          <m:t> </m:t>
+                        </m:r>
+                        <m:r>
+                          <a:rPr lang="de-DE" b="1" i="1" smtClean="0">
+                            <a:solidFill>
+                              <a:schemeClr val="tx1"/>
+                            </a:solidFill>
+                            <a:latin typeface="Cambria Math" panose="02040503050406030204" pitchFamily="18" charset="0"/>
+                          </a:rPr>
+                          <m:t>𝑬𝒙𝒕𝒓𝒂𝒄𝒕𝒆𝒅</m:t>
+                        </m:r>
+                        <m:r>
+                          <a:rPr lang="de-DE" b="1" i="1" smtClean="0">
+                            <a:solidFill>
+                              <a:schemeClr val="tx1"/>
+                            </a:solidFill>
+                            <a:latin typeface="Cambria Math" panose="02040503050406030204" pitchFamily="18" charset="0"/>
+                          </a:rPr>
+                          <m:t> </m:t>
+                        </m:r>
+                        <m:r>
+                          <a:rPr lang="de-DE" b="1" i="1">
+                            <a:solidFill>
+                              <a:schemeClr val="tx1"/>
+                            </a:solidFill>
+                            <a:latin typeface="Cambria Math" panose="02040503050406030204" pitchFamily="18" charset="0"/>
+                          </a:rPr>
+                          <m:t>𝑰𝒏𝒅𝒆𝒙</m:t>
+                        </m:r>
+                        <m:r>
+                          <a:rPr lang="de-DE" b="1" i="1">
+                            <a:solidFill>
+                              <a:schemeClr val="tx1"/>
+                            </a:solidFill>
+                            <a:latin typeface="Cambria Math" panose="02040503050406030204" pitchFamily="18" charset="0"/>
+                          </a:rPr>
+                          <m:t> </m:t>
+                        </m:r>
+                        <m:r>
+                          <a:rPr lang="de-DE" b="1" i="1">
+                            <a:solidFill>
+                              <a:schemeClr val="tx1"/>
+                            </a:solidFill>
+                            <a:latin typeface="Cambria Math" panose="02040503050406030204" pitchFamily="18" charset="0"/>
+                          </a:rPr>
+                          <m:t>𝑬𝒏𝒕𝒓𝒊𝒆𝒔</m:t>
+                        </m:r>
+                        <m:r>
+                          <a:rPr lang="de-DE" b="1" i="1" smtClean="0">
+                            <a:solidFill>
+                              <a:schemeClr val="tx1"/>
+                            </a:solidFill>
+                            <a:latin typeface="Cambria Math" panose="02040503050406030204" pitchFamily="18" charset="0"/>
+                          </a:rPr>
+                          <m:t> + </m:t>
+                        </m:r>
+                        <m:r>
+                          <a:rPr lang="de-DE" b="1" i="1" smtClean="0">
+                            <a:solidFill>
+                              <a:schemeClr val="tx1"/>
+                            </a:solidFill>
+                            <a:latin typeface="Cambria Math" panose="02040503050406030204" pitchFamily="18" charset="0"/>
+                          </a:rPr>
+                          <m:t>𝑴𝒊𝒔𝒔𝒊𝒏𝒈</m:t>
+                        </m:r>
+                        <m:r>
+                          <a:rPr lang="de-DE" b="1" i="1" smtClean="0">
+                            <a:solidFill>
+                              <a:schemeClr val="tx1"/>
+                            </a:solidFill>
+                            <a:latin typeface="Cambria Math" panose="02040503050406030204" pitchFamily="18" charset="0"/>
+                          </a:rPr>
+                          <m:t> </m:t>
+                        </m:r>
+                        <m:r>
+                          <a:rPr lang="de-DE" b="1" i="1" smtClean="0">
+                            <a:solidFill>
+                              <a:schemeClr val="tx1"/>
+                            </a:solidFill>
+                            <a:latin typeface="Cambria Math" panose="02040503050406030204" pitchFamily="18" charset="0"/>
+                          </a:rPr>
+                          <m:t>𝑰𝒏𝒅𝒆𝒙</m:t>
+                        </m:r>
+                        <m:r>
+                          <a:rPr lang="de-DE" b="1" i="1" smtClean="0">
+                            <a:solidFill>
+                              <a:schemeClr val="tx1"/>
+                            </a:solidFill>
+                            <a:latin typeface="Cambria Math" panose="02040503050406030204" pitchFamily="18" charset="0"/>
+                          </a:rPr>
+                          <m:t> </m:t>
+                        </m:r>
+                        <m:r>
+                          <a:rPr lang="de-DE" b="1" i="1" smtClean="0">
+                            <a:solidFill>
+                              <a:schemeClr val="tx1"/>
+                            </a:solidFill>
+                            <a:latin typeface="Cambria Math" panose="02040503050406030204" pitchFamily="18" charset="0"/>
+                          </a:rPr>
+                          <m:t>𝑬𝒏𝒕𝒓𝒊𝒆𝒔</m:t>
+                        </m:r>
+                      </m:den>
+                    </m:f>
+                  </m:oMath>
+                </a14:m>
+                <a:endParaRPr lang="de-DE" dirty="0">
+                  <a:solidFill>
+                    <a:schemeClr val="tx1"/>
+                  </a:solidFill>
+                </a:endParaRPr>
+              </a:p>
+              <a:p>
+                <a:pPr marL="179387" indent="-179387" algn="l" defTabSz="914400">
+                  <a:lnSpc>
+                    <a:spcPct val="100000"/>
+                  </a:lnSpc>
+                  <a:spcBef>
+                    <a:spcPts val="400"/>
+                  </a:spcBef>
+                  <a:defRPr sz="2000" b="1"/>
+                </a:pPr>
+                <a:endParaRPr lang="de-DE" dirty="0">
+                  <a:solidFill>
+                    <a:schemeClr val="tx1"/>
+                  </a:solidFill>
+                </a:endParaRPr>
+              </a:p>
+              <a:p>
+                <a:pPr marL="179387" indent="-179387" algn="l" defTabSz="914400">
+                  <a:lnSpc>
+                    <a:spcPct val="100000"/>
+                  </a:lnSpc>
+                  <a:spcBef>
+                    <a:spcPts val="400"/>
+                  </a:spcBef>
+                  <a:defRPr sz="2000" b="1"/>
+                </a:pPr>
+                <a:r>
+                  <a:rPr lang="de-DE" dirty="0">
+                    <a:solidFill>
+                      <a:schemeClr val="tx1"/>
+                    </a:solidFill>
+                  </a:rPr>
+                  <a:t>F1 = </a:t>
+                </a:r>
+                <a14:m>
+                  <m:oMath xmlns:m="http://schemas.openxmlformats.org/officeDocument/2006/math">
+                    <m:r>
+                      <a:rPr lang="de-DE" b="1" i="0" smtClean="0">
+                        <a:solidFill>
+                          <a:schemeClr val="tx1"/>
+                        </a:solidFill>
+                        <a:latin typeface="Cambria Math" panose="02040503050406030204" pitchFamily="18" charset="0"/>
+                      </a:rPr>
+                      <m:t>𝟐</m:t>
+                    </m:r>
+                    <m:r>
+                      <a:rPr lang="de-DE" b="1" i="1" smtClean="0">
+                        <a:solidFill>
+                          <a:schemeClr val="tx1"/>
+                        </a:solidFill>
+                        <a:latin typeface="Cambria Math" panose="02040503050406030204" pitchFamily="18" charset="0"/>
+                      </a:rPr>
+                      <m:t>∗</m:t>
+                    </m:r>
+                    <m:f>
+                      <m:fPr>
+                        <m:ctrlPr>
+                          <a:rPr lang="de-DE" i="1">
+                            <a:solidFill>
+                              <a:schemeClr val="tx1"/>
+                            </a:solidFill>
+                            <a:latin typeface="Cambria Math" panose="02040503050406030204" pitchFamily="18" charset="0"/>
+                          </a:rPr>
+                        </m:ctrlPr>
+                      </m:fPr>
+                      <m:num>
+                        <m:r>
+                          <a:rPr lang="de-DE" b="1" i="1" smtClean="0">
+                            <a:solidFill>
+                              <a:schemeClr val="tx1"/>
+                            </a:solidFill>
+                            <a:latin typeface="Cambria Math" panose="02040503050406030204" pitchFamily="18" charset="0"/>
+                          </a:rPr>
+                          <m:t>𝑷𝒓𝒆𝒄𝒊𝒔𝒊𝒐𝒏</m:t>
+                        </m:r>
+                        <m:r>
+                          <a:rPr lang="de-DE" b="1" i="1" smtClean="0">
+                            <a:solidFill>
+                              <a:schemeClr val="tx1"/>
+                            </a:solidFill>
+                            <a:latin typeface="Cambria Math" panose="02040503050406030204" pitchFamily="18" charset="0"/>
+                          </a:rPr>
+                          <m:t>∗</m:t>
+                        </m:r>
+                        <m:r>
+                          <a:rPr lang="de-DE" b="1" i="1" smtClean="0">
+                            <a:solidFill>
+                              <a:schemeClr val="tx1"/>
+                            </a:solidFill>
+                            <a:latin typeface="Cambria Math" panose="02040503050406030204" pitchFamily="18" charset="0"/>
+                          </a:rPr>
+                          <m:t>𝑹𝒆𝒄𝒂𝒍𝒍</m:t>
+                        </m:r>
+                      </m:num>
+                      <m:den>
+                        <m:r>
+                          <a:rPr lang="de-DE" b="1" i="1" smtClean="0">
+                            <a:solidFill>
+                              <a:schemeClr val="tx1"/>
+                            </a:solidFill>
+                            <a:latin typeface="Cambria Math" panose="02040503050406030204" pitchFamily="18" charset="0"/>
+                          </a:rPr>
+                          <m:t>𝑷𝒓𝒆𝒄𝒊𝒔𝒊𝒐𝒏</m:t>
+                        </m:r>
+                        <m:r>
+                          <a:rPr lang="de-DE" b="1" i="1" smtClean="0">
+                            <a:solidFill>
+                              <a:schemeClr val="tx1"/>
+                            </a:solidFill>
+                            <a:latin typeface="Cambria Math" panose="02040503050406030204" pitchFamily="18" charset="0"/>
+                          </a:rPr>
+                          <m:t>+</m:t>
+                        </m:r>
+                        <m:r>
+                          <a:rPr lang="de-DE" b="1" i="1" smtClean="0">
+                            <a:solidFill>
+                              <a:schemeClr val="tx1"/>
+                            </a:solidFill>
+                            <a:latin typeface="Cambria Math" panose="02040503050406030204" pitchFamily="18" charset="0"/>
+                          </a:rPr>
+                          <m:t>𝑹𝒆𝒄𝒂𝒍𝒍</m:t>
+                        </m:r>
+                      </m:den>
+                    </m:f>
+                  </m:oMath>
+                </a14:m>
+                <a:endParaRPr lang="de-DE" dirty="0">
+                  <a:solidFill>
+                    <a:schemeClr val="tx1"/>
+                  </a:solidFill>
+                </a:endParaRPr>
+              </a:p>
+              <a:p>
+                <a:pPr marL="180975" lvl="1" indent="0" algn="l" defTabSz="914400">
+                  <a:lnSpc>
+                    <a:spcPct val="100000"/>
+                  </a:lnSpc>
+                  <a:spcBef>
+                    <a:spcPts val="400"/>
+                  </a:spcBef>
+                  <a:buSzPct val="100000"/>
+                </a:pPr>
+                <a:endParaRPr lang="de-DE" dirty="0">
+                  <a:solidFill>
+                    <a:schemeClr val="tx1"/>
+                  </a:solidFill>
+                </a:endParaRPr>
+              </a:p>
+              <a:p>
+                <a:pPr marL="179387" indent="-179387" algn="l" defTabSz="914400">
+                  <a:lnSpc>
+                    <a:spcPct val="100000"/>
+                  </a:lnSpc>
+                  <a:spcBef>
+                    <a:spcPts val="400"/>
+                  </a:spcBef>
+                  <a:defRPr sz="2000" b="1"/>
+                </a:pPr>
+                <a:r>
+                  <a:rPr lang="de-DE" dirty="0">
+                    <a:solidFill>
+                      <a:schemeClr val="tx1"/>
+                    </a:solidFill>
+                  </a:rPr>
+                  <a:t>Golden Standard </a:t>
+                </a:r>
+              </a:p>
+              <a:p>
+                <a:pPr marL="349250" lvl="1" indent="-168275" algn="l" defTabSz="914400">
+                  <a:lnSpc>
+                    <a:spcPct val="100000"/>
+                  </a:lnSpc>
+                  <a:spcBef>
+                    <a:spcPts val="400"/>
+                  </a:spcBef>
+                  <a:buSzPct val="100000"/>
+                  <a:buChar char="▪"/>
+                </a:pPr>
+                <a:r>
+                  <a:rPr lang="de-DE" dirty="0" err="1">
+                    <a:solidFill>
+                      <a:schemeClr val="tx1"/>
+                    </a:solidFill>
+                  </a:rPr>
+                  <a:t>Five</a:t>
+                </a:r>
+                <a:r>
+                  <a:rPr lang="de-DE" dirty="0">
+                    <a:solidFill>
+                      <a:schemeClr val="tx1"/>
+                    </a:solidFill>
+                  </a:rPr>
+                  <a:t> </a:t>
+                </a:r>
+                <a:r>
+                  <a:rPr lang="de-DE" dirty="0" err="1">
+                    <a:solidFill>
+                      <a:schemeClr val="tx1"/>
+                    </a:solidFill>
+                  </a:rPr>
+                  <a:t>manually</a:t>
+                </a:r>
+                <a:r>
+                  <a:rPr lang="de-DE" dirty="0">
+                    <a:solidFill>
+                      <a:schemeClr val="tx1"/>
+                    </a:solidFill>
+                  </a:rPr>
+                  <a:t> </a:t>
+                </a:r>
+                <a:r>
+                  <a:rPr lang="de-DE" dirty="0" err="1">
+                    <a:solidFill>
+                      <a:schemeClr val="tx1"/>
+                    </a:solidFill>
+                  </a:rPr>
+                  <a:t>created</a:t>
+                </a:r>
+                <a:r>
+                  <a:rPr lang="de-DE" dirty="0">
+                    <a:solidFill>
+                      <a:schemeClr val="tx1"/>
+                    </a:solidFill>
+                  </a:rPr>
+                  <a:t> sample XML </a:t>
+                </a:r>
+                <a:r>
+                  <a:rPr lang="de-DE" dirty="0" err="1">
+                    <a:solidFill>
+                      <a:schemeClr val="tx1"/>
+                    </a:solidFill>
+                  </a:rPr>
+                  <a:t>files</a:t>
+                </a:r>
+                <a:r>
+                  <a:rPr lang="de-DE" dirty="0">
+                    <a:solidFill>
+                      <a:schemeClr val="tx1"/>
+                    </a:solidFill>
+                  </a:rPr>
+                  <a:t> </a:t>
+                </a:r>
+                <a:r>
+                  <a:rPr lang="de-DE" dirty="0" err="1">
+                    <a:solidFill>
+                      <a:schemeClr val="tx1"/>
+                    </a:solidFill>
+                  </a:rPr>
+                  <a:t>for</a:t>
+                </a:r>
+                <a:r>
+                  <a:rPr lang="de-DE" dirty="0">
+                    <a:solidFill>
+                      <a:schemeClr val="tx1"/>
+                    </a:solidFill>
+                  </a:rPr>
+                  <a:t> </a:t>
+                </a:r>
+                <a:r>
+                  <a:rPr lang="de-DE" dirty="0" err="1">
+                    <a:solidFill>
+                      <a:schemeClr val="tx1"/>
+                    </a:solidFill>
+                  </a:rPr>
+                  <a:t>verification</a:t>
+                </a:r>
+                <a:r>
+                  <a:rPr lang="de-DE" dirty="0">
+                    <a:solidFill>
+                      <a:schemeClr val="tx1"/>
+                    </a:solidFill>
+                  </a:rPr>
+                  <a:t> </a:t>
+                </a:r>
+                <a:r>
+                  <a:rPr lang="de-DE" dirty="0" err="1">
+                    <a:solidFill>
+                      <a:schemeClr val="tx1"/>
+                    </a:solidFill>
+                  </a:rPr>
+                  <a:t>and</a:t>
+                </a:r>
+                <a:r>
+                  <a:rPr lang="de-DE" dirty="0">
+                    <a:solidFill>
+                      <a:schemeClr val="tx1"/>
+                    </a:solidFill>
+                  </a:rPr>
+                  <a:t> </a:t>
+                </a:r>
+                <a:r>
+                  <a:rPr lang="de-DE" dirty="0" err="1">
+                    <a:solidFill>
+                      <a:schemeClr val="tx1"/>
+                    </a:solidFill>
+                  </a:rPr>
+                  <a:t>testing</a:t>
+                </a:r>
+                <a:endParaRPr lang="de-DE" dirty="0">
+                  <a:solidFill>
+                    <a:schemeClr val="tx1"/>
+                  </a:solidFill>
+                </a:endParaRPr>
+              </a:p>
+              <a:p>
+                <a:pPr marL="180975" lvl="1" indent="0" algn="l" defTabSz="914400">
+                  <a:lnSpc>
+                    <a:spcPct val="100000"/>
+                  </a:lnSpc>
+                  <a:spcBef>
+                    <a:spcPts val="400"/>
+                  </a:spcBef>
+                  <a:buSzPct val="100000"/>
+                </a:pPr>
+                <a:endParaRPr lang="de-DE" dirty="0">
+                  <a:solidFill>
+                    <a:schemeClr val="tx1"/>
+                  </a:solidFill>
+                </a:endParaRPr>
+              </a:p>
+              <a:p>
+                <a:pPr marL="0" marR="0" indent="0" algn="l" defTabSz="449262" rtl="0" fontAlgn="auto" latinLnBrk="0" hangingPunct="0">
+                  <a:lnSpc>
+                    <a:spcPct val="93000"/>
+                  </a:lnSpc>
+                  <a:spcBef>
+                    <a:spcPts val="0"/>
+                  </a:spcBef>
+                  <a:spcAft>
+                    <a:spcPts val="0"/>
+                  </a:spcAft>
+                  <a:buClrTx/>
+                  <a:buSzTx/>
+                  <a:buFontTx/>
+                  <a:buNone/>
+                  <a:tabLst/>
+                </a:pPr>
+                <a:endParaRPr kumimoji="0" lang="de-DE" sz="1800" b="0" i="0" u="none" strike="noStrike" cap="none" spc="0" normalizeH="0" baseline="0" dirty="0">
+                  <a:ln>
+                    <a:noFill/>
+                  </a:ln>
+                  <a:solidFill>
+                    <a:srgbClr val="000000"/>
+                  </a:solidFill>
+                  <a:effectLst/>
+                  <a:uFillTx/>
+                  <a:latin typeface="Arial"/>
+                  <a:ea typeface="Arial"/>
+                  <a:cs typeface="Arial"/>
+                  <a:sym typeface="Arial"/>
+                </a:endParaRPr>
+              </a:p>
+            </p:txBody>
+          </p:sp>
+        </mc:Choice>
+        <mc:Fallback>
+          <p:sp>
+            <p:nvSpPr>
+              <p:cNvPr id="2" name="Textfeld 1">
+                <a:extLst>
+                  <a:ext uri="{FF2B5EF4-FFF2-40B4-BE49-F238E27FC236}">
+                    <a16:creationId xmlns:a16="http://schemas.microsoft.com/office/drawing/2014/main" id="{7CE44318-BF5C-1B4B-9312-165BA53BBACD}"/>
+                  </a:ext>
+                </a:extLst>
+              </p:cNvPr>
+              <p:cNvSpPr txBox="1">
+                <a:spLocks noRot="1" noChangeAspect="1" noMove="1" noResize="1" noEditPoints="1" noAdjustHandles="1" noChangeArrowheads="1" noChangeShapeType="1" noTextEdit="1"/>
+              </p:cNvSpPr>
+              <p:nvPr/>
+            </p:nvSpPr>
+            <p:spPr>
+              <a:xfrm>
+                <a:off x="335359" y="1674117"/>
+                <a:ext cx="8357704" cy="4000388"/>
+              </a:xfrm>
+              <a:prstGeom prst="rect">
+                <a:avLst/>
+              </a:prstGeom>
+              <a:blipFill>
+                <a:blip r:embed="rId3"/>
+                <a:stretch>
+                  <a:fillRect l="-1214"/>
+                </a:stretch>
+              </a:blipFill>
+              <a:ln w="12700" cap="flat">
+                <a:noFill/>
+                <a:miter lim="400000"/>
+              </a:ln>
+              <a:effectLst/>
+            </p:spPr>
+            <p:txBody>
+              <a:bodyPr/>
+              <a:lstStyle/>
+              <a:p>
+                <a:r>
+                  <a:rPr lang="de-DE">
+                    <a:noFill/>
+                  </a:rPr>
+                  <a:t> </a:t>
+                </a:r>
+              </a:p>
+            </p:txBody>
+          </p:sp>
+        </mc:Fallback>
+      </mc:AlternateContent>
     </p:spTree>
+    <p:extLst>
+      <p:ext uri="{BB962C8B-B14F-4D97-AF65-F5344CB8AC3E}">
+        <p14:creationId xmlns:p14="http://schemas.microsoft.com/office/powerpoint/2010/main" val="2191873833"/>
+      </p:ext>
+    </p:extLst>
   </p:cSld>
   <p:clrMapOvr>
     <a:masterClrMapping/>
@@ -21434,6 +22223,562 @@
       </p:grpSpPr>
       <p:sp>
         <p:nvSpPr>
+          <p:cNvPr id="621" name="Titel 1"/>
+          <p:cNvSpPr txBox="1">
+            <a:spLocks noGrp="1"/>
+          </p:cNvSpPr>
+          <p:nvPr>
+            <p:ph type="title"/>
+          </p:nvPr>
+        </p:nvSpPr>
+        <p:spPr>
+          <a:prstGeom prst="rect">
+            <a:avLst/>
+          </a:prstGeom>
+        </p:spPr>
+        <p:txBody>
+          <a:bodyPr/>
+          <a:lstStyle/>
+          <a:p>
+            <a:r>
+              <a:rPr lang="de-DE" dirty="0">
+                <a:solidFill>
+                  <a:srgbClr val="0070C0"/>
+                </a:solidFill>
+              </a:rPr>
+              <a:t>Status Quo</a:t>
+            </a:r>
+            <a:endParaRPr dirty="0">
+              <a:solidFill>
+                <a:srgbClr val="0070C0"/>
+              </a:solidFill>
+            </a:endParaRPr>
+          </a:p>
+        </p:txBody>
+      </p:sp>
+      <p:sp>
+        <p:nvSpPr>
+          <p:cNvPr id="622" name="Inhaltsplatzhalter 2"/>
+          <p:cNvSpPr txBox="1"/>
+          <p:nvPr/>
+        </p:nvSpPr>
+        <p:spPr>
+          <a:xfrm>
+            <a:off x="381081" y="1485947"/>
+            <a:ext cx="11501847" cy="3057247"/>
+          </a:xfrm>
+          <a:prstGeom prst="rect">
+            <a:avLst/>
+          </a:prstGeom>
+          <a:ln w="12700">
+            <a:miter lim="400000"/>
+          </a:ln>
+          <a:extLst>
+            <a:ext uri="{C572A759-6A51-4108-AA02-DFA0A04FC94B}">
+              <ma14:wrappingTextBoxFlag xmlns="" xmlns:m="http://schemas.openxmlformats.org/officeDocument/2006/math" xmlns:a14="http://schemas.microsoft.com/office/drawing/2010/main" xmlns:ma14="http://schemas.microsoft.com/office/mac/drawingml/2011/main" val="1"/>
+            </a:ext>
+          </a:extLst>
+        </p:spPr>
+        <p:txBody>
+          <a:bodyPr lIns="45719" rIns="45719">
+            <a:spAutoFit/>
+          </a:bodyPr>
+          <a:lstStyle/>
+          <a:p>
+            <a:pPr marL="179387" indent="-179387" algn="l" defTabSz="914400">
+              <a:lnSpc>
+                <a:spcPct val="100000"/>
+              </a:lnSpc>
+              <a:spcBef>
+                <a:spcPts val="400"/>
+              </a:spcBef>
+              <a:defRPr sz="2000" b="1"/>
+            </a:pPr>
+            <a:r>
+              <a:rPr dirty="0">
+                <a:solidFill>
+                  <a:schemeClr val="tx1"/>
+                </a:solidFill>
+              </a:rPr>
+              <a:t>Programming language and library</a:t>
+            </a:r>
+            <a:endParaRPr lang="de-DE" dirty="0">
+              <a:solidFill>
+                <a:schemeClr val="tx1"/>
+              </a:solidFill>
+            </a:endParaRPr>
+          </a:p>
+          <a:p>
+            <a:pPr marL="349250" lvl="1" indent="-168275" algn="l" defTabSz="914400">
+              <a:lnSpc>
+                <a:spcPct val="100000"/>
+              </a:lnSpc>
+              <a:spcBef>
+                <a:spcPts val="400"/>
+              </a:spcBef>
+              <a:buSzPct val="100000"/>
+              <a:buChar char="▪"/>
+            </a:pPr>
+            <a:r>
+              <a:rPr lang="de-DE" dirty="0">
+                <a:solidFill>
+                  <a:schemeClr val="tx1"/>
+                </a:solidFill>
+              </a:rPr>
+              <a:t>Java </a:t>
+            </a:r>
+          </a:p>
+          <a:p>
+            <a:pPr marL="349250" lvl="1" indent="-168275" algn="l" defTabSz="914400">
+              <a:lnSpc>
+                <a:spcPct val="100000"/>
+              </a:lnSpc>
+              <a:spcBef>
+                <a:spcPts val="400"/>
+              </a:spcBef>
+              <a:buSzPct val="100000"/>
+              <a:buChar char="▪"/>
+            </a:pPr>
+            <a:r>
+              <a:rPr lang="de-DE" dirty="0" err="1">
+                <a:solidFill>
+                  <a:schemeClr val="tx1"/>
+                </a:solidFill>
+              </a:rPr>
+              <a:t>PDFBox</a:t>
+            </a:r>
+            <a:r>
+              <a:rPr lang="de-DE" dirty="0">
+                <a:solidFill>
+                  <a:schemeClr val="tx1"/>
+                </a:solidFill>
+              </a:rPr>
+              <a:t> </a:t>
+            </a:r>
+            <a:r>
+              <a:rPr lang="de-DE" dirty="0" err="1">
+                <a:solidFill>
+                  <a:schemeClr val="tx1"/>
+                </a:solidFill>
+              </a:rPr>
+              <a:t>library</a:t>
+            </a:r>
+            <a:endParaRPr lang="de-DE" dirty="0">
+              <a:solidFill>
+                <a:schemeClr val="tx1"/>
+              </a:solidFill>
+            </a:endParaRPr>
+          </a:p>
+          <a:p>
+            <a:pPr lvl="1" indent="180975" algn="l" defTabSz="914400">
+              <a:lnSpc>
+                <a:spcPct val="100000"/>
+              </a:lnSpc>
+              <a:spcBef>
+                <a:spcPts val="400"/>
+              </a:spcBef>
+            </a:pPr>
+            <a:endParaRPr dirty="0">
+              <a:solidFill>
+                <a:schemeClr val="tx1"/>
+              </a:solidFill>
+            </a:endParaRPr>
+          </a:p>
+          <a:p>
+            <a:pPr lvl="1" indent="180975" algn="l" defTabSz="914400">
+              <a:lnSpc>
+                <a:spcPct val="100000"/>
+              </a:lnSpc>
+              <a:spcBef>
+                <a:spcPts val="400"/>
+              </a:spcBef>
+            </a:pPr>
+            <a:endParaRPr dirty="0">
+              <a:solidFill>
+                <a:schemeClr val="tx1"/>
+              </a:solidFill>
+            </a:endParaRPr>
+          </a:p>
+          <a:p>
+            <a:pPr indent="11113" algn="l" defTabSz="914400">
+              <a:lnSpc>
+                <a:spcPct val="100000"/>
+              </a:lnSpc>
+              <a:spcBef>
+                <a:spcPts val="400"/>
+              </a:spcBef>
+              <a:defRPr sz="2000" b="1"/>
+            </a:pPr>
+            <a:r>
+              <a:rPr dirty="0">
+                <a:solidFill>
+                  <a:schemeClr val="tx1"/>
+                </a:solidFill>
+              </a:rPr>
+              <a:t>Raw text extraction </a:t>
+            </a:r>
+          </a:p>
+          <a:p>
+            <a:pPr marL="180975" lvl="1" indent="0" algn="l" defTabSz="914400">
+              <a:lnSpc>
+                <a:spcPct val="100000"/>
+              </a:lnSpc>
+              <a:spcBef>
+                <a:spcPts val="400"/>
+              </a:spcBef>
+              <a:buSzPct val="100000"/>
+              <a:buChar char="▪"/>
+            </a:pPr>
+            <a:r>
+              <a:rPr dirty="0">
+                <a:solidFill>
+                  <a:schemeClr val="tx1"/>
+                </a:solidFill>
+              </a:rPr>
+              <a:t> </a:t>
+            </a:r>
+            <a:r>
+              <a:rPr lang="de-DE" dirty="0">
+                <a:solidFill>
+                  <a:schemeClr val="tx1"/>
+                </a:solidFill>
+              </a:rPr>
+              <a:t>Raw PDF to TXT </a:t>
+            </a:r>
+            <a:r>
+              <a:rPr lang="de-DE" dirty="0" err="1">
+                <a:solidFill>
+                  <a:schemeClr val="tx1"/>
+                </a:solidFill>
+              </a:rPr>
+              <a:t>extraction</a:t>
+            </a:r>
+            <a:r>
+              <a:rPr lang="de-DE" dirty="0">
+                <a:solidFill>
+                  <a:schemeClr val="tx1"/>
+                </a:solidFill>
+              </a:rPr>
+              <a:t> </a:t>
+            </a:r>
+            <a:r>
+              <a:rPr lang="de-DE" dirty="0" err="1">
+                <a:solidFill>
+                  <a:schemeClr val="tx1"/>
+                </a:solidFill>
+              </a:rPr>
+              <a:t>including</a:t>
+            </a:r>
+            <a:r>
+              <a:rPr lang="de-DE" dirty="0">
+                <a:solidFill>
+                  <a:schemeClr val="tx1"/>
+                </a:solidFill>
+              </a:rPr>
+              <a:t> all </a:t>
+            </a:r>
+            <a:r>
+              <a:rPr lang="de-DE" dirty="0" err="1">
+                <a:solidFill>
+                  <a:schemeClr val="tx1"/>
+                </a:solidFill>
+              </a:rPr>
+              <a:t>undesired</a:t>
+            </a:r>
+            <a:r>
+              <a:rPr lang="de-DE" dirty="0">
+                <a:solidFill>
+                  <a:schemeClr val="tx1"/>
+                </a:solidFill>
+              </a:rPr>
+              <a:t> content</a:t>
+            </a:r>
+          </a:p>
+          <a:p>
+            <a:pPr marL="180975" lvl="1" indent="0" algn="l" defTabSz="914400">
+              <a:lnSpc>
+                <a:spcPct val="100000"/>
+              </a:lnSpc>
+              <a:spcBef>
+                <a:spcPts val="400"/>
+              </a:spcBef>
+              <a:buSzPct val="100000"/>
+              <a:buChar char="▪"/>
+            </a:pPr>
+            <a:r>
+              <a:rPr lang="de-DE" dirty="0">
+                <a:solidFill>
+                  <a:schemeClr val="tx1"/>
+                </a:solidFill>
+              </a:rPr>
+              <a:t> Basic </a:t>
+            </a:r>
+            <a:r>
+              <a:rPr lang="de-DE" dirty="0" err="1">
+                <a:solidFill>
+                  <a:schemeClr val="tx1"/>
+                </a:solidFill>
+              </a:rPr>
+              <a:t>filtering</a:t>
+            </a:r>
+            <a:r>
+              <a:rPr lang="de-DE" dirty="0">
+                <a:solidFill>
+                  <a:schemeClr val="tx1"/>
+                </a:solidFill>
+              </a:rPr>
+              <a:t> </a:t>
+            </a:r>
+            <a:r>
+              <a:rPr lang="de-DE" dirty="0" err="1">
+                <a:solidFill>
+                  <a:schemeClr val="tx1"/>
+                </a:solidFill>
+              </a:rPr>
+              <a:t>of</a:t>
+            </a:r>
+            <a:r>
+              <a:rPr lang="de-DE" dirty="0">
+                <a:solidFill>
+                  <a:schemeClr val="tx1"/>
+                </a:solidFill>
+              </a:rPr>
+              <a:t> </a:t>
+            </a:r>
+            <a:r>
+              <a:rPr lang="de-DE" dirty="0" err="1">
+                <a:solidFill>
+                  <a:schemeClr val="tx1"/>
+                </a:solidFill>
+              </a:rPr>
+              <a:t>undesired</a:t>
+            </a:r>
+            <a:r>
+              <a:rPr lang="de-DE" dirty="0">
+                <a:solidFill>
+                  <a:schemeClr val="tx1"/>
+                </a:solidFill>
+              </a:rPr>
+              <a:t> </a:t>
+            </a:r>
+            <a:r>
+              <a:rPr lang="de-DE" dirty="0" err="1">
+                <a:solidFill>
+                  <a:schemeClr val="tx1"/>
+                </a:solidFill>
+              </a:rPr>
+              <a:t>content</a:t>
+            </a:r>
+            <a:r>
+              <a:rPr lang="de-DE" dirty="0">
+                <a:solidFill>
+                  <a:schemeClr val="tx1"/>
+                </a:solidFill>
+              </a:rPr>
+              <a:t> </a:t>
+            </a:r>
+            <a:r>
+              <a:rPr lang="de-DE" dirty="0" err="1">
+                <a:solidFill>
+                  <a:schemeClr val="tx1"/>
+                </a:solidFill>
+              </a:rPr>
+              <a:t>and</a:t>
+            </a:r>
+            <a:r>
+              <a:rPr lang="de-DE" dirty="0">
+                <a:solidFill>
+                  <a:schemeClr val="tx1"/>
+                </a:solidFill>
+              </a:rPr>
+              <a:t> </a:t>
+            </a:r>
+            <a:r>
+              <a:rPr lang="de-DE" dirty="0" err="1">
+                <a:solidFill>
+                  <a:schemeClr val="tx1"/>
+                </a:solidFill>
+              </a:rPr>
+              <a:t>seperating</a:t>
+            </a:r>
+            <a:r>
+              <a:rPr lang="de-DE" dirty="0">
+                <a:solidFill>
+                  <a:schemeClr val="tx1"/>
+                </a:solidFill>
+              </a:rPr>
+              <a:t> </a:t>
+            </a:r>
+            <a:r>
+              <a:rPr lang="de-DE" dirty="0" err="1">
+                <a:solidFill>
+                  <a:schemeClr val="tx1"/>
+                </a:solidFill>
+              </a:rPr>
+              <a:t>phrases</a:t>
+            </a:r>
+            <a:r>
+              <a:rPr lang="de-DE" dirty="0">
+                <a:solidFill>
+                  <a:schemeClr val="tx1"/>
+                </a:solidFill>
+              </a:rPr>
+              <a:t> </a:t>
+            </a:r>
+            <a:r>
+              <a:rPr lang="de-DE" dirty="0" err="1">
+                <a:solidFill>
+                  <a:schemeClr val="tx1"/>
+                </a:solidFill>
+              </a:rPr>
+              <a:t>from</a:t>
+            </a:r>
+            <a:r>
+              <a:rPr lang="de-DE" dirty="0">
+                <a:solidFill>
+                  <a:schemeClr val="tx1"/>
+                </a:solidFill>
+              </a:rPr>
+              <a:t> </a:t>
+            </a:r>
+            <a:r>
+              <a:rPr lang="de-DE" dirty="0" err="1">
+                <a:solidFill>
+                  <a:schemeClr val="tx1"/>
+                </a:solidFill>
+              </a:rPr>
+              <a:t>pagenumbers</a:t>
+            </a:r>
+            <a:endParaRPr dirty="0">
+              <a:solidFill>
+                <a:schemeClr val="tx1"/>
+              </a:solidFill>
+            </a:endParaRPr>
+          </a:p>
+          <a:p>
+            <a:pPr marL="180975" lvl="1" indent="0" algn="l" defTabSz="914400">
+              <a:lnSpc>
+                <a:spcPct val="100000"/>
+              </a:lnSpc>
+              <a:spcBef>
+                <a:spcPts val="400"/>
+              </a:spcBef>
+              <a:buSzPct val="100000"/>
+              <a:buChar char="▪"/>
+              <a:defRPr>
+                <a:solidFill>
+                  <a:srgbClr val="FF2600"/>
+                </a:solidFill>
+              </a:defRPr>
+            </a:pPr>
+            <a:r>
+              <a:rPr lang="de-DE" dirty="0">
+                <a:solidFill>
+                  <a:schemeClr val="tx1"/>
+                </a:solidFill>
+              </a:rPr>
+              <a:t> P</a:t>
+            </a:r>
+            <a:r>
+              <a:rPr dirty="0" err="1">
+                <a:solidFill>
+                  <a:schemeClr val="tx1"/>
+                </a:solidFill>
+              </a:rPr>
+              <a:t>erform</a:t>
+            </a:r>
+            <a:r>
+              <a:rPr lang="de-DE" dirty="0">
+                <a:solidFill>
+                  <a:schemeClr val="tx1"/>
+                </a:solidFill>
+              </a:rPr>
+              <a:t>s</a:t>
+            </a:r>
+            <a:r>
+              <a:rPr dirty="0">
+                <a:solidFill>
+                  <a:schemeClr val="tx1"/>
+                </a:solidFill>
+              </a:rPr>
+              <a:t> well in one PDF but it still need to be optimized for general using</a:t>
+            </a:r>
+          </a:p>
+        </p:txBody>
+      </p:sp>
+      <p:sp>
+        <p:nvSpPr>
+          <p:cNvPr id="623" name="Rechteck"/>
+          <p:cNvSpPr/>
+          <p:nvPr/>
+        </p:nvSpPr>
+        <p:spPr>
+          <a:xfrm>
+            <a:off x="335359" y="6508856"/>
+            <a:ext cx="6710819" cy="340842"/>
+          </a:xfrm>
+          <a:prstGeom prst="rect">
+            <a:avLst/>
+          </a:prstGeom>
+          <a:solidFill>
+            <a:schemeClr val="accent3">
+              <a:lumOff val="44000"/>
+            </a:schemeClr>
+          </a:solidFill>
+          <a:ln w="12700" cap="flat">
+            <a:noFill/>
+            <a:miter lim="400000"/>
+          </a:ln>
+          <a:effectLst/>
+        </p:spPr>
+        <p:txBody>
+          <a:bodyPr wrap="square" lIns="45719" tIns="45719" rIns="45719" bIns="45719" numCol="1" anchor="t">
+            <a:noAutofit/>
+          </a:bodyPr>
+          <a:lstStyle/>
+          <a:p>
+            <a:pPr algn="l">
+              <a:lnSpc>
+                <a:spcPct val="100000"/>
+              </a:lnSpc>
+              <a:defRPr sz="700">
+                <a:solidFill>
+                  <a:srgbClr val="A6A6A6"/>
+                </a:solidFill>
+              </a:defRPr>
+            </a:pPr>
+            <a:endParaRPr/>
+          </a:p>
+        </p:txBody>
+      </p:sp>
+    </p:spTree>
+  </p:cSld>
+  <p:clrMapOvr>
+    <a:masterClrMapping/>
+  </p:clrMapOvr>
+  <p:transition spd="med"/>
+</p:sld>
+</file>
+
+<file path=ppt/slides/slide7.xml><?xml version="1.0" encoding="utf-8"?>
+<p:sld xmlns:a="http://schemas.openxmlformats.org/drawingml/2006/main" xmlns:r="http://schemas.openxmlformats.org/officeDocument/2006/relationships" xmlns:p="http://schemas.openxmlformats.org/presentationml/2006/main">
+  <p:cSld>
+    <p:spTree>
+      <p:nvGrpSpPr>
+        <p:cNvPr id="1" name=""/>
+        <p:cNvGrpSpPr/>
+        <p:nvPr/>
+      </p:nvGrpSpPr>
+      <p:grpSpPr>
+        <a:xfrm>
+          <a:off x="0" y="0"/>
+          <a:ext cx="0" cy="0"/>
+          <a:chOff x="0" y="0"/>
+          <a:chExt cx="0" cy="0"/>
+        </a:xfrm>
+      </p:grpSpPr>
+      <p:sp>
+        <p:nvSpPr>
           <p:cNvPr id="630" name="Titel 1"/>
           <p:cNvSpPr txBox="1">
             <a:spLocks noGrp="1"/>
@@ -21452,15 +22797,30 @@
           <a:lstStyle/>
           <a:p>
             <a:r>
-              <a:t>The</a:t>
-            </a:r>
-            <a:r>
-              <a:rPr lang="de-DE"/>
-              <a:t>se</a:t>
-            </a:r>
-            <a:r>
-              <a:t> main Problems should be Solved</a:t>
-            </a:r>
+              <a:rPr lang="de-DE" dirty="0"/>
+              <a:t>Main </a:t>
+            </a:r>
+            <a:r>
+              <a:rPr lang="de-DE" dirty="0" err="1"/>
+              <a:t>Obstacles</a:t>
+            </a:r>
+            <a:r>
+              <a:rPr lang="de-DE" dirty="0"/>
+              <a:t> </a:t>
+            </a:r>
+            <a:r>
+              <a:rPr lang="de-DE" dirty="0" err="1"/>
+              <a:t>Right</a:t>
+            </a:r>
+            <a:r>
+              <a:rPr lang="de-DE" dirty="0"/>
+              <a:t> </a:t>
+            </a:r>
+            <a:r>
+              <a:rPr lang="de-DE" dirty="0" err="1"/>
+              <a:t>Now</a:t>
+            </a:r>
+            <a:endParaRPr dirty="0"/>
           </a:p>
         </p:txBody>
       </p:sp>
@@ -21545,7 +22905,7 @@
             <a:effectLst/>
             <a:extLst>
               <a:ext uri="{C572A759-6A51-4108-AA02-DFA0A04FC94B}">
-                <ma14:wrappingTextBoxFlag xmlns:ma14="http://schemas.microsoft.com/office/mac/drawingml/2011/main" xmlns:a14="http://schemas.microsoft.com/office/drawing/2010/main" xmlns:m="http://schemas.openxmlformats.org/officeDocument/2006/math" xmlns="" val="1"/>
+                <ma14:wrappingTextBoxFlag xmlns="" xmlns:m="http://schemas.openxmlformats.org/officeDocument/2006/math" xmlns:a14="http://schemas.microsoft.com/office/drawing/2010/main" xmlns:ma14="http://schemas.microsoft.com/office/mac/drawingml/2011/main" val="1"/>
               </a:ext>
             </a:extLst>
           </p:spPr>
@@ -21562,36 +22922,36 @@
                 <a:defRPr sz="700" b="1"/>
               </a:pPr>
               <a:r>
-                <a:rPr lang="de-DE" sz="700" i="1" err="1"/>
+                <a:rPr lang="de-DE" sz="700" i="1" dirty="0" err="1"/>
                 <a:t>Automata</a:t>
               </a:r>
               <a:r>
-                <a:rPr lang="de-DE" sz="700" i="1"/>
+                <a:rPr lang="de-DE" sz="700" i="1" dirty="0"/>
                 <a:t> </a:t>
               </a:r>
               <a:r>
-                <a:rPr lang="de-DE" sz="700" i="1" err="1"/>
+                <a:rPr lang="de-DE" sz="700" i="1" dirty="0" err="1"/>
                 <a:t>and</a:t>
               </a:r>
               <a:r>
-                <a:rPr lang="de-DE" sz="700" i="1"/>
+                <a:rPr lang="de-DE" sz="700" i="1" dirty="0"/>
                 <a:t> </a:t>
               </a:r>
               <a:r>
-                <a:rPr lang="de-DE" sz="700" i="1" err="1"/>
+                <a:rPr lang="de-DE" sz="700" i="1" dirty="0" err="1"/>
                 <a:t>Computability</a:t>
               </a:r>
               <a:r>
-                <a:rPr lang="de-DE" sz="700" i="1"/>
+                <a:rPr lang="de-DE" sz="700" i="1" dirty="0"/>
                 <a:t> </a:t>
               </a:r>
               <a:r>
-                <a:rPr lang="de-DE">
+                <a:rPr lang="de-DE" dirty="0">
                   <a:solidFill>
                     <a:srgbClr val="A6A6A6"/>
                   </a:solidFill>
                 </a:rPr>
-                <a:t>[AACOM]</a:t>
+                <a:t>[2]</a:t>
               </a:r>
             </a:p>
             <a:p>
@@ -21606,9 +22966,9 @@
                 </a:defRPr>
               </a:pPr>
               <a:br>
-                <a:rPr b="1"/>
+                <a:rPr b="1" dirty="0"/>
               </a:br>
-              <a:endParaRPr b="1"/>
+              <a:endParaRPr b="1" dirty="0"/>
             </a:p>
           </p:txBody>
         </p:sp>
@@ -21638,7 +22998,7 @@
           </a:ln>
           <a:extLst>
             <a:ext uri="{C572A759-6A51-4108-AA02-DFA0A04FC94B}">
-              <ma14:wrappingTextBoxFlag xmlns:ma14="http://schemas.microsoft.com/office/mac/drawingml/2011/main" xmlns:a14="http://schemas.microsoft.com/office/drawing/2010/main" xmlns:m="http://schemas.openxmlformats.org/officeDocument/2006/math" xmlns="" val="1"/>
+              <ma14:wrappingTextBoxFlag xmlns="" xmlns:m="http://schemas.openxmlformats.org/officeDocument/2006/math" xmlns:a14="http://schemas.microsoft.com/office/drawing/2010/main" xmlns:ma14="http://schemas.microsoft.com/office/mac/drawingml/2011/main" val="1"/>
             </a:ext>
           </a:extLst>
         </p:spPr>
@@ -21657,7 +23017,7 @@
               </a:spcBef>
               <a:defRPr sz="2000" b="1"/>
             </a:pPr>
-            <a:endParaRPr>
+            <a:endParaRPr dirty="0">
               <a:solidFill>
                 <a:schemeClr val="tx1"/>
               </a:solidFill>
@@ -21676,7 +23036,7 @@
               <a:buChar char="▪"/>
             </a:pPr>
             <a:r>
-              <a:rPr lang="de-DE" err="1">
+              <a:rPr lang="de-DE" dirty="0" err="1">
                 <a:solidFill>
                   <a:schemeClr val="tx1"/>
                 </a:solidFill>
@@ -21684,7 +23044,7 @@
               <a:t>Determining</a:t>
             </a:r>
             <a:r>
-              <a:rPr lang="de-DE">
+              <a:rPr lang="de-DE" dirty="0">
                 <a:solidFill>
                   <a:schemeClr val="tx1"/>
                 </a:solidFill>
@@ -21692,7 +23052,7 @@
               <a:t> </a:t>
             </a:r>
             <a:r>
-              <a:rPr lang="de-DE" err="1">
+              <a:rPr lang="de-DE" dirty="0" err="1">
                 <a:solidFill>
                   <a:schemeClr val="tx1"/>
                 </a:solidFill>
@@ -21700,7 +23060,7 @@
               <a:t>where</a:t>
             </a:r>
             <a:r>
-              <a:rPr lang="de-DE">
+              <a:rPr lang="de-DE" dirty="0">
                 <a:solidFill>
                   <a:schemeClr val="tx1"/>
                 </a:solidFill>
@@ -21708,7 +23068,7 @@
               <a:t> </a:t>
             </a:r>
             <a:r>
-              <a:rPr lang="de-DE" err="1">
+              <a:rPr lang="de-DE" dirty="0" err="1">
                 <a:solidFill>
                   <a:schemeClr val="tx1"/>
                 </a:solidFill>
@@ -21716,7 +23076,7 @@
               <a:t>the</a:t>
             </a:r>
             <a:r>
-              <a:rPr lang="de-DE">
+              <a:rPr lang="de-DE" dirty="0">
                 <a:solidFill>
                   <a:schemeClr val="tx1"/>
                 </a:solidFill>
@@ -21724,7 +23084,7 @@
               <a:t> Index in </a:t>
             </a:r>
             <a:r>
-              <a:rPr lang="de-DE" err="1">
+              <a:rPr lang="de-DE" dirty="0" err="1">
                 <a:solidFill>
                   <a:schemeClr val="tx1"/>
                 </a:solidFill>
@@ -21732,7 +23092,7 @@
               <a:t>any</a:t>
             </a:r>
             <a:r>
-              <a:rPr lang="de-DE">
+              <a:rPr lang="de-DE" dirty="0">
                 <a:solidFill>
                   <a:schemeClr val="tx1"/>
                 </a:solidFill>
@@ -21740,7 +23100,7 @@
               <a:t> </a:t>
             </a:r>
             <a:r>
-              <a:rPr lang="de-DE" err="1">
+              <a:rPr lang="de-DE" dirty="0" err="1">
                 <a:solidFill>
                   <a:schemeClr val="tx1"/>
                 </a:solidFill>
@@ -21748,7 +23108,7 @@
               <a:t>given</a:t>
             </a:r>
             <a:r>
-              <a:rPr lang="de-DE">
+              <a:rPr lang="de-DE" dirty="0">
                 <a:solidFill>
                   <a:schemeClr val="tx1"/>
                 </a:solidFill>
@@ -21756,14 +23116,14 @@
               <a:t> PDF </a:t>
             </a:r>
             <a:r>
-              <a:rPr lang="de-DE" err="1">
+              <a:rPr lang="de-DE" dirty="0" err="1">
                 <a:solidFill>
                   <a:schemeClr val="tx1"/>
                 </a:solidFill>
               </a:rPr>
               <a:t>is</a:t>
             </a:r>
-            <a:endParaRPr lang="de-DE">
+            <a:endParaRPr lang="de-DE" dirty="0">
               <a:solidFill>
                 <a:schemeClr val="tx1"/>
               </a:solidFill>
@@ -21779,7 +23139,7 @@
               </a:spcBef>
               <a:buSzPct val="100000"/>
             </a:pPr>
-            <a:endParaRPr lang="de-DE">
+            <a:endParaRPr lang="de-DE" dirty="0">
               <a:solidFill>
                 <a:schemeClr val="tx1"/>
               </a:solidFill>
@@ -21798,7 +23158,7 @@
               <a:buChar char="▪"/>
             </a:pPr>
             <a:r>
-              <a:rPr lang="de-DE" err="1">
+              <a:rPr lang="de-DE" dirty="0" err="1">
                 <a:solidFill>
                   <a:schemeClr val="tx1"/>
                 </a:solidFill>
@@ -21806,7 +23166,7 @@
               <a:t>Filtering</a:t>
             </a:r>
             <a:r>
-              <a:rPr lang="de-DE">
+              <a:rPr lang="de-DE" dirty="0">
                 <a:solidFill>
                   <a:schemeClr val="tx1"/>
                 </a:solidFill>
@@ -21814,7 +23174,7 @@
               <a:t> </a:t>
             </a:r>
             <a:r>
-              <a:rPr lang="de-DE" err="1">
+              <a:rPr lang="de-DE" dirty="0" err="1">
                 <a:solidFill>
                   <a:schemeClr val="tx1"/>
                 </a:solidFill>
@@ -21822,7 +23182,7 @@
               <a:t>and</a:t>
             </a:r>
             <a:r>
-              <a:rPr lang="de-DE">
+              <a:rPr lang="de-DE" dirty="0">
                 <a:solidFill>
                   <a:schemeClr val="tx1"/>
                 </a:solidFill>
@@ -21830,7 +23190,7 @@
               <a:t> </a:t>
             </a:r>
             <a:r>
-              <a:rPr lang="de-DE" err="1">
+              <a:rPr lang="de-DE" dirty="0" err="1">
                 <a:solidFill>
                   <a:schemeClr val="tx1"/>
                 </a:solidFill>
@@ -21838,7 +23198,7 @@
               <a:t>removal</a:t>
             </a:r>
             <a:r>
-              <a:rPr lang="de-DE">
+              <a:rPr lang="de-DE" dirty="0">
                 <a:solidFill>
                   <a:schemeClr val="tx1"/>
                 </a:solidFill>
@@ -21846,7 +23206,7 @@
               <a:t> </a:t>
             </a:r>
             <a:r>
-              <a:rPr lang="de-DE" err="1">
+              <a:rPr lang="de-DE" dirty="0" err="1">
                 <a:solidFill>
                   <a:schemeClr val="tx1"/>
                 </a:solidFill>
@@ -21854,7 +23214,7 @@
               <a:t>of</a:t>
             </a:r>
             <a:r>
-              <a:rPr lang="de-DE">
+              <a:rPr lang="de-DE" dirty="0">
                 <a:solidFill>
                   <a:schemeClr val="tx1"/>
                 </a:solidFill>
@@ -21862,7 +23222,7 @@
               <a:t> non-relevant </a:t>
             </a:r>
             <a:r>
-              <a:rPr lang="de-DE" err="1">
+              <a:rPr lang="de-DE" dirty="0" err="1">
                 <a:solidFill>
                   <a:schemeClr val="tx1"/>
                 </a:solidFill>
@@ -21870,7 +23230,7 @@
               <a:t>content</a:t>
             </a:r>
             <a:r>
-              <a:rPr lang="de-DE">
+              <a:rPr lang="de-DE" dirty="0">
                 <a:solidFill>
                   <a:schemeClr val="tx1"/>
                 </a:solidFill>
@@ -21878,7 +23238,7 @@
               <a:t> (e.g. </a:t>
             </a:r>
             <a:r>
-              <a:rPr lang="de-DE" err="1">
+              <a:rPr lang="de-DE" dirty="0" err="1">
                 <a:solidFill>
                   <a:schemeClr val="tx1"/>
                 </a:solidFill>
@@ -21886,7 +23246,7 @@
               <a:t>pagenumber</a:t>
             </a:r>
             <a:r>
-              <a:rPr lang="de-DE">
+              <a:rPr lang="de-DE" dirty="0">
                 <a:solidFill>
                   <a:schemeClr val="tx1"/>
                 </a:solidFill>
@@ -21894,7 +23254,7 @@
               <a:t>, </a:t>
             </a:r>
             <a:r>
-              <a:rPr lang="de-DE" err="1">
+              <a:rPr lang="de-DE" dirty="0" err="1">
                 <a:solidFill>
                   <a:schemeClr val="tx1"/>
                 </a:solidFill>
@@ -21902,7 +23262,7 @@
               <a:t>header</a:t>
             </a:r>
             <a:r>
-              <a:rPr lang="de-DE">
+              <a:rPr lang="de-DE" dirty="0">
                 <a:solidFill>
                   <a:schemeClr val="tx1"/>
                 </a:solidFill>
@@ -21910,7 +23270,7 @@
               <a:t>, </a:t>
             </a:r>
             <a:r>
-              <a:rPr lang="de-DE" err="1">
+              <a:rPr lang="de-DE" dirty="0" err="1">
                 <a:solidFill>
                   <a:schemeClr val="tx1"/>
                 </a:solidFill>
@@ -21918,7 +23278,7 @@
               <a:t>etc</a:t>
             </a:r>
             <a:r>
-              <a:rPr lang="de-DE">
+              <a:rPr lang="de-DE" dirty="0">
                 <a:solidFill>
                   <a:schemeClr val="tx1"/>
                 </a:solidFill>
@@ -21936,7 +23296,7 @@
               </a:spcBef>
               <a:buSzPct val="100000"/>
             </a:pPr>
-            <a:endParaRPr>
+            <a:endParaRPr dirty="0">
               <a:solidFill>
                 <a:schemeClr val="tx1"/>
               </a:solidFill>
@@ -21954,7 +23314,7 @@
               <a:buChar char="▪"/>
             </a:pPr>
             <a:r>
-              <a:rPr>
+              <a:rPr dirty="0">
                 <a:solidFill>
                   <a:schemeClr val="tx1"/>
                 </a:solidFill>
@@ -21973,7 +23333,7 @@
               <a:buSzPct val="100000"/>
               <a:buChar char="▪"/>
             </a:pPr>
-            <a:endParaRPr>
+            <a:endParaRPr dirty="0">
               <a:solidFill>
                 <a:schemeClr val="tx1"/>
               </a:solidFill>
@@ -21991,7 +23351,7 @@
               <a:buChar char="▪"/>
               <a:defRPr sz="2000" b="1"/>
             </a:pPr>
-            <a:endParaRPr>
+            <a:endParaRPr dirty="0">
               <a:solidFill>
                 <a:schemeClr val="tx1"/>
               </a:solidFill>
@@ -22959,7 +24319,7 @@
 </p:sld>
 </file>
 
-<file path=ppt/slides/slide7.xml><?xml version="1.0" encoding="utf-8"?>
+<file path=ppt/slides/slide8.xml><?xml version="1.0" encoding="utf-8"?>
 <p:sld xmlns:a="http://schemas.openxmlformats.org/drawingml/2006/main" xmlns:r="http://schemas.openxmlformats.org/officeDocument/2006/relationships" xmlns:p="http://schemas.openxmlformats.org/presentationml/2006/main">
   <p:cSld>
     <p:spTree>
@@ -22996,6 +24356,7 @@
           <a:lstStyle/>
           <a:p>
             <a:r>
+              <a:rPr dirty="0"/>
               <a:t>Sources</a:t>
             </a:r>
           </a:p>
@@ -23031,35 +24392,35 @@
               <a:defRPr sz="800"/>
             </a:pPr>
             <a:r>
-              <a:rPr lang="de-DE" sz="800"/>
-              <a:t>[USHIS]	Corbett, P. S., Volker, J., Lund, J. M., </a:t>
-            </a:r>
-            <a:r>
-              <a:rPr lang="de-DE" sz="800" err="1"/>
+              <a:rPr lang="de-DE" sz="800" dirty="0"/>
+              <a:t>[1]	Corbett, P. S., Volker, J., Lund, J. M., </a:t>
+            </a:r>
+            <a:r>
+              <a:rPr lang="de-DE" sz="800" dirty="0" err="1"/>
               <a:t>Pfannestiel</a:t>
             </a:r>
             <a:r>
-              <a:rPr lang="de-DE" sz="800"/>
+              <a:rPr lang="de-DE" sz="800" dirty="0"/>
               <a:t>, T. J., </a:t>
             </a:r>
             <a:r>
-              <a:rPr lang="de-DE" sz="800" err="1"/>
+              <a:rPr lang="de-DE" sz="800" dirty="0" err="1"/>
               <a:t>Vickery</a:t>
             </a:r>
             <a:r>
-              <a:rPr lang="de-DE" sz="800"/>
+              <a:rPr lang="de-DE" sz="800" dirty="0"/>
               <a:t>, P. S., &amp; Janssen, V. (2014). </a:t>
             </a:r>
             <a:r>
-              <a:rPr lang="de-DE" sz="800" i="1"/>
+              <a:rPr lang="de-DE" sz="800" i="1" dirty="0"/>
               <a:t>U. S. </a:t>
             </a:r>
             <a:r>
-              <a:rPr lang="de-DE" sz="800" i="1" err="1"/>
+              <a:rPr lang="de-DE" sz="800" i="1" dirty="0" err="1"/>
               <a:t>History</a:t>
             </a:r>
             <a:r>
-              <a:rPr lang="de-DE" sz="800"/>
+              <a:rPr lang="de-DE" sz="800" dirty="0"/>
               <a:t>. Amsterdam, Niederlande: Amsterdam University Press.</a:t>
             </a:r>
           </a:p>
@@ -23071,42 +24432,42 @@
               <a:defRPr sz="800"/>
             </a:pPr>
             <a:r>
-              <a:rPr lang="de-DE" sz="800"/>
-              <a:t>[AACOM]	</a:t>
-            </a:r>
-            <a:r>
-              <a:rPr lang="de-DE" sz="800" err="1"/>
+              <a:rPr lang="de-DE" sz="800" dirty="0"/>
+              <a:t>[2]	</a:t>
+            </a:r>
+            <a:r>
+              <a:rPr lang="de-DE" sz="800" dirty="0" err="1"/>
               <a:t>Kozen</a:t>
             </a:r>
             <a:r>
-              <a:rPr lang="de-DE" sz="800"/>
+              <a:rPr lang="de-DE" sz="800" dirty="0"/>
               <a:t>, D. C. (2013). </a:t>
             </a:r>
             <a:r>
-              <a:rPr lang="de-DE" sz="800" i="1" err="1"/>
+              <a:rPr lang="de-DE" sz="800" i="1" dirty="0" err="1"/>
               <a:t>Automata</a:t>
             </a:r>
             <a:r>
-              <a:rPr lang="de-DE" sz="800" i="1"/>
+              <a:rPr lang="de-DE" sz="800" i="1" dirty="0"/>
               <a:t> </a:t>
             </a:r>
             <a:r>
-              <a:rPr lang="de-DE" sz="800" i="1" err="1"/>
+              <a:rPr lang="de-DE" sz="800" i="1" dirty="0" err="1"/>
               <a:t>and</a:t>
             </a:r>
             <a:r>
-              <a:rPr lang="de-DE" sz="800" i="1"/>
+              <a:rPr lang="de-DE" sz="800" i="1" dirty="0"/>
               <a:t> </a:t>
             </a:r>
             <a:r>
-              <a:rPr lang="de-DE" sz="800" i="1" err="1"/>
+              <a:rPr lang="de-DE" sz="800" i="1" dirty="0" err="1"/>
               <a:t>Computability</a:t>
             </a:r>
             <a:r>
-              <a:rPr lang="de-DE" sz="800"/>
+              <a:rPr lang="de-DE" sz="800" dirty="0"/>
               <a:t>. New York, Vereinigte Staaten: Springer Publishing.</a:t>
             </a:r>
-            <a:endParaRPr sz="800"/>
+            <a:endParaRPr sz="800" dirty="0"/>
           </a:p>
           <a:p>
             <a:pPr>
@@ -23116,7 +24477,7 @@
               <a:defRPr sz="800"/>
             </a:pPr>
             <a:r>
-              <a:rPr sz="800"/>
+              <a:rPr sz="800" dirty="0"/>
               <a:t> </a:t>
             </a:r>
           </a:p>
